--- a/presentations/issue-nov-2019.pptx
+++ b/presentations/issue-nov-2019.pptx
@@ -6,11 +6,22 @@
   </p:sldMasterIdLst>
   <p:sldIdLst>
     <p:sldId id="256" r:id="rId2"/>
-    <p:sldId id="257" r:id="rId3"/>
+    <p:sldId id="267" r:id="rId3"/>
     <p:sldId id="258" r:id="rId4"/>
     <p:sldId id="259" r:id="rId5"/>
-    <p:sldId id="260" r:id="rId6"/>
-    <p:sldId id="261" r:id="rId7"/>
+    <p:sldId id="261" r:id="rId6"/>
+    <p:sldId id="264" r:id="rId7"/>
+    <p:sldId id="263" r:id="rId8"/>
+    <p:sldId id="257" r:id="rId9"/>
+    <p:sldId id="266" r:id="rId10"/>
+    <p:sldId id="270" r:id="rId11"/>
+    <p:sldId id="268" r:id="rId12"/>
+    <p:sldId id="269" r:id="rId13"/>
+    <p:sldId id="265" r:id="rId14"/>
+    <p:sldId id="260" r:id="rId15"/>
+    <p:sldId id="271" r:id="rId16"/>
+    <p:sldId id="272" r:id="rId17"/>
+    <p:sldId id="262" r:id="rId18"/>
   </p:sldIdLst>
   <p:sldSz cx="12192000" cy="6858000"/>
   <p:notesSz cx="6858000" cy="9144000"/>
@@ -261,7 +272,7 @@
               <a:rPr lang="fi-FI" smtClean="0"/>
               <a:t>10.11.2019</a:t>
             </a:fld>
-            <a:endParaRPr lang="fi-FI"/>
+            <a:endParaRPr lang="fi-FI" dirty="0"/>
           </a:p>
         </p:txBody>
       </p:sp>
@@ -286,7 +297,7 @@
           <a:bodyPr/>
           <a:lstStyle/>
           <a:p>
-            <a:endParaRPr lang="fi-FI"/>
+            <a:endParaRPr lang="fi-FI" dirty="0"/>
           </a:p>
         </p:txBody>
       </p:sp>
@@ -315,7 +326,7 @@
               <a:rPr lang="fi-FI" smtClean="0"/>
               <a:t>‹#›</a:t>
             </a:fld>
-            <a:endParaRPr lang="fi-FI"/>
+            <a:endParaRPr lang="fi-FI" dirty="0"/>
           </a:p>
         </p:txBody>
       </p:sp>
@@ -459,7 +470,7 @@
               <a:rPr lang="fi-FI" smtClean="0"/>
               <a:t>10.11.2019</a:t>
             </a:fld>
-            <a:endParaRPr lang="fi-FI"/>
+            <a:endParaRPr lang="fi-FI" dirty="0"/>
           </a:p>
         </p:txBody>
       </p:sp>
@@ -484,7 +495,7 @@
           <a:bodyPr/>
           <a:lstStyle/>
           <a:p>
-            <a:endParaRPr lang="fi-FI"/>
+            <a:endParaRPr lang="fi-FI" dirty="0"/>
           </a:p>
         </p:txBody>
       </p:sp>
@@ -513,7 +524,7 @@
               <a:rPr lang="fi-FI" smtClean="0"/>
               <a:t>‹#›</a:t>
             </a:fld>
-            <a:endParaRPr lang="fi-FI"/>
+            <a:endParaRPr lang="fi-FI" dirty="0"/>
           </a:p>
         </p:txBody>
       </p:sp>
@@ -667,7 +678,7 @@
               <a:rPr lang="fi-FI" smtClean="0"/>
               <a:t>10.11.2019</a:t>
             </a:fld>
-            <a:endParaRPr lang="fi-FI"/>
+            <a:endParaRPr lang="fi-FI" dirty="0"/>
           </a:p>
         </p:txBody>
       </p:sp>
@@ -692,7 +703,7 @@
           <a:bodyPr/>
           <a:lstStyle/>
           <a:p>
-            <a:endParaRPr lang="fi-FI"/>
+            <a:endParaRPr lang="fi-FI" dirty="0"/>
           </a:p>
         </p:txBody>
       </p:sp>
@@ -721,7 +732,7 @@
               <a:rPr lang="fi-FI" smtClean="0"/>
               <a:t>‹#›</a:t>
             </a:fld>
-            <a:endParaRPr lang="fi-FI"/>
+            <a:endParaRPr lang="fi-FI" dirty="0"/>
           </a:p>
         </p:txBody>
       </p:sp>
@@ -865,7 +876,7 @@
               <a:rPr lang="fi-FI" smtClean="0"/>
               <a:t>10.11.2019</a:t>
             </a:fld>
-            <a:endParaRPr lang="fi-FI"/>
+            <a:endParaRPr lang="fi-FI" dirty="0"/>
           </a:p>
         </p:txBody>
       </p:sp>
@@ -890,7 +901,7 @@
           <a:bodyPr/>
           <a:lstStyle/>
           <a:p>
-            <a:endParaRPr lang="fi-FI"/>
+            <a:endParaRPr lang="fi-FI" dirty="0"/>
           </a:p>
         </p:txBody>
       </p:sp>
@@ -919,7 +930,7 @@
               <a:rPr lang="fi-FI" smtClean="0"/>
               <a:t>‹#›</a:t>
             </a:fld>
-            <a:endParaRPr lang="fi-FI"/>
+            <a:endParaRPr lang="fi-FI" dirty="0"/>
           </a:p>
         </p:txBody>
       </p:sp>
@@ -1140,7 +1151,7 @@
               <a:rPr lang="fi-FI" smtClean="0"/>
               <a:t>10.11.2019</a:t>
             </a:fld>
-            <a:endParaRPr lang="fi-FI"/>
+            <a:endParaRPr lang="fi-FI" dirty="0"/>
           </a:p>
         </p:txBody>
       </p:sp>
@@ -1165,7 +1176,7 @@
           <a:bodyPr/>
           <a:lstStyle/>
           <a:p>
-            <a:endParaRPr lang="fi-FI"/>
+            <a:endParaRPr lang="fi-FI" dirty="0"/>
           </a:p>
         </p:txBody>
       </p:sp>
@@ -1194,7 +1205,7 @@
               <a:rPr lang="fi-FI" smtClean="0"/>
               <a:t>‹#›</a:t>
             </a:fld>
-            <a:endParaRPr lang="fi-FI"/>
+            <a:endParaRPr lang="fi-FI" dirty="0"/>
           </a:p>
         </p:txBody>
       </p:sp>
@@ -1405,7 +1416,7 @@
               <a:rPr lang="fi-FI" smtClean="0"/>
               <a:t>10.11.2019</a:t>
             </a:fld>
-            <a:endParaRPr lang="fi-FI"/>
+            <a:endParaRPr lang="fi-FI" dirty="0"/>
           </a:p>
         </p:txBody>
       </p:sp>
@@ -1430,7 +1441,7 @@
           <a:bodyPr/>
           <a:lstStyle/>
           <a:p>
-            <a:endParaRPr lang="fi-FI"/>
+            <a:endParaRPr lang="fi-FI" dirty="0"/>
           </a:p>
         </p:txBody>
       </p:sp>
@@ -1459,7 +1470,7 @@
               <a:rPr lang="fi-FI" smtClean="0"/>
               <a:t>‹#›</a:t>
             </a:fld>
-            <a:endParaRPr lang="fi-FI"/>
+            <a:endParaRPr lang="fi-FI" dirty="0"/>
           </a:p>
         </p:txBody>
       </p:sp>
@@ -1817,7 +1828,7 @@
               <a:rPr lang="fi-FI" smtClean="0"/>
               <a:t>10.11.2019</a:t>
             </a:fld>
-            <a:endParaRPr lang="fi-FI"/>
+            <a:endParaRPr lang="fi-FI" dirty="0"/>
           </a:p>
         </p:txBody>
       </p:sp>
@@ -1842,7 +1853,7 @@
           <a:bodyPr/>
           <a:lstStyle/>
           <a:p>
-            <a:endParaRPr lang="fi-FI"/>
+            <a:endParaRPr lang="fi-FI" dirty="0"/>
           </a:p>
         </p:txBody>
       </p:sp>
@@ -1871,7 +1882,7 @@
               <a:rPr lang="fi-FI" smtClean="0"/>
               <a:t>‹#›</a:t>
             </a:fld>
-            <a:endParaRPr lang="fi-FI"/>
+            <a:endParaRPr lang="fi-FI" dirty="0"/>
           </a:p>
         </p:txBody>
       </p:sp>
@@ -1958,7 +1969,7 @@
               <a:rPr lang="fi-FI" smtClean="0"/>
               <a:t>10.11.2019</a:t>
             </a:fld>
-            <a:endParaRPr lang="fi-FI"/>
+            <a:endParaRPr lang="fi-FI" dirty="0"/>
           </a:p>
         </p:txBody>
       </p:sp>
@@ -1983,7 +1994,7 @@
           <a:bodyPr/>
           <a:lstStyle/>
           <a:p>
-            <a:endParaRPr lang="fi-FI"/>
+            <a:endParaRPr lang="fi-FI" dirty="0"/>
           </a:p>
         </p:txBody>
       </p:sp>
@@ -2012,7 +2023,7 @@
               <a:rPr lang="fi-FI" smtClean="0"/>
               <a:t>‹#›</a:t>
             </a:fld>
-            <a:endParaRPr lang="fi-FI"/>
+            <a:endParaRPr lang="fi-FI" dirty="0"/>
           </a:p>
         </p:txBody>
       </p:sp>
@@ -2071,7 +2082,7 @@
               <a:rPr lang="fi-FI" smtClean="0"/>
               <a:t>10.11.2019</a:t>
             </a:fld>
-            <a:endParaRPr lang="fi-FI"/>
+            <a:endParaRPr lang="fi-FI" dirty="0"/>
           </a:p>
         </p:txBody>
       </p:sp>
@@ -2096,7 +2107,7 @@
           <a:bodyPr/>
           <a:lstStyle/>
           <a:p>
-            <a:endParaRPr lang="fi-FI"/>
+            <a:endParaRPr lang="fi-FI" dirty="0"/>
           </a:p>
         </p:txBody>
       </p:sp>
@@ -2125,7 +2136,7 @@
               <a:rPr lang="fi-FI" smtClean="0"/>
               <a:t>‹#›</a:t>
             </a:fld>
-            <a:endParaRPr lang="fi-FI"/>
+            <a:endParaRPr lang="fi-FI" dirty="0"/>
           </a:p>
         </p:txBody>
       </p:sp>
@@ -2382,7 +2393,7 @@
               <a:rPr lang="fi-FI" smtClean="0"/>
               <a:t>10.11.2019</a:t>
             </a:fld>
-            <a:endParaRPr lang="fi-FI"/>
+            <a:endParaRPr lang="fi-FI" dirty="0"/>
           </a:p>
         </p:txBody>
       </p:sp>
@@ -2407,7 +2418,7 @@
           <a:bodyPr/>
           <a:lstStyle/>
           <a:p>
-            <a:endParaRPr lang="fi-FI"/>
+            <a:endParaRPr lang="fi-FI" dirty="0"/>
           </a:p>
         </p:txBody>
       </p:sp>
@@ -2436,7 +2447,7 @@
               <a:rPr lang="fi-FI" smtClean="0"/>
               <a:t>‹#›</a:t>
             </a:fld>
-            <a:endParaRPr lang="fi-FI"/>
+            <a:endParaRPr lang="fi-FI" dirty="0"/>
           </a:p>
         </p:txBody>
       </p:sp>
@@ -2570,7 +2581,7 @@
             </a:lvl9pPr>
           </a:lstStyle>
           <a:p>
-            <a:endParaRPr lang="fi-FI"/>
+            <a:endParaRPr lang="fi-FI" dirty="0"/>
           </a:p>
         </p:txBody>
       </p:sp>
@@ -2670,7 +2681,7 @@
               <a:rPr lang="fi-FI" smtClean="0"/>
               <a:t>10.11.2019</a:t>
             </a:fld>
-            <a:endParaRPr lang="fi-FI"/>
+            <a:endParaRPr lang="fi-FI" dirty="0"/>
           </a:p>
         </p:txBody>
       </p:sp>
@@ -2695,7 +2706,7 @@
           <a:bodyPr/>
           <a:lstStyle/>
           <a:p>
-            <a:endParaRPr lang="fi-FI"/>
+            <a:endParaRPr lang="fi-FI" dirty="0"/>
           </a:p>
         </p:txBody>
       </p:sp>
@@ -2724,7 +2735,7 @@
               <a:rPr lang="fi-FI" smtClean="0"/>
               <a:t>‹#›</a:t>
             </a:fld>
-            <a:endParaRPr lang="fi-FI"/>
+            <a:endParaRPr lang="fi-FI" dirty="0"/>
           </a:p>
         </p:txBody>
       </p:sp>
@@ -2911,7 +2922,7 @@
               <a:rPr lang="fi-FI" smtClean="0"/>
               <a:t>10.11.2019</a:t>
             </a:fld>
-            <a:endParaRPr lang="fi-FI"/>
+            <a:endParaRPr lang="fi-FI" dirty="0"/>
           </a:p>
         </p:txBody>
       </p:sp>
@@ -2954,7 +2965,7 @@
             </a:lvl1pPr>
           </a:lstStyle>
           <a:p>
-            <a:endParaRPr lang="fi-FI"/>
+            <a:endParaRPr lang="fi-FI" dirty="0"/>
           </a:p>
         </p:txBody>
       </p:sp>
@@ -3001,7 +3012,7 @@
               <a:rPr lang="fi-FI" smtClean="0"/>
               <a:t>‹#›</a:t>
             </a:fld>
-            <a:endParaRPr lang="fi-FI"/>
+            <a:endParaRPr lang="fi-FI" dirty="0"/>
           </a:p>
         </p:txBody>
       </p:sp>
@@ -3350,68 +3361,25 @@
             <p:ph type="ctrTitle"/>
           </p:nvPr>
         </p:nvSpPr>
-        <p:spPr/>
+        <p:spPr>
+          <a:xfrm>
+            <a:off x="1524000" y="776370"/>
+            <a:ext cx="9144000" cy="2387600"/>
+          </a:xfrm>
+        </p:spPr>
         <p:txBody>
           <a:bodyPr>
-            <a:normAutofit/>
+            <a:normAutofit fontScale="90000"/>
           </a:bodyPr>
           <a:lstStyle/>
           <a:p>
             <a:r>
-              <a:rPr lang="fi-FI" b="1" dirty="0" err="1">
-                <a:solidFill>
-                  <a:schemeClr val="bg1"/>
-                </a:solidFill>
-              </a:rPr>
-              <a:t>Developers</a:t>
-            </a:r>
-            <a:r>
               <a:rPr lang="fi-FI" b="1" dirty="0">
                 <a:solidFill>
                   <a:schemeClr val="bg1"/>
                 </a:solidFill>
               </a:rPr>
-              <a:t> </a:t>
-            </a:r>
-            <a:r>
-              <a:rPr lang="fi-FI" b="1" dirty="0" err="1">
-                <a:solidFill>
-                  <a:schemeClr val="bg1"/>
-                </a:solidFill>
-              </a:rPr>
-              <a:t>are</a:t>
-            </a:r>
-            <a:r>
-              <a:rPr lang="fi-FI" b="1" dirty="0">
-                <a:solidFill>
-                  <a:schemeClr val="bg1"/>
-                </a:solidFill>
-              </a:rPr>
-              <a:t> </a:t>
-            </a:r>
-            <a:r>
-              <a:rPr lang="fi-FI" b="1" dirty="0" err="1">
-                <a:solidFill>
-                  <a:schemeClr val="bg1"/>
-                </a:solidFill>
-              </a:rPr>
-              <a:t>decision</a:t>
-            </a:r>
-            <a:r>
-              <a:rPr lang="fi-FI" b="1" dirty="0">
-                <a:solidFill>
-                  <a:schemeClr val="bg1"/>
-                </a:solidFill>
-              </a:rPr>
-              <a:t> </a:t>
-            </a:r>
-            <a:r>
-              <a:rPr lang="fi-FI" b="1" dirty="0" err="1">
-                <a:solidFill>
-                  <a:schemeClr val="bg1"/>
-                </a:solidFill>
-              </a:rPr>
-              <a:t>makers</a:t>
+              <a:t>Developers are decision makers and paying customers</a:t>
             </a:r>
             <a:endParaRPr lang="fi-FI" dirty="0">
               <a:solidFill>
@@ -3439,9 +3407,12 @@
         </p:nvSpPr>
         <p:spPr>
           <a:xfrm>
-            <a:off x="1524000" y="3602037"/>
-            <a:ext cx="9144000" cy="2786406"/>
-          </a:xfrm>
+            <a:off x="0" y="3602036"/>
+            <a:ext cx="12192000" cy="3255963"/>
+          </a:xfrm>
+          <a:solidFill>
+            <a:srgbClr val="FF4201"/>
+          </a:solidFill>
         </p:spPr>
         <p:txBody>
           <a:bodyPr>
@@ -3449,88 +3420,26 @@
           </a:bodyPr>
           <a:lstStyle/>
           <a:p>
-            <a:r>
-              <a:rPr lang="fi-FI" dirty="0" err="1">
-                <a:solidFill>
-                  <a:srgbClr val="FF4201"/>
-                </a:solidFill>
-              </a:rPr>
-              <a:t>Why</a:t>
-            </a:r>
-            <a:r>
-              <a:rPr lang="fi-FI" dirty="0">
-                <a:solidFill>
-                  <a:srgbClr val="FF4201"/>
-                </a:solidFill>
-              </a:rPr>
-              <a:t> DX </a:t>
-            </a:r>
-            <a:r>
-              <a:rPr lang="fi-FI" dirty="0" err="1">
-                <a:solidFill>
-                  <a:srgbClr val="FF4201"/>
-                </a:solidFill>
-              </a:rPr>
-              <a:t>matters</a:t>
-            </a:r>
-            <a:r>
-              <a:rPr lang="fi-FI" dirty="0">
-                <a:solidFill>
-                  <a:srgbClr val="FF4201"/>
-                </a:solidFill>
-              </a:rPr>
-              <a:t> in </a:t>
-            </a:r>
-            <a:r>
-              <a:rPr lang="fi-FI" dirty="0" err="1">
-                <a:solidFill>
-                  <a:srgbClr val="FF4201"/>
-                </a:solidFill>
-              </a:rPr>
-              <a:t>product</a:t>
-            </a:r>
-            <a:r>
-              <a:rPr lang="fi-FI" dirty="0">
-                <a:solidFill>
-                  <a:srgbClr val="FF4201"/>
-                </a:solidFill>
-              </a:rPr>
-              <a:t> </a:t>
-            </a:r>
-            <a:r>
-              <a:rPr lang="fi-FI" dirty="0" err="1">
-                <a:solidFill>
-                  <a:srgbClr val="FF4201"/>
-                </a:solidFill>
-              </a:rPr>
-              <a:t>development</a:t>
-            </a:r>
-            <a:r>
-              <a:rPr lang="fi-FI" dirty="0">
-                <a:solidFill>
-                  <a:srgbClr val="FF4201"/>
-                </a:solidFill>
-              </a:rPr>
-              <a:t> and </a:t>
-            </a:r>
-            <a:r>
-              <a:rPr lang="fi-FI" dirty="0" err="1">
-                <a:solidFill>
-                  <a:srgbClr val="FF4201"/>
-                </a:solidFill>
-              </a:rPr>
-              <a:t>sales</a:t>
-            </a:r>
             <a:endParaRPr lang="fi-FI" dirty="0">
               <a:solidFill>
-                <a:srgbClr val="FF4201"/>
+                <a:schemeClr val="bg1"/>
               </a:solidFill>
             </a:endParaRPr>
           </a:p>
           <a:p>
+            <a:r>
+              <a:rPr lang="fi-FI" dirty="0">
+                <a:solidFill>
+                  <a:schemeClr val="bg1"/>
+                </a:solidFill>
+              </a:rPr>
+              <a:t>Why DX matters in product development and sales</a:t>
+            </a:r>
+          </a:p>
+          <a:p>
             <a:endParaRPr lang="fi-FI" dirty="0">
               <a:solidFill>
-                <a:srgbClr val="FF4201"/>
+                <a:schemeClr val="bg1"/>
               </a:solidFill>
             </a:endParaRPr>
           </a:p>
@@ -3538,63 +3447,278 @@
             <a:r>
               <a:rPr lang="fi-FI" dirty="0">
                 <a:solidFill>
-                  <a:srgbClr val="FF4201"/>
-                </a:solidFill>
-              </a:rPr>
-              <a:t>Jarkko Moilanen (</a:t>
-            </a:r>
-            <a:r>
-              <a:rPr lang="fi-FI" dirty="0" err="1">
-                <a:solidFill>
-                  <a:srgbClr val="FF4201"/>
-                </a:solidFill>
-              </a:rPr>
-              <a:t>PhD</a:t>
-            </a:r>
+                  <a:schemeClr val="bg1"/>
+                </a:solidFill>
+              </a:rPr>
+              <a:t>Jarkko Moilanen (PhD, pursuing 2nd PhD) </a:t>
+            </a:r>
+          </a:p>
+          <a:p>
             <a:r>
               <a:rPr lang="fi-FI" dirty="0">
                 <a:solidFill>
-                  <a:srgbClr val="FF4201"/>
-                </a:solidFill>
-              </a:rPr>
-              <a:t>)</a:t>
+                  <a:schemeClr val="bg1"/>
+                </a:solidFill>
+              </a:rPr>
+              <a:t>Chief Development Officer, Platform of Trust</a:t>
             </a:r>
           </a:p>
           <a:p>
             <a:r>
               <a:rPr lang="fi-FI" dirty="0">
                 <a:solidFill>
-                  <a:srgbClr val="FF4201"/>
-                </a:solidFill>
-              </a:rPr>
-              <a:t>@</a:t>
-            </a:r>
-            <a:r>
-              <a:rPr lang="fi-FI" dirty="0" err="1">
-                <a:solidFill>
-                  <a:srgbClr val="FF4201"/>
-                </a:solidFill>
-              </a:rPr>
-              <a:t>Jarkko_Moilanen</a:t>
-            </a:r>
+                  <a:schemeClr val="bg1"/>
+                </a:solidFill>
+              </a:rPr>
+              <a:t>@Jarkko_Moilanen</a:t>
+            </a:r>
+          </a:p>
+          <a:p>
+            <a:r>
+              <a:rPr lang="fi-FI" dirty="0">
+                <a:solidFill>
+                  <a:schemeClr val="bg1"/>
+                </a:solidFill>
+              </a:rPr>
+              <a:t>+358 40 535 9066</a:t>
+            </a:r>
+          </a:p>
+        </p:txBody>
+      </p:sp>
+      <p:sp>
+        <p:nvSpPr>
+          <p:cNvPr id="4" name="Alaotsikko 2">
+            <a:extLst>
+              <a:ext uri="{FF2B5EF4-FFF2-40B4-BE49-F238E27FC236}">
+                <a16:creationId xmlns:a16="http://schemas.microsoft.com/office/drawing/2014/main" id="{FB9B79BF-6A7B-0644-806B-62AAEF06C437}"/>
+              </a:ext>
+            </a:extLst>
+          </p:cNvPr>
+          <p:cNvSpPr txBox="1">
+            <a:spLocks/>
+          </p:cNvSpPr>
+          <p:nvPr/>
+        </p:nvSpPr>
+        <p:spPr>
+          <a:xfrm>
+            <a:off x="0" y="0"/>
+            <a:ext cx="12192000" cy="511063"/>
+          </a:xfrm>
+          <a:prstGeom prst="rect">
+            <a:avLst/>
+          </a:prstGeom>
+          <a:solidFill>
+            <a:srgbClr val="FF4201"/>
+          </a:solidFill>
+        </p:spPr>
+        <p:txBody>
+          <a:bodyPr vert="horz" lIns="91440" tIns="45720" rIns="91440" bIns="45720" rtlCol="0">
+            <a:normAutofit/>
+          </a:bodyPr>
+          <a:lstStyle>
+            <a:lvl1pPr marL="0" indent="0" algn="ctr" defTabSz="914400" rtl="0" eaLnBrk="1" latinLnBrk="0" hangingPunct="1">
+              <a:lnSpc>
+                <a:spcPct val="90000"/>
+              </a:lnSpc>
+              <a:spcBef>
+                <a:spcPts val="1000"/>
+              </a:spcBef>
+              <a:buFont typeface="Arial" panose="020B0604020202020204" pitchFamily="34" charset="0"/>
+              <a:buNone/>
+              <a:defRPr sz="2400" kern="1200">
+                <a:solidFill>
+                  <a:schemeClr val="tx1"/>
+                </a:solidFill>
+                <a:latin typeface="+mn-lt"/>
+                <a:ea typeface="+mn-ea"/>
+                <a:cs typeface="+mn-cs"/>
+              </a:defRPr>
+            </a:lvl1pPr>
+            <a:lvl2pPr marL="457200" indent="0" algn="ctr" defTabSz="914400" rtl="0" eaLnBrk="1" latinLnBrk="0" hangingPunct="1">
+              <a:lnSpc>
+                <a:spcPct val="90000"/>
+              </a:lnSpc>
+              <a:spcBef>
+                <a:spcPts val="500"/>
+              </a:spcBef>
+              <a:buFont typeface="Arial" panose="020B0604020202020204" pitchFamily="34" charset="0"/>
+              <a:buNone/>
+              <a:defRPr sz="2000" kern="1200">
+                <a:solidFill>
+                  <a:schemeClr val="tx1"/>
+                </a:solidFill>
+                <a:latin typeface="+mn-lt"/>
+                <a:ea typeface="+mn-ea"/>
+                <a:cs typeface="+mn-cs"/>
+              </a:defRPr>
+            </a:lvl2pPr>
+            <a:lvl3pPr marL="914400" indent="0" algn="ctr" defTabSz="914400" rtl="0" eaLnBrk="1" latinLnBrk="0" hangingPunct="1">
+              <a:lnSpc>
+                <a:spcPct val="90000"/>
+              </a:lnSpc>
+              <a:spcBef>
+                <a:spcPts val="500"/>
+              </a:spcBef>
+              <a:buFont typeface="Arial" panose="020B0604020202020204" pitchFamily="34" charset="0"/>
+              <a:buNone/>
+              <a:defRPr sz="1800" kern="1200">
+                <a:solidFill>
+                  <a:schemeClr val="tx1"/>
+                </a:solidFill>
+                <a:latin typeface="+mn-lt"/>
+                <a:ea typeface="+mn-ea"/>
+                <a:cs typeface="+mn-cs"/>
+              </a:defRPr>
+            </a:lvl3pPr>
+            <a:lvl4pPr marL="1371600" indent="0" algn="ctr" defTabSz="914400" rtl="0" eaLnBrk="1" latinLnBrk="0" hangingPunct="1">
+              <a:lnSpc>
+                <a:spcPct val="90000"/>
+              </a:lnSpc>
+              <a:spcBef>
+                <a:spcPts val="500"/>
+              </a:spcBef>
+              <a:buFont typeface="Arial" panose="020B0604020202020204" pitchFamily="34" charset="0"/>
+              <a:buNone/>
+              <a:defRPr sz="1600" kern="1200">
+                <a:solidFill>
+                  <a:schemeClr val="tx1"/>
+                </a:solidFill>
+                <a:latin typeface="+mn-lt"/>
+                <a:ea typeface="+mn-ea"/>
+                <a:cs typeface="+mn-cs"/>
+              </a:defRPr>
+            </a:lvl4pPr>
+            <a:lvl5pPr marL="1828800" indent="0" algn="ctr" defTabSz="914400" rtl="0" eaLnBrk="1" latinLnBrk="0" hangingPunct="1">
+              <a:lnSpc>
+                <a:spcPct val="90000"/>
+              </a:lnSpc>
+              <a:spcBef>
+                <a:spcPts val="500"/>
+              </a:spcBef>
+              <a:buFont typeface="Arial" panose="020B0604020202020204" pitchFamily="34" charset="0"/>
+              <a:buNone/>
+              <a:defRPr sz="1600" kern="1200">
+                <a:solidFill>
+                  <a:schemeClr val="tx1"/>
+                </a:solidFill>
+                <a:latin typeface="+mn-lt"/>
+                <a:ea typeface="+mn-ea"/>
+                <a:cs typeface="+mn-cs"/>
+              </a:defRPr>
+            </a:lvl5pPr>
+            <a:lvl6pPr marL="2286000" indent="0" algn="ctr" defTabSz="914400" rtl="0" eaLnBrk="1" latinLnBrk="0" hangingPunct="1">
+              <a:lnSpc>
+                <a:spcPct val="90000"/>
+              </a:lnSpc>
+              <a:spcBef>
+                <a:spcPts val="500"/>
+              </a:spcBef>
+              <a:buFont typeface="Arial" panose="020B0604020202020204" pitchFamily="34" charset="0"/>
+              <a:buNone/>
+              <a:defRPr sz="1600" kern="1200">
+                <a:solidFill>
+                  <a:schemeClr val="tx1"/>
+                </a:solidFill>
+                <a:latin typeface="+mn-lt"/>
+                <a:ea typeface="+mn-ea"/>
+                <a:cs typeface="+mn-cs"/>
+              </a:defRPr>
+            </a:lvl6pPr>
+            <a:lvl7pPr marL="2743200" indent="0" algn="ctr" defTabSz="914400" rtl="0" eaLnBrk="1" latinLnBrk="0" hangingPunct="1">
+              <a:lnSpc>
+                <a:spcPct val="90000"/>
+              </a:lnSpc>
+              <a:spcBef>
+                <a:spcPts val="500"/>
+              </a:spcBef>
+              <a:buFont typeface="Arial" panose="020B0604020202020204" pitchFamily="34" charset="0"/>
+              <a:buNone/>
+              <a:defRPr sz="1600" kern="1200">
+                <a:solidFill>
+                  <a:schemeClr val="tx1"/>
+                </a:solidFill>
+                <a:latin typeface="+mn-lt"/>
+                <a:ea typeface="+mn-ea"/>
+                <a:cs typeface="+mn-cs"/>
+              </a:defRPr>
+            </a:lvl7pPr>
+            <a:lvl8pPr marL="3200400" indent="0" algn="ctr" defTabSz="914400" rtl="0" eaLnBrk="1" latinLnBrk="0" hangingPunct="1">
+              <a:lnSpc>
+                <a:spcPct val="90000"/>
+              </a:lnSpc>
+              <a:spcBef>
+                <a:spcPts val="500"/>
+              </a:spcBef>
+              <a:buFont typeface="Arial" panose="020B0604020202020204" pitchFamily="34" charset="0"/>
+              <a:buNone/>
+              <a:defRPr sz="1600" kern="1200">
+                <a:solidFill>
+                  <a:schemeClr val="tx1"/>
+                </a:solidFill>
+                <a:latin typeface="+mn-lt"/>
+                <a:ea typeface="+mn-ea"/>
+                <a:cs typeface="+mn-cs"/>
+              </a:defRPr>
+            </a:lvl8pPr>
+            <a:lvl9pPr marL="3657600" indent="0" algn="ctr" defTabSz="914400" rtl="0" eaLnBrk="1" latinLnBrk="0" hangingPunct="1">
+              <a:lnSpc>
+                <a:spcPct val="90000"/>
+              </a:lnSpc>
+              <a:spcBef>
+                <a:spcPts val="500"/>
+              </a:spcBef>
+              <a:buFont typeface="Arial" panose="020B0604020202020204" pitchFamily="34" charset="0"/>
+              <a:buNone/>
+              <a:defRPr sz="1600" kern="1200">
+                <a:solidFill>
+                  <a:schemeClr val="tx1"/>
+                </a:solidFill>
+                <a:latin typeface="+mn-lt"/>
+                <a:ea typeface="+mn-ea"/>
+                <a:cs typeface="+mn-cs"/>
+              </a:defRPr>
+            </a:lvl9pPr>
+          </a:lstStyle>
+          <a:p>
+            <a:pPr algn="l"/>
             <a:endParaRPr lang="fi-FI" dirty="0">
               <a:solidFill>
-                <a:srgbClr val="FF4201"/>
+                <a:schemeClr val="bg1"/>
               </a:solidFill>
             </a:endParaRPr>
           </a:p>
-          <a:p>
-            <a:r>
-              <a:rPr lang="fi-FI" dirty="0">
-                <a:solidFill>
-                  <a:srgbClr val="FF4201"/>
-                </a:solidFill>
-              </a:rPr>
-              <a:t>+358 40 535 9066</a:t>
-            </a:r>
-          </a:p>
-        </p:txBody>
-      </p:sp>
+        </p:txBody>
+      </p:sp>
+      <p:pic>
+        <p:nvPicPr>
+          <p:cNvPr id="6" name="Kuva 5">
+            <a:extLst>
+              <a:ext uri="{FF2B5EF4-FFF2-40B4-BE49-F238E27FC236}">
+                <a16:creationId xmlns:a16="http://schemas.microsoft.com/office/drawing/2014/main" id="{90596068-3978-074A-92FC-F63519B8EE8A}"/>
+              </a:ext>
+            </a:extLst>
+          </p:cNvPr>
+          <p:cNvPicPr>
+            <a:picLocks noChangeAspect="1"/>
+          </p:cNvPicPr>
+          <p:nvPr/>
+        </p:nvPicPr>
+        <p:blipFill>
+          <a:blip r:embed="rId2"/>
+          <a:stretch>
+            <a:fillRect/>
+          </a:stretch>
+        </p:blipFill>
+        <p:spPr>
+          <a:xfrm>
+            <a:off x="0" y="0"/>
+            <a:ext cx="4429211" cy="511063"/>
+          </a:xfrm>
+          <a:prstGeom prst="rect">
+            <a:avLst/>
+          </a:prstGeom>
+        </p:spPr>
+      </p:pic>
     </p:spTree>
     <p:extLst>
       <p:ext uri="{BB962C8B-B14F-4D97-AF65-F5344CB8AC3E}">
@@ -3608,20 +3732,14 @@
 </p:sld>
 </file>
 
-<file path=ppt/slides/slide2.xml><?xml version="1.0" encoding="utf-8"?>
+<file path=ppt/slides/slide10.xml><?xml version="1.0" encoding="utf-8"?>
 <p:sld xmlns:a="http://schemas.openxmlformats.org/drawingml/2006/main" xmlns:r="http://schemas.openxmlformats.org/officeDocument/2006/relationships" xmlns:p="http://schemas.openxmlformats.org/presentationml/2006/main">
   <p:cSld>
     <p:bg>
       <p:bgPr>
-        <a:blipFill dpi="0" rotWithShape="1">
-          <a:blip r:embed="rId2">
-            <a:lum/>
-          </a:blip>
-          <a:srcRect/>
-          <a:stretch>
-            <a:fillRect t="-9000" b="-9000"/>
-          </a:stretch>
-        </a:blipFill>
+        <a:solidFill>
+          <a:schemeClr val="tx1"/>
+        </a:solidFill>
         <a:effectLst/>
       </p:bgPr>
     </p:bg>
@@ -3657,8 +3775,8 @@
         </p:nvSpPr>
         <p:spPr>
           <a:xfrm>
-            <a:off x="354227" y="1521080"/>
-            <a:ext cx="5527590" cy="4249523"/>
+            <a:off x="8093676" y="-1"/>
+            <a:ext cx="4098323" cy="6487297"/>
           </a:xfrm>
           <a:solidFill>
             <a:srgbClr val="FF4201"/>
@@ -3671,126 +3789,60 @@
           <a:lstStyle/>
           <a:p>
             <a:r>
-              <a:rPr lang="fi-FI" sz="6000" dirty="0" err="1">
-                <a:solidFill>
-                  <a:schemeClr val="bg1"/>
-                </a:solidFill>
-              </a:rPr>
-              <a:t>Developers</a:t>
-            </a:r>
-            <a:r>
-              <a:rPr lang="fi-FI" sz="6000" dirty="0">
-                <a:solidFill>
-                  <a:schemeClr val="bg1"/>
-                </a:solidFill>
-              </a:rPr>
-              <a:t> </a:t>
-            </a:r>
-            <a:r>
-              <a:rPr lang="fi-FI" sz="6000" dirty="0" err="1">
-                <a:solidFill>
-                  <a:schemeClr val="bg1"/>
-                </a:solidFill>
-              </a:rPr>
-              <a:t>are</a:t>
-            </a:r>
-            <a:r>
-              <a:rPr lang="fi-FI" sz="6000" dirty="0">
-                <a:solidFill>
-                  <a:schemeClr val="bg1"/>
-                </a:solidFill>
-              </a:rPr>
-              <a:t> </a:t>
-            </a:r>
-            <a:r>
-              <a:rPr lang="fi-FI" sz="6000" dirty="0" err="1">
-                <a:solidFill>
-                  <a:schemeClr val="bg1"/>
-                </a:solidFill>
-              </a:rPr>
-              <a:t>decision</a:t>
-            </a:r>
-            <a:r>
-              <a:rPr lang="fi-FI" sz="6000" dirty="0">
-                <a:solidFill>
-                  <a:schemeClr val="bg1"/>
-                </a:solidFill>
-              </a:rPr>
-              <a:t> </a:t>
-            </a:r>
-            <a:r>
-              <a:rPr lang="fi-FI" sz="6000" dirty="0" err="1">
-                <a:solidFill>
-                  <a:schemeClr val="bg1"/>
-                </a:solidFill>
-              </a:rPr>
-              <a:t>makers</a:t>
-            </a:r>
-            <a:r>
-              <a:rPr lang="fi-FI" sz="6000" dirty="0">
-                <a:solidFill>
-                  <a:schemeClr val="bg1"/>
-                </a:solidFill>
-              </a:rPr>
-              <a:t>…in </a:t>
-            </a:r>
-            <a:r>
-              <a:rPr lang="fi-FI" sz="6000" dirty="0" err="1">
-                <a:solidFill>
-                  <a:schemeClr val="bg1"/>
-                </a:solidFill>
-              </a:rPr>
-              <a:t>companies</a:t>
-            </a:r>
-            <a:r>
-              <a:rPr lang="fi-FI" sz="6000" dirty="0">
-                <a:solidFill>
-                  <a:schemeClr val="bg1"/>
-                </a:solidFill>
-              </a:rPr>
-              <a:t> of </a:t>
-            </a:r>
-            <a:r>
-              <a:rPr lang="fi-FI" sz="6000" dirty="0" err="1">
-                <a:solidFill>
-                  <a:schemeClr val="bg1"/>
-                </a:solidFill>
-              </a:rPr>
-              <a:t>all</a:t>
-            </a:r>
-            <a:r>
-              <a:rPr lang="fi-FI" sz="6000" dirty="0">
-                <a:solidFill>
-                  <a:schemeClr val="bg1"/>
-                </a:solidFill>
-              </a:rPr>
-              <a:t> </a:t>
-            </a:r>
-            <a:r>
-              <a:rPr lang="fi-FI" sz="6000" dirty="0" err="1">
-                <a:solidFill>
-                  <a:schemeClr val="bg1"/>
-                </a:solidFill>
-              </a:rPr>
-              <a:t>sizes</a:t>
-            </a:r>
-            <a:r>
-              <a:rPr lang="fi-FI" sz="6000" dirty="0">
-                <a:solidFill>
-                  <a:schemeClr val="bg1"/>
-                </a:solidFill>
-              </a:rPr>
-              <a:t>!</a:t>
-            </a:r>
-          </a:p>
-        </p:txBody>
-      </p:sp>
-      <p:sp>
-        <p:nvSpPr>
-          <p:cNvPr id="4" name="Otsikko 1">
-            <a:extLst>
-              <a:ext uri="{FF2B5EF4-FFF2-40B4-BE49-F238E27FC236}">
-                <a16:creationId xmlns:a16="http://schemas.microsoft.com/office/drawing/2014/main" id="{528C4FC1-5FA6-3B44-A6F2-FBEB0432B3C6}"/>
+              <a:rPr lang="fi-FI" sz="3600" dirty="0"/>
+              <a:t>Services are consumed via APIs</a:t>
+            </a:r>
+            <a:br>
+              <a:rPr lang="fi-FI" sz="3600" dirty="0"/>
+            </a:br>
+            <a:br>
+              <a:rPr lang="fi-FI" sz="3600" dirty="0"/>
+            </a:br>
+            <a:r>
+              <a:rPr lang="fi-FI" sz="3600" dirty="0"/>
+              <a:t>Performance and usability are defining successful API program</a:t>
+            </a:r>
+            <a:br>
+              <a:rPr lang="fi-FI" sz="3600" dirty="0"/>
+            </a:br>
+            <a:br>
+              <a:rPr lang="fi-FI" sz="3600" dirty="0"/>
+            </a:br>
+            <a:r>
+              <a:rPr lang="fi-FI" sz="3600" dirty="0">
+                <a:solidFill>
+                  <a:schemeClr val="bg1"/>
+                </a:solidFill>
+              </a:rPr>
+              <a:t>DX</a:t>
+            </a:r>
+            <a:r>
+              <a:rPr lang="fi-FI" sz="3600" dirty="0"/>
+              <a:t> as key aspect in </a:t>
+            </a:r>
+            <a:r>
+              <a:rPr lang="fi-FI" sz="3600" dirty="0">
+                <a:solidFill>
+                  <a:schemeClr val="bg1"/>
+                </a:solidFill>
+              </a:rPr>
+              <a:t>winning competition</a:t>
+            </a:r>
+            <a:endParaRPr lang="fi-FI" sz="4800" dirty="0">
+              <a:solidFill>
+                <a:schemeClr val="bg1"/>
+              </a:solidFill>
+              <a:effectLst/>
+            </a:endParaRPr>
+          </a:p>
+        </p:txBody>
+      </p:sp>
+      <p:sp>
+        <p:nvSpPr>
+          <p:cNvPr id="9" name="Otsikko 1">
+            <a:extLst>
+              <a:ext uri="{FF2B5EF4-FFF2-40B4-BE49-F238E27FC236}">
+                <a16:creationId xmlns:a16="http://schemas.microsoft.com/office/drawing/2014/main" id="{BC4F6A76-754D-A84E-B85A-E143E2945B04}"/>
               </a:ext>
             </a:extLst>
           </p:cNvPr>
@@ -3801,17 +3853,14 @@
         </p:nvSpPr>
         <p:spPr>
           <a:xfrm>
-            <a:off x="0" y="6487297"/>
-            <a:ext cx="12192000" cy="370703"/>
+            <a:off x="7591175" y="0"/>
+            <a:ext cx="605481" cy="6487297"/>
           </a:xfrm>
           <a:prstGeom prst="rect">
             <a:avLst/>
           </a:prstGeom>
           <a:solidFill>
-            <a:schemeClr val="tx1">
-              <a:lumMod val="85000"/>
-              <a:lumOff val="15000"/>
-            </a:schemeClr>
+            <a:srgbClr val="FF4201"/>
           </a:solidFill>
         </p:spPr>
         <p:txBody>
@@ -3838,6 +3887,135 @@
             </a:lvl1pPr>
           </a:lstStyle>
           <a:p>
+            <a:endParaRPr lang="fi-FI" sz="6000" dirty="0">
+              <a:solidFill>
+                <a:schemeClr val="bg1"/>
+              </a:solidFill>
+            </a:endParaRPr>
+          </a:p>
+        </p:txBody>
+      </p:sp>
+      <p:pic>
+        <p:nvPicPr>
+          <p:cNvPr id="6" name="Kuva 5" descr="Kuva, joka sisältää kohteen näyttökuva&#10;&#10;Kuvaus luotu automaattisesti">
+            <a:extLst>
+              <a:ext uri="{FF2B5EF4-FFF2-40B4-BE49-F238E27FC236}">
+                <a16:creationId xmlns:a16="http://schemas.microsoft.com/office/drawing/2014/main" id="{3CF2FE00-97F8-9C43-95FE-EB917653770A}"/>
+              </a:ext>
+            </a:extLst>
+          </p:cNvPr>
+          <p:cNvPicPr>
+            <a:picLocks noChangeAspect="1"/>
+          </p:cNvPicPr>
+          <p:nvPr/>
+        </p:nvPicPr>
+        <p:blipFill>
+          <a:blip r:embed="rId2"/>
+          <a:stretch>
+            <a:fillRect/>
+          </a:stretch>
+        </p:blipFill>
+        <p:spPr>
+          <a:xfrm>
+            <a:off x="234778" y="135922"/>
+            <a:ext cx="7086431" cy="5195330"/>
+          </a:xfrm>
+          <a:prstGeom prst="rect">
+            <a:avLst/>
+          </a:prstGeom>
+        </p:spPr>
+      </p:pic>
+      <p:sp>
+        <p:nvSpPr>
+          <p:cNvPr id="10" name="Suorakulmio 9">
+            <a:extLst>
+              <a:ext uri="{FF2B5EF4-FFF2-40B4-BE49-F238E27FC236}">
+                <a16:creationId xmlns:a16="http://schemas.microsoft.com/office/drawing/2014/main" id="{E053EF53-9C96-8544-98D0-7F67331CB823}"/>
+              </a:ext>
+            </a:extLst>
+          </p:cNvPr>
+          <p:cNvSpPr/>
+          <p:nvPr/>
+        </p:nvSpPr>
+        <p:spPr>
+          <a:xfrm>
+            <a:off x="234778" y="5539942"/>
+            <a:ext cx="6096000" cy="523220"/>
+          </a:xfrm>
+          <a:prstGeom prst="rect">
+            <a:avLst/>
+          </a:prstGeom>
+        </p:spPr>
+        <p:txBody>
+          <a:bodyPr>
+            <a:spAutoFit/>
+          </a:bodyPr>
+          <a:lstStyle/>
+          <a:p>
+            <a:r>
+              <a:rPr lang="fi-FI" sz="1400" dirty="0">
+                <a:solidFill>
+                  <a:schemeClr val="bg1"/>
+                </a:solidFill>
+              </a:rPr>
+              <a:t>State of API 2019 report. https://smartbear.com/resources/ebooks/the-state-of-api-2019-report/</a:t>
+            </a:r>
+          </a:p>
+        </p:txBody>
+      </p:sp>
+      <p:sp>
+        <p:nvSpPr>
+          <p:cNvPr id="11" name="Otsikko 1">
+            <a:extLst>
+              <a:ext uri="{FF2B5EF4-FFF2-40B4-BE49-F238E27FC236}">
+                <a16:creationId xmlns:a16="http://schemas.microsoft.com/office/drawing/2014/main" id="{F88699F5-8FC3-F140-AB2D-E5056309A516}"/>
+              </a:ext>
+            </a:extLst>
+          </p:cNvPr>
+          <p:cNvSpPr txBox="1">
+            <a:spLocks/>
+          </p:cNvSpPr>
+          <p:nvPr/>
+        </p:nvSpPr>
+        <p:spPr>
+          <a:xfrm>
+            <a:off x="0" y="6487297"/>
+            <a:ext cx="12192000" cy="370703"/>
+          </a:xfrm>
+          <a:prstGeom prst="rect">
+            <a:avLst/>
+          </a:prstGeom>
+          <a:solidFill>
+            <a:schemeClr val="tx1">
+              <a:lumMod val="85000"/>
+              <a:lumOff val="15000"/>
+            </a:schemeClr>
+          </a:solidFill>
+        </p:spPr>
+        <p:txBody>
+          <a:bodyPr vert="horz" lIns="91440" tIns="45720" rIns="91440" bIns="45720" rtlCol="0" anchor="ctr">
+            <a:normAutofit/>
+          </a:bodyPr>
+          <a:lstStyle>
+            <a:lvl1pPr algn="l" defTabSz="914400" rtl="0" eaLnBrk="1" latinLnBrk="0" hangingPunct="1">
+              <a:lnSpc>
+                <a:spcPct val="90000"/>
+              </a:lnSpc>
+              <a:spcBef>
+                <a:spcPct val="0"/>
+              </a:spcBef>
+              <a:buNone/>
+              <a:defRPr sz="4400" kern="1200">
+                <a:solidFill>
+                  <a:schemeClr val="tx1"/>
+                </a:solidFill>
+                <a:latin typeface="+mj-lt"/>
+                <a:ea typeface="+mj-ea"/>
+                <a:cs typeface="+mj-cs"/>
+              </a:defRPr>
+            </a:lvl1pPr>
+          </a:lstStyle>
+          <a:p>
             <a:pPr algn="ctr"/>
             <a:r>
               <a:rPr lang="fi-FI" sz="1800" dirty="0">
@@ -3845,39 +4023,7 @@
                   <a:schemeClr val="bg1"/>
                 </a:solidFill>
               </a:rPr>
-              <a:t>DX </a:t>
-            </a:r>
-            <a:r>
-              <a:rPr lang="fi-FI" sz="1800" dirty="0" err="1">
-                <a:solidFill>
-                  <a:schemeClr val="bg1"/>
-                </a:solidFill>
-              </a:rPr>
-              <a:t>Doctor</a:t>
-            </a:r>
-            <a:r>
-              <a:rPr lang="fi-FI" sz="1800" dirty="0">
-                <a:solidFill>
-                  <a:schemeClr val="bg1"/>
-                </a:solidFill>
-              </a:rPr>
-              <a:t> – </a:t>
-            </a:r>
-            <a:r>
-              <a:rPr lang="fi-FI" sz="1800" dirty="0" err="1">
-                <a:solidFill>
-                  <a:schemeClr val="bg1"/>
-                </a:solidFill>
-              </a:rPr>
-              <a:t>dxdoctor.net</a:t>
-            </a:r>
-            <a:r>
-              <a:rPr lang="fi-FI" sz="1800" dirty="0">
-                <a:solidFill>
-                  <a:schemeClr val="bg1"/>
-                </a:solidFill>
-              </a:rPr>
-              <a:t> – Jarkko Moilanen</a:t>
+              <a:t>DX Doctor – dxdoctor.net – Jarkko Moilanen @Jarkko_Moilanen</a:t>
             </a:r>
           </a:p>
         </p:txBody>
@@ -3885,7 +4031,2671 @@
     </p:spTree>
     <p:extLst>
       <p:ext uri="{BB962C8B-B14F-4D97-AF65-F5344CB8AC3E}">
-        <p14:creationId xmlns:p14="http://schemas.microsoft.com/office/powerpoint/2010/main" val="2371357926"/>
+        <p14:creationId xmlns:p14="http://schemas.microsoft.com/office/powerpoint/2010/main" val="1544363469"/>
+      </p:ext>
+    </p:extLst>
+  </p:cSld>
+  <p:clrMapOvr>
+    <a:masterClrMapping/>
+  </p:clrMapOvr>
+</p:sld>
+</file>
+
+<file path=ppt/slides/slide11.xml><?xml version="1.0" encoding="utf-8"?>
+<p:sld xmlns:a="http://schemas.openxmlformats.org/drawingml/2006/main" xmlns:r="http://schemas.openxmlformats.org/officeDocument/2006/relationships" xmlns:p="http://schemas.openxmlformats.org/presentationml/2006/main">
+  <p:cSld>
+    <p:bg>
+      <p:bgPr>
+        <a:solidFill>
+          <a:schemeClr val="tx1"/>
+        </a:solidFill>
+        <a:effectLst/>
+      </p:bgPr>
+    </p:bg>
+    <p:spTree>
+      <p:nvGrpSpPr>
+        <p:cNvPr id="1" name=""/>
+        <p:cNvGrpSpPr/>
+        <p:nvPr/>
+      </p:nvGrpSpPr>
+      <p:grpSpPr>
+        <a:xfrm>
+          <a:off x="0" y="0"/>
+          <a:ext cx="0" cy="0"/>
+          <a:chOff x="0" y="0"/>
+          <a:chExt cx="0" cy="0"/>
+        </a:xfrm>
+      </p:grpSpPr>
+      <p:sp>
+        <p:nvSpPr>
+          <p:cNvPr id="2" name="Otsikko 1">
+            <a:extLst>
+              <a:ext uri="{FF2B5EF4-FFF2-40B4-BE49-F238E27FC236}">
+                <a16:creationId xmlns:a16="http://schemas.microsoft.com/office/drawing/2014/main" id="{F2ED45B5-9A47-2043-87BF-799C5201E96D}"/>
+              </a:ext>
+            </a:extLst>
+          </p:cNvPr>
+          <p:cNvSpPr>
+            <a:spLocks noGrp="1"/>
+          </p:cNvSpPr>
+          <p:nvPr>
+            <p:ph type="ctrTitle"/>
+          </p:nvPr>
+        </p:nvSpPr>
+        <p:spPr>
+          <a:xfrm>
+            <a:off x="1524000" y="776370"/>
+            <a:ext cx="9144000" cy="2387600"/>
+          </a:xfrm>
+        </p:spPr>
+        <p:txBody>
+          <a:bodyPr>
+            <a:normAutofit/>
+          </a:bodyPr>
+          <a:lstStyle/>
+          <a:p>
+            <a:r>
+              <a:rPr lang="fi-FI" b="1" dirty="0">
+                <a:solidFill>
+                  <a:schemeClr val="bg1"/>
+                </a:solidFill>
+              </a:rPr>
+              <a:t>But what is developer experience? </a:t>
+            </a:r>
+            <a:endParaRPr lang="fi-FI" dirty="0">
+              <a:solidFill>
+                <a:schemeClr val="bg1"/>
+              </a:solidFill>
+            </a:endParaRPr>
+          </a:p>
+        </p:txBody>
+      </p:sp>
+      <p:sp>
+        <p:nvSpPr>
+          <p:cNvPr id="3" name="Alaotsikko 2">
+            <a:extLst>
+              <a:ext uri="{FF2B5EF4-FFF2-40B4-BE49-F238E27FC236}">
+                <a16:creationId xmlns:a16="http://schemas.microsoft.com/office/drawing/2014/main" id="{F028FE66-FD48-F740-A7D1-93EC3E541A32}"/>
+              </a:ext>
+            </a:extLst>
+          </p:cNvPr>
+          <p:cNvSpPr>
+            <a:spLocks noGrp="1"/>
+          </p:cNvSpPr>
+          <p:nvPr>
+            <p:ph type="subTitle" idx="1"/>
+          </p:nvPr>
+        </p:nvSpPr>
+        <p:spPr>
+          <a:xfrm>
+            <a:off x="0" y="3602036"/>
+            <a:ext cx="12192000" cy="3255963"/>
+          </a:xfrm>
+          <a:solidFill>
+            <a:srgbClr val="FF4201"/>
+          </a:solidFill>
+        </p:spPr>
+        <p:txBody>
+          <a:bodyPr>
+            <a:normAutofit/>
+          </a:bodyPr>
+          <a:lstStyle/>
+          <a:p>
+            <a:endParaRPr lang="fi-FI" dirty="0">
+              <a:solidFill>
+                <a:schemeClr val="bg1"/>
+              </a:solidFill>
+            </a:endParaRPr>
+          </a:p>
+          <a:p>
+            <a:endParaRPr lang="fi-FI" dirty="0">
+              <a:solidFill>
+                <a:schemeClr val="bg1"/>
+              </a:solidFill>
+            </a:endParaRPr>
+          </a:p>
+        </p:txBody>
+      </p:sp>
+      <p:sp>
+        <p:nvSpPr>
+          <p:cNvPr id="7" name="Otsikko 1">
+            <a:extLst>
+              <a:ext uri="{FF2B5EF4-FFF2-40B4-BE49-F238E27FC236}">
+                <a16:creationId xmlns:a16="http://schemas.microsoft.com/office/drawing/2014/main" id="{A461E626-5E21-C149-9100-FE1B17026CC6}"/>
+              </a:ext>
+            </a:extLst>
+          </p:cNvPr>
+          <p:cNvSpPr txBox="1">
+            <a:spLocks/>
+          </p:cNvSpPr>
+          <p:nvPr/>
+        </p:nvSpPr>
+        <p:spPr>
+          <a:xfrm>
+            <a:off x="0" y="6487297"/>
+            <a:ext cx="12192000" cy="370703"/>
+          </a:xfrm>
+          <a:prstGeom prst="rect">
+            <a:avLst/>
+          </a:prstGeom>
+          <a:solidFill>
+            <a:schemeClr val="tx1">
+              <a:lumMod val="85000"/>
+              <a:lumOff val="15000"/>
+            </a:schemeClr>
+          </a:solidFill>
+        </p:spPr>
+        <p:txBody>
+          <a:bodyPr vert="horz" lIns="91440" tIns="45720" rIns="91440" bIns="45720" rtlCol="0" anchor="ctr">
+            <a:normAutofit/>
+          </a:bodyPr>
+          <a:lstStyle>
+            <a:lvl1pPr algn="l" defTabSz="914400" rtl="0" eaLnBrk="1" latinLnBrk="0" hangingPunct="1">
+              <a:lnSpc>
+                <a:spcPct val="90000"/>
+              </a:lnSpc>
+              <a:spcBef>
+                <a:spcPct val="0"/>
+              </a:spcBef>
+              <a:buNone/>
+              <a:defRPr sz="4400" kern="1200">
+                <a:solidFill>
+                  <a:schemeClr val="tx1"/>
+                </a:solidFill>
+                <a:latin typeface="+mj-lt"/>
+                <a:ea typeface="+mj-ea"/>
+                <a:cs typeface="+mj-cs"/>
+              </a:defRPr>
+            </a:lvl1pPr>
+          </a:lstStyle>
+          <a:p>
+            <a:pPr algn="ctr"/>
+            <a:r>
+              <a:rPr lang="fi-FI" sz="1800" dirty="0">
+                <a:solidFill>
+                  <a:schemeClr val="bg1"/>
+                </a:solidFill>
+              </a:rPr>
+              <a:t>DX Doctor – dxdoctor.net – Jarkko Moilanen @Jarkko_Moilanen</a:t>
+            </a:r>
+          </a:p>
+        </p:txBody>
+      </p:sp>
+    </p:spTree>
+    <p:extLst>
+      <p:ext uri="{BB962C8B-B14F-4D97-AF65-F5344CB8AC3E}">
+        <p14:creationId xmlns:p14="http://schemas.microsoft.com/office/powerpoint/2010/main" val="4058721068"/>
+      </p:ext>
+    </p:extLst>
+  </p:cSld>
+  <p:clrMapOvr>
+    <a:masterClrMapping/>
+  </p:clrMapOvr>
+</p:sld>
+</file>
+
+<file path=ppt/slides/slide12.xml><?xml version="1.0" encoding="utf-8"?>
+<p:sld xmlns:a="http://schemas.openxmlformats.org/drawingml/2006/main" xmlns:r="http://schemas.openxmlformats.org/officeDocument/2006/relationships" xmlns:p="http://schemas.openxmlformats.org/presentationml/2006/main">
+  <p:cSld>
+    <p:bg>
+      <p:bgPr>
+        <a:solidFill>
+          <a:schemeClr val="tx1"/>
+        </a:solidFill>
+        <a:effectLst/>
+      </p:bgPr>
+    </p:bg>
+    <p:spTree>
+      <p:nvGrpSpPr>
+        <p:cNvPr id="1" name=""/>
+        <p:cNvGrpSpPr/>
+        <p:nvPr/>
+      </p:nvGrpSpPr>
+      <p:grpSpPr>
+        <a:xfrm>
+          <a:off x="0" y="0"/>
+          <a:ext cx="0" cy="0"/>
+          <a:chOff x="0" y="0"/>
+          <a:chExt cx="0" cy="0"/>
+        </a:xfrm>
+      </p:grpSpPr>
+      <p:sp>
+        <p:nvSpPr>
+          <p:cNvPr id="4" name="Otsikko 1">
+            <a:extLst>
+              <a:ext uri="{FF2B5EF4-FFF2-40B4-BE49-F238E27FC236}">
+                <a16:creationId xmlns:a16="http://schemas.microsoft.com/office/drawing/2014/main" id="{7ACA2EEF-0522-514C-92E9-3362149CF319}"/>
+              </a:ext>
+            </a:extLst>
+          </p:cNvPr>
+          <p:cNvSpPr txBox="1">
+            <a:spLocks/>
+          </p:cNvSpPr>
+          <p:nvPr/>
+        </p:nvSpPr>
+        <p:spPr>
+          <a:xfrm>
+            <a:off x="0" y="0"/>
+            <a:ext cx="605481" cy="6487297"/>
+          </a:xfrm>
+          <a:prstGeom prst="rect">
+            <a:avLst/>
+          </a:prstGeom>
+          <a:solidFill>
+            <a:srgbClr val="FF4201"/>
+          </a:solidFill>
+        </p:spPr>
+        <p:txBody>
+          <a:bodyPr vert="horz" lIns="91440" tIns="45720" rIns="91440" bIns="45720" rtlCol="0" anchor="ctr">
+            <a:normAutofit/>
+          </a:bodyPr>
+          <a:lstStyle>
+            <a:lvl1pPr algn="l" defTabSz="914400" rtl="0" eaLnBrk="1" latinLnBrk="0" hangingPunct="1">
+              <a:lnSpc>
+                <a:spcPct val="90000"/>
+              </a:lnSpc>
+              <a:spcBef>
+                <a:spcPct val="0"/>
+              </a:spcBef>
+              <a:buNone/>
+              <a:defRPr sz="4400" kern="1200">
+                <a:solidFill>
+                  <a:schemeClr val="tx1"/>
+                </a:solidFill>
+                <a:latin typeface="+mj-lt"/>
+                <a:ea typeface="+mj-ea"/>
+                <a:cs typeface="+mj-cs"/>
+              </a:defRPr>
+            </a:lvl1pPr>
+          </a:lstStyle>
+          <a:p>
+            <a:endParaRPr lang="fi-FI" sz="6000" dirty="0">
+              <a:solidFill>
+                <a:schemeClr val="bg1"/>
+              </a:solidFill>
+            </a:endParaRPr>
+          </a:p>
+        </p:txBody>
+      </p:sp>
+      <p:pic>
+        <p:nvPicPr>
+          <p:cNvPr id="3" name="Kuva 2" descr="Kuva, joka sisältää kohteen näyttökuva&#10;&#10;Kuvaus luotu automaattisesti">
+            <a:extLst>
+              <a:ext uri="{FF2B5EF4-FFF2-40B4-BE49-F238E27FC236}">
+                <a16:creationId xmlns:a16="http://schemas.microsoft.com/office/drawing/2014/main" id="{9D17B334-8658-0E4E-8669-4C37CF140E12}"/>
+              </a:ext>
+            </a:extLst>
+          </p:cNvPr>
+          <p:cNvPicPr>
+            <a:picLocks noChangeAspect="1"/>
+          </p:cNvPicPr>
+          <p:nvPr/>
+        </p:nvPicPr>
+        <p:blipFill>
+          <a:blip r:embed="rId2"/>
+          <a:stretch>
+            <a:fillRect/>
+          </a:stretch>
+        </p:blipFill>
+        <p:spPr>
+          <a:xfrm>
+            <a:off x="3172109" y="206449"/>
+            <a:ext cx="8962227" cy="6074399"/>
+          </a:xfrm>
+          <a:prstGeom prst="rect">
+            <a:avLst/>
+          </a:prstGeom>
+        </p:spPr>
+      </p:pic>
+      <p:sp>
+        <p:nvSpPr>
+          <p:cNvPr id="7" name="Otsikko 1">
+            <a:extLst>
+              <a:ext uri="{FF2B5EF4-FFF2-40B4-BE49-F238E27FC236}">
+                <a16:creationId xmlns:a16="http://schemas.microsoft.com/office/drawing/2014/main" id="{D5F79BCD-2DE7-E640-93DB-BB154CB10EB4}"/>
+              </a:ext>
+            </a:extLst>
+          </p:cNvPr>
+          <p:cNvSpPr>
+            <a:spLocks noGrp="1"/>
+          </p:cNvSpPr>
+          <p:nvPr>
+            <p:ph type="title"/>
+          </p:nvPr>
+        </p:nvSpPr>
+        <p:spPr>
+          <a:xfrm>
+            <a:off x="308919" y="-1"/>
+            <a:ext cx="3212758" cy="6487297"/>
+          </a:xfrm>
+          <a:solidFill>
+            <a:srgbClr val="FF4201"/>
+          </a:solidFill>
+        </p:spPr>
+        <p:txBody>
+          <a:bodyPr>
+            <a:normAutofit/>
+          </a:bodyPr>
+          <a:lstStyle/>
+          <a:p>
+            <a:r>
+              <a:rPr lang="fi-FI" sz="3600" dirty="0">
+                <a:solidFill>
+                  <a:schemeClr val="bg1"/>
+                </a:solidFill>
+              </a:rPr>
+              <a:t>Crossing the chasm </a:t>
+            </a:r>
+            <a:r>
+              <a:rPr lang="fi-FI" sz="3600" dirty="0"/>
+              <a:t>is easier if you build APIs like they would become public in the future</a:t>
+            </a:r>
+            <a:r>
+              <a:rPr lang="fi-FI" sz="3600" dirty="0">
+                <a:solidFill>
+                  <a:schemeClr val="bg1"/>
+                </a:solidFill>
+              </a:rPr>
+              <a:t> </a:t>
+            </a:r>
+            <a:br>
+              <a:rPr lang="fi-FI" sz="3600" dirty="0">
+                <a:solidFill>
+                  <a:schemeClr val="bg1"/>
+                </a:solidFill>
+              </a:rPr>
+            </a:br>
+            <a:r>
+              <a:rPr lang="fi-FI" sz="1600" dirty="0">
+                <a:solidFill>
+                  <a:schemeClr val="bg1"/>
+                </a:solidFill>
+              </a:rPr>
+              <a:t>(Bezos Mandate)</a:t>
+            </a:r>
+            <a:br>
+              <a:rPr lang="fi-FI" sz="1600" dirty="0">
+                <a:solidFill>
+                  <a:schemeClr val="bg1"/>
+                </a:solidFill>
+              </a:rPr>
+            </a:br>
+            <a:br>
+              <a:rPr lang="fi-FI" dirty="0"/>
+            </a:br>
+            <a:endParaRPr lang="fi-FI" sz="6000" dirty="0">
+              <a:effectLst/>
+            </a:endParaRPr>
+          </a:p>
+        </p:txBody>
+      </p:sp>
+      <p:sp>
+        <p:nvSpPr>
+          <p:cNvPr id="9" name="Otsikko 1">
+            <a:extLst>
+              <a:ext uri="{FF2B5EF4-FFF2-40B4-BE49-F238E27FC236}">
+                <a16:creationId xmlns:a16="http://schemas.microsoft.com/office/drawing/2014/main" id="{46F6D36D-923C-CF47-A85F-D40E52F04047}"/>
+              </a:ext>
+            </a:extLst>
+          </p:cNvPr>
+          <p:cNvSpPr txBox="1">
+            <a:spLocks/>
+          </p:cNvSpPr>
+          <p:nvPr/>
+        </p:nvSpPr>
+        <p:spPr>
+          <a:xfrm>
+            <a:off x="0" y="6487297"/>
+            <a:ext cx="12192000" cy="370703"/>
+          </a:xfrm>
+          <a:prstGeom prst="rect">
+            <a:avLst/>
+          </a:prstGeom>
+          <a:solidFill>
+            <a:schemeClr val="tx1">
+              <a:lumMod val="85000"/>
+              <a:lumOff val="15000"/>
+            </a:schemeClr>
+          </a:solidFill>
+        </p:spPr>
+        <p:txBody>
+          <a:bodyPr vert="horz" lIns="91440" tIns="45720" rIns="91440" bIns="45720" rtlCol="0" anchor="ctr">
+            <a:normAutofit/>
+          </a:bodyPr>
+          <a:lstStyle>
+            <a:lvl1pPr algn="l" defTabSz="914400" rtl="0" eaLnBrk="1" latinLnBrk="0" hangingPunct="1">
+              <a:lnSpc>
+                <a:spcPct val="90000"/>
+              </a:lnSpc>
+              <a:spcBef>
+                <a:spcPct val="0"/>
+              </a:spcBef>
+              <a:buNone/>
+              <a:defRPr sz="4400" kern="1200">
+                <a:solidFill>
+                  <a:schemeClr val="tx1"/>
+                </a:solidFill>
+                <a:latin typeface="+mj-lt"/>
+                <a:ea typeface="+mj-ea"/>
+                <a:cs typeface="+mj-cs"/>
+              </a:defRPr>
+            </a:lvl1pPr>
+          </a:lstStyle>
+          <a:p>
+            <a:pPr algn="ctr"/>
+            <a:r>
+              <a:rPr lang="fi-FI" sz="1800" dirty="0">
+                <a:solidFill>
+                  <a:schemeClr val="bg1"/>
+                </a:solidFill>
+              </a:rPr>
+              <a:t>DX Doctor – dxdoctor.net – Jarkko Moilanen @Jarkko_Moilanen</a:t>
+            </a:r>
+          </a:p>
+        </p:txBody>
+      </p:sp>
+    </p:spTree>
+    <p:extLst>
+      <p:ext uri="{BB962C8B-B14F-4D97-AF65-F5344CB8AC3E}">
+        <p14:creationId xmlns:p14="http://schemas.microsoft.com/office/powerpoint/2010/main" val="2647647692"/>
+      </p:ext>
+    </p:extLst>
+  </p:cSld>
+  <p:clrMapOvr>
+    <a:masterClrMapping/>
+  </p:clrMapOvr>
+</p:sld>
+</file>
+
+<file path=ppt/slides/slide13.xml><?xml version="1.0" encoding="utf-8"?>
+<p:sld xmlns:a="http://schemas.openxmlformats.org/drawingml/2006/main" xmlns:r="http://schemas.openxmlformats.org/officeDocument/2006/relationships" xmlns:p="http://schemas.openxmlformats.org/presentationml/2006/main">
+  <p:cSld>
+    <p:bg>
+      <p:bgPr>
+        <a:solidFill>
+          <a:schemeClr val="tx1"/>
+        </a:solidFill>
+        <a:effectLst/>
+      </p:bgPr>
+    </p:bg>
+    <p:spTree>
+      <p:nvGrpSpPr>
+        <p:cNvPr id="1" name=""/>
+        <p:cNvGrpSpPr/>
+        <p:nvPr/>
+      </p:nvGrpSpPr>
+      <p:grpSpPr>
+        <a:xfrm>
+          <a:off x="0" y="0"/>
+          <a:ext cx="0" cy="0"/>
+          <a:chOff x="0" y="0"/>
+          <a:chExt cx="0" cy="0"/>
+        </a:xfrm>
+      </p:grpSpPr>
+      <p:sp>
+        <p:nvSpPr>
+          <p:cNvPr id="2" name="Otsikko 1">
+            <a:extLst>
+              <a:ext uri="{FF2B5EF4-FFF2-40B4-BE49-F238E27FC236}">
+                <a16:creationId xmlns:a16="http://schemas.microsoft.com/office/drawing/2014/main" id="{B95CC21C-49BE-B34D-8DE1-CC5257BCB34C}"/>
+              </a:ext>
+            </a:extLst>
+          </p:cNvPr>
+          <p:cNvSpPr>
+            <a:spLocks noGrp="1"/>
+          </p:cNvSpPr>
+          <p:nvPr>
+            <p:ph type="title"/>
+          </p:nvPr>
+        </p:nvSpPr>
+        <p:spPr>
+          <a:xfrm>
+            <a:off x="605481" y="0"/>
+            <a:ext cx="5276336" cy="6487297"/>
+          </a:xfrm>
+          <a:solidFill>
+            <a:srgbClr val="FF4201"/>
+          </a:solidFill>
+        </p:spPr>
+        <p:txBody>
+          <a:bodyPr>
+            <a:normAutofit/>
+          </a:bodyPr>
+          <a:lstStyle/>
+          <a:p>
+            <a:r>
+              <a:rPr lang="fi-FI" sz="6000" dirty="0">
+                <a:solidFill>
+                  <a:schemeClr val="bg1"/>
+                </a:solidFill>
+              </a:rPr>
+              <a:t>2/3</a:t>
+            </a:r>
+            <a:r>
+              <a:rPr lang="fi-FI" sz="6000" dirty="0"/>
+              <a:t> of the DX is other than tools and services.</a:t>
+            </a:r>
+            <a:br>
+              <a:rPr lang="fi-FI" sz="6000" dirty="0"/>
+            </a:br>
+            <a:r>
+              <a:rPr lang="fi-FI" sz="6000" dirty="0">
+                <a:solidFill>
+                  <a:schemeClr val="bg1"/>
+                </a:solidFill>
+              </a:rPr>
+              <a:t>You control the remaining 1/3</a:t>
+            </a:r>
+          </a:p>
+        </p:txBody>
+      </p:sp>
+      <p:pic>
+        <p:nvPicPr>
+          <p:cNvPr id="5" name="Kuva 4">
+            <a:extLst>
+              <a:ext uri="{FF2B5EF4-FFF2-40B4-BE49-F238E27FC236}">
+                <a16:creationId xmlns:a16="http://schemas.microsoft.com/office/drawing/2014/main" id="{73D2F73E-5CAE-A849-AA90-FA329A82FBC1}"/>
+              </a:ext>
+            </a:extLst>
+          </p:cNvPr>
+          <p:cNvPicPr>
+            <a:picLocks noChangeAspect="1"/>
+          </p:cNvPicPr>
+          <p:nvPr/>
+        </p:nvPicPr>
+        <p:blipFill>
+          <a:blip r:embed="rId2"/>
+          <a:stretch>
+            <a:fillRect/>
+          </a:stretch>
+        </p:blipFill>
+        <p:spPr>
+          <a:xfrm>
+            <a:off x="6200155" y="122537"/>
+            <a:ext cx="5596612" cy="5438004"/>
+          </a:xfrm>
+          <a:prstGeom prst="rect">
+            <a:avLst/>
+          </a:prstGeom>
+        </p:spPr>
+      </p:pic>
+      <p:sp>
+        <p:nvSpPr>
+          <p:cNvPr id="9" name="Otsikko 1">
+            <a:extLst>
+              <a:ext uri="{FF2B5EF4-FFF2-40B4-BE49-F238E27FC236}">
+                <a16:creationId xmlns:a16="http://schemas.microsoft.com/office/drawing/2014/main" id="{B68371FE-1703-B441-95F6-7C89CF616FAB}"/>
+              </a:ext>
+            </a:extLst>
+          </p:cNvPr>
+          <p:cNvSpPr txBox="1">
+            <a:spLocks/>
+          </p:cNvSpPr>
+          <p:nvPr/>
+        </p:nvSpPr>
+        <p:spPr>
+          <a:xfrm>
+            <a:off x="0" y="0"/>
+            <a:ext cx="605481" cy="6487297"/>
+          </a:xfrm>
+          <a:prstGeom prst="rect">
+            <a:avLst/>
+          </a:prstGeom>
+          <a:solidFill>
+            <a:srgbClr val="FF4201"/>
+          </a:solidFill>
+        </p:spPr>
+        <p:txBody>
+          <a:bodyPr vert="horz" lIns="91440" tIns="45720" rIns="91440" bIns="45720" rtlCol="0" anchor="ctr">
+            <a:normAutofit/>
+          </a:bodyPr>
+          <a:lstStyle>
+            <a:lvl1pPr algn="l" defTabSz="914400" rtl="0" eaLnBrk="1" latinLnBrk="0" hangingPunct="1">
+              <a:lnSpc>
+                <a:spcPct val="90000"/>
+              </a:lnSpc>
+              <a:spcBef>
+                <a:spcPct val="0"/>
+              </a:spcBef>
+              <a:buNone/>
+              <a:defRPr sz="4400" kern="1200">
+                <a:solidFill>
+                  <a:schemeClr val="tx1"/>
+                </a:solidFill>
+                <a:latin typeface="+mj-lt"/>
+                <a:ea typeface="+mj-ea"/>
+                <a:cs typeface="+mj-cs"/>
+              </a:defRPr>
+            </a:lvl1pPr>
+          </a:lstStyle>
+          <a:p>
+            <a:endParaRPr lang="fi-FI" sz="6000" dirty="0">
+              <a:solidFill>
+                <a:schemeClr val="bg1"/>
+              </a:solidFill>
+            </a:endParaRPr>
+          </a:p>
+        </p:txBody>
+      </p:sp>
+      <p:sp>
+        <p:nvSpPr>
+          <p:cNvPr id="6" name="Suorakulmio 5">
+            <a:extLst>
+              <a:ext uri="{FF2B5EF4-FFF2-40B4-BE49-F238E27FC236}">
+                <a16:creationId xmlns:a16="http://schemas.microsoft.com/office/drawing/2014/main" id="{63FF67BE-394F-C14A-A483-877C9E3FF68E}"/>
+              </a:ext>
+            </a:extLst>
+          </p:cNvPr>
+          <p:cNvSpPr/>
+          <p:nvPr/>
+        </p:nvSpPr>
+        <p:spPr>
+          <a:xfrm>
+            <a:off x="5987728" y="5680671"/>
+            <a:ext cx="6096000" cy="738664"/>
+          </a:xfrm>
+          <a:prstGeom prst="rect">
+            <a:avLst/>
+          </a:prstGeom>
+        </p:spPr>
+        <p:txBody>
+          <a:bodyPr>
+            <a:spAutoFit/>
+          </a:bodyPr>
+          <a:lstStyle/>
+          <a:p>
+            <a:r>
+              <a:rPr lang="fi-FI" sz="1400" dirty="0">
+                <a:solidFill>
+                  <a:schemeClr val="bg1"/>
+                </a:solidFill>
+              </a:rPr>
+              <a:t>Fagerholm, Fabian, and Jürgen Münch. "Developer experience: Concept and definition." </a:t>
+            </a:r>
+            <a:r>
+              <a:rPr lang="fi-FI" sz="1400" i="1" dirty="0">
+                <a:solidFill>
+                  <a:schemeClr val="bg1"/>
+                </a:solidFill>
+              </a:rPr>
+              <a:t>Proceedings of the International Conference on Software and System Process</a:t>
+            </a:r>
+            <a:r>
+              <a:rPr lang="fi-FI" sz="1400" dirty="0">
+                <a:solidFill>
+                  <a:schemeClr val="bg1"/>
+                </a:solidFill>
+              </a:rPr>
+              <a:t>. IEEE Press, 2012.</a:t>
+            </a:r>
+          </a:p>
+        </p:txBody>
+      </p:sp>
+      <p:sp>
+        <p:nvSpPr>
+          <p:cNvPr id="11" name="Otsikko 1">
+            <a:extLst>
+              <a:ext uri="{FF2B5EF4-FFF2-40B4-BE49-F238E27FC236}">
+                <a16:creationId xmlns:a16="http://schemas.microsoft.com/office/drawing/2014/main" id="{C717D3EB-C16A-884F-825A-030A116377DE}"/>
+              </a:ext>
+            </a:extLst>
+          </p:cNvPr>
+          <p:cNvSpPr txBox="1">
+            <a:spLocks/>
+          </p:cNvSpPr>
+          <p:nvPr/>
+        </p:nvSpPr>
+        <p:spPr>
+          <a:xfrm>
+            <a:off x="0" y="6487297"/>
+            <a:ext cx="12192000" cy="370703"/>
+          </a:xfrm>
+          <a:prstGeom prst="rect">
+            <a:avLst/>
+          </a:prstGeom>
+          <a:solidFill>
+            <a:schemeClr val="tx1">
+              <a:lumMod val="85000"/>
+              <a:lumOff val="15000"/>
+            </a:schemeClr>
+          </a:solidFill>
+        </p:spPr>
+        <p:txBody>
+          <a:bodyPr vert="horz" lIns="91440" tIns="45720" rIns="91440" bIns="45720" rtlCol="0" anchor="ctr">
+            <a:normAutofit/>
+          </a:bodyPr>
+          <a:lstStyle>
+            <a:lvl1pPr algn="l" defTabSz="914400" rtl="0" eaLnBrk="1" latinLnBrk="0" hangingPunct="1">
+              <a:lnSpc>
+                <a:spcPct val="90000"/>
+              </a:lnSpc>
+              <a:spcBef>
+                <a:spcPct val="0"/>
+              </a:spcBef>
+              <a:buNone/>
+              <a:defRPr sz="4400" kern="1200">
+                <a:solidFill>
+                  <a:schemeClr val="tx1"/>
+                </a:solidFill>
+                <a:latin typeface="+mj-lt"/>
+                <a:ea typeface="+mj-ea"/>
+                <a:cs typeface="+mj-cs"/>
+              </a:defRPr>
+            </a:lvl1pPr>
+          </a:lstStyle>
+          <a:p>
+            <a:pPr algn="ctr"/>
+            <a:r>
+              <a:rPr lang="fi-FI" sz="1800" dirty="0">
+                <a:solidFill>
+                  <a:schemeClr val="bg1"/>
+                </a:solidFill>
+              </a:rPr>
+              <a:t>DX Doctor – dxdoctor.net – Jarkko Moilanen @Jarkko_Moilanen</a:t>
+            </a:r>
+          </a:p>
+        </p:txBody>
+      </p:sp>
+    </p:spTree>
+    <p:extLst>
+      <p:ext uri="{BB962C8B-B14F-4D97-AF65-F5344CB8AC3E}">
+        <p14:creationId xmlns:p14="http://schemas.microsoft.com/office/powerpoint/2010/main" val="637071803"/>
+      </p:ext>
+    </p:extLst>
+  </p:cSld>
+  <p:clrMapOvr>
+    <a:masterClrMapping/>
+  </p:clrMapOvr>
+</p:sld>
+</file>
+
+<file path=ppt/slides/slide14.xml><?xml version="1.0" encoding="utf-8"?>
+<p:sld xmlns:a="http://schemas.openxmlformats.org/drawingml/2006/main" xmlns:r="http://schemas.openxmlformats.org/officeDocument/2006/relationships" xmlns:p="http://schemas.openxmlformats.org/presentationml/2006/main">
+  <p:cSld>
+    <p:bg>
+      <p:bgPr>
+        <a:solidFill>
+          <a:schemeClr val="tx1"/>
+        </a:solidFill>
+        <a:effectLst/>
+      </p:bgPr>
+    </p:bg>
+    <p:spTree>
+      <p:nvGrpSpPr>
+        <p:cNvPr id="1" name=""/>
+        <p:cNvGrpSpPr/>
+        <p:nvPr/>
+      </p:nvGrpSpPr>
+      <p:grpSpPr>
+        <a:xfrm>
+          <a:off x="0" y="0"/>
+          <a:ext cx="0" cy="0"/>
+          <a:chOff x="0" y="0"/>
+          <a:chExt cx="0" cy="0"/>
+        </a:xfrm>
+      </p:grpSpPr>
+      <p:sp>
+        <p:nvSpPr>
+          <p:cNvPr id="4" name="Otsikko 1">
+            <a:extLst>
+              <a:ext uri="{FF2B5EF4-FFF2-40B4-BE49-F238E27FC236}">
+                <a16:creationId xmlns:a16="http://schemas.microsoft.com/office/drawing/2014/main" id="{7ACA2EEF-0522-514C-92E9-3362149CF319}"/>
+              </a:ext>
+            </a:extLst>
+          </p:cNvPr>
+          <p:cNvSpPr txBox="1">
+            <a:spLocks/>
+          </p:cNvSpPr>
+          <p:nvPr/>
+        </p:nvSpPr>
+        <p:spPr>
+          <a:xfrm>
+            <a:off x="0" y="0"/>
+            <a:ext cx="605481" cy="6487297"/>
+          </a:xfrm>
+          <a:prstGeom prst="rect">
+            <a:avLst/>
+          </a:prstGeom>
+          <a:solidFill>
+            <a:srgbClr val="FF4201"/>
+          </a:solidFill>
+        </p:spPr>
+        <p:txBody>
+          <a:bodyPr vert="horz" lIns="91440" tIns="45720" rIns="91440" bIns="45720" rtlCol="0" anchor="ctr">
+            <a:normAutofit/>
+          </a:bodyPr>
+          <a:lstStyle>
+            <a:lvl1pPr algn="l" defTabSz="914400" rtl="0" eaLnBrk="1" latinLnBrk="0" hangingPunct="1">
+              <a:lnSpc>
+                <a:spcPct val="90000"/>
+              </a:lnSpc>
+              <a:spcBef>
+                <a:spcPct val="0"/>
+              </a:spcBef>
+              <a:buNone/>
+              <a:defRPr sz="4400" kern="1200">
+                <a:solidFill>
+                  <a:schemeClr val="tx1"/>
+                </a:solidFill>
+                <a:latin typeface="+mj-lt"/>
+                <a:ea typeface="+mj-ea"/>
+                <a:cs typeface="+mj-cs"/>
+              </a:defRPr>
+            </a:lvl1pPr>
+          </a:lstStyle>
+          <a:p>
+            <a:endParaRPr lang="fi-FI" sz="6000" dirty="0">
+              <a:solidFill>
+                <a:schemeClr val="bg1"/>
+              </a:solidFill>
+            </a:endParaRPr>
+          </a:p>
+        </p:txBody>
+      </p:sp>
+      <p:pic>
+        <p:nvPicPr>
+          <p:cNvPr id="10" name="Kuva 9" descr="Kuva, joka sisältää kohteen mittari&#10;&#10;Kuvaus luotu automaattisesti">
+            <a:extLst>
+              <a:ext uri="{FF2B5EF4-FFF2-40B4-BE49-F238E27FC236}">
+                <a16:creationId xmlns:a16="http://schemas.microsoft.com/office/drawing/2014/main" id="{F23EBB2B-9CE8-524F-8DD9-6D9FE2F7412B}"/>
+              </a:ext>
+            </a:extLst>
+          </p:cNvPr>
+          <p:cNvPicPr>
+            <a:picLocks noChangeAspect="1"/>
+          </p:cNvPicPr>
+          <p:nvPr/>
+        </p:nvPicPr>
+        <p:blipFill>
+          <a:blip r:embed="rId2"/>
+          <a:stretch>
+            <a:fillRect/>
+          </a:stretch>
+        </p:blipFill>
+        <p:spPr>
+          <a:xfrm>
+            <a:off x="869092" y="132260"/>
+            <a:ext cx="11059297" cy="6317966"/>
+          </a:xfrm>
+          <a:prstGeom prst="rect">
+            <a:avLst/>
+          </a:prstGeom>
+        </p:spPr>
+      </p:pic>
+      <p:sp>
+        <p:nvSpPr>
+          <p:cNvPr id="11" name="Otsikko 1">
+            <a:extLst>
+              <a:ext uri="{FF2B5EF4-FFF2-40B4-BE49-F238E27FC236}">
+                <a16:creationId xmlns:a16="http://schemas.microsoft.com/office/drawing/2014/main" id="{7C784D06-160A-894F-AA5F-68158E4D6C53}"/>
+              </a:ext>
+            </a:extLst>
+          </p:cNvPr>
+          <p:cNvSpPr txBox="1">
+            <a:spLocks/>
+          </p:cNvSpPr>
+          <p:nvPr/>
+        </p:nvSpPr>
+        <p:spPr>
+          <a:xfrm>
+            <a:off x="0" y="6487297"/>
+            <a:ext cx="12192000" cy="370703"/>
+          </a:xfrm>
+          <a:prstGeom prst="rect">
+            <a:avLst/>
+          </a:prstGeom>
+          <a:solidFill>
+            <a:schemeClr val="tx1">
+              <a:lumMod val="85000"/>
+              <a:lumOff val="15000"/>
+            </a:schemeClr>
+          </a:solidFill>
+        </p:spPr>
+        <p:txBody>
+          <a:bodyPr vert="horz" lIns="91440" tIns="45720" rIns="91440" bIns="45720" rtlCol="0" anchor="ctr">
+            <a:normAutofit/>
+          </a:bodyPr>
+          <a:lstStyle>
+            <a:lvl1pPr algn="l" defTabSz="914400" rtl="0" eaLnBrk="1" latinLnBrk="0" hangingPunct="1">
+              <a:lnSpc>
+                <a:spcPct val="90000"/>
+              </a:lnSpc>
+              <a:spcBef>
+                <a:spcPct val="0"/>
+              </a:spcBef>
+              <a:buNone/>
+              <a:defRPr sz="4400" kern="1200">
+                <a:solidFill>
+                  <a:schemeClr val="tx1"/>
+                </a:solidFill>
+                <a:latin typeface="+mj-lt"/>
+                <a:ea typeface="+mj-ea"/>
+                <a:cs typeface="+mj-cs"/>
+              </a:defRPr>
+            </a:lvl1pPr>
+          </a:lstStyle>
+          <a:p>
+            <a:pPr algn="ctr"/>
+            <a:r>
+              <a:rPr lang="fi-FI" sz="1800" dirty="0">
+                <a:solidFill>
+                  <a:schemeClr val="bg1"/>
+                </a:solidFill>
+              </a:rPr>
+              <a:t>DX Doctor – dxdoctor.net – Jarkko Moilanen @Jarkko_Moilanen</a:t>
+            </a:r>
+          </a:p>
+        </p:txBody>
+      </p:sp>
+    </p:spTree>
+    <p:extLst>
+      <p:ext uri="{BB962C8B-B14F-4D97-AF65-F5344CB8AC3E}">
+        <p14:creationId xmlns:p14="http://schemas.microsoft.com/office/powerpoint/2010/main" val="3064601708"/>
+      </p:ext>
+    </p:extLst>
+  </p:cSld>
+  <p:clrMapOvr>
+    <a:masterClrMapping/>
+  </p:clrMapOvr>
+</p:sld>
+</file>
+
+<file path=ppt/slides/slide15.xml><?xml version="1.0" encoding="utf-8"?>
+<p:sld xmlns:a="http://schemas.openxmlformats.org/drawingml/2006/main" xmlns:r="http://schemas.openxmlformats.org/officeDocument/2006/relationships" xmlns:p="http://schemas.openxmlformats.org/presentationml/2006/main">
+  <p:cSld>
+    <p:bg>
+      <p:bgPr>
+        <a:solidFill>
+          <a:schemeClr val="tx1"/>
+        </a:solidFill>
+        <a:effectLst/>
+      </p:bgPr>
+    </p:bg>
+    <p:spTree>
+      <p:nvGrpSpPr>
+        <p:cNvPr id="1" name=""/>
+        <p:cNvGrpSpPr/>
+        <p:nvPr/>
+      </p:nvGrpSpPr>
+      <p:grpSpPr>
+        <a:xfrm>
+          <a:off x="0" y="0"/>
+          <a:ext cx="0" cy="0"/>
+          <a:chOff x="0" y="0"/>
+          <a:chExt cx="0" cy="0"/>
+        </a:xfrm>
+      </p:grpSpPr>
+      <p:sp>
+        <p:nvSpPr>
+          <p:cNvPr id="4" name="Otsikko 1">
+            <a:extLst>
+              <a:ext uri="{FF2B5EF4-FFF2-40B4-BE49-F238E27FC236}">
+                <a16:creationId xmlns:a16="http://schemas.microsoft.com/office/drawing/2014/main" id="{7ACA2EEF-0522-514C-92E9-3362149CF319}"/>
+              </a:ext>
+            </a:extLst>
+          </p:cNvPr>
+          <p:cNvSpPr txBox="1">
+            <a:spLocks/>
+          </p:cNvSpPr>
+          <p:nvPr/>
+        </p:nvSpPr>
+        <p:spPr>
+          <a:xfrm>
+            <a:off x="0" y="0"/>
+            <a:ext cx="605481" cy="6487297"/>
+          </a:xfrm>
+          <a:prstGeom prst="rect">
+            <a:avLst/>
+          </a:prstGeom>
+          <a:solidFill>
+            <a:srgbClr val="FF4201"/>
+          </a:solidFill>
+        </p:spPr>
+        <p:txBody>
+          <a:bodyPr vert="horz" lIns="91440" tIns="45720" rIns="91440" bIns="45720" rtlCol="0" anchor="ctr">
+            <a:normAutofit/>
+          </a:bodyPr>
+          <a:lstStyle>
+            <a:lvl1pPr algn="l" defTabSz="914400" rtl="0" eaLnBrk="1" latinLnBrk="0" hangingPunct="1">
+              <a:lnSpc>
+                <a:spcPct val="90000"/>
+              </a:lnSpc>
+              <a:spcBef>
+                <a:spcPct val="0"/>
+              </a:spcBef>
+              <a:buNone/>
+              <a:defRPr sz="4400" kern="1200">
+                <a:solidFill>
+                  <a:schemeClr val="tx1"/>
+                </a:solidFill>
+                <a:latin typeface="+mj-lt"/>
+                <a:ea typeface="+mj-ea"/>
+                <a:cs typeface="+mj-cs"/>
+              </a:defRPr>
+            </a:lvl1pPr>
+          </a:lstStyle>
+          <a:p>
+            <a:endParaRPr lang="fi-FI" sz="6000" dirty="0">
+              <a:solidFill>
+                <a:schemeClr val="bg1"/>
+              </a:solidFill>
+            </a:endParaRPr>
+          </a:p>
+        </p:txBody>
+      </p:sp>
+      <p:sp>
+        <p:nvSpPr>
+          <p:cNvPr id="7" name="Otsikko 1">
+            <a:extLst>
+              <a:ext uri="{FF2B5EF4-FFF2-40B4-BE49-F238E27FC236}">
+                <a16:creationId xmlns:a16="http://schemas.microsoft.com/office/drawing/2014/main" id="{D5F79BCD-2DE7-E640-93DB-BB154CB10EB4}"/>
+              </a:ext>
+            </a:extLst>
+          </p:cNvPr>
+          <p:cNvSpPr>
+            <a:spLocks noGrp="1"/>
+          </p:cNvSpPr>
+          <p:nvPr>
+            <p:ph type="title"/>
+          </p:nvPr>
+        </p:nvSpPr>
+        <p:spPr>
+          <a:xfrm>
+            <a:off x="308919" y="-1"/>
+            <a:ext cx="3212758" cy="6487297"/>
+          </a:xfrm>
+          <a:solidFill>
+            <a:srgbClr val="FF4201"/>
+          </a:solidFill>
+        </p:spPr>
+        <p:txBody>
+          <a:bodyPr>
+            <a:normAutofit/>
+          </a:bodyPr>
+          <a:lstStyle/>
+          <a:p>
+            <a:r>
+              <a:rPr lang="fi-FI" sz="3600" dirty="0">
+                <a:solidFill>
+                  <a:schemeClr val="bg1"/>
+                </a:solidFill>
+              </a:rPr>
+              <a:t>Developer eXperience</a:t>
+            </a:r>
+            <a:br>
+              <a:rPr lang="fi-FI" sz="3600" dirty="0">
+                <a:solidFill>
+                  <a:schemeClr val="bg1"/>
+                </a:solidFill>
+              </a:rPr>
+            </a:br>
+            <a:br>
+              <a:rPr lang="fi-FI" sz="3600" dirty="0">
+                <a:solidFill>
+                  <a:schemeClr val="bg1"/>
+                </a:solidFill>
+              </a:rPr>
+            </a:br>
+            <a:r>
+              <a:rPr lang="fi-FI" sz="3600" dirty="0">
+                <a:solidFill>
+                  <a:schemeClr val="bg1"/>
+                </a:solidFill>
+              </a:rPr>
+              <a:t>End results of a great process</a:t>
+            </a:r>
+            <a:br>
+              <a:rPr lang="fi-FI" dirty="0"/>
+            </a:br>
+            <a:endParaRPr lang="fi-FI" sz="6000" dirty="0">
+              <a:effectLst/>
+            </a:endParaRPr>
+          </a:p>
+        </p:txBody>
+      </p:sp>
+      <p:sp>
+        <p:nvSpPr>
+          <p:cNvPr id="2" name="Tekstiruutu 1">
+            <a:extLst>
+              <a:ext uri="{FF2B5EF4-FFF2-40B4-BE49-F238E27FC236}">
+                <a16:creationId xmlns:a16="http://schemas.microsoft.com/office/drawing/2014/main" id="{8A7469E2-396E-4A40-9F4D-16582ADE11EB}"/>
+              </a:ext>
+            </a:extLst>
+          </p:cNvPr>
+          <p:cNvSpPr txBox="1"/>
+          <p:nvPr/>
+        </p:nvSpPr>
+        <p:spPr>
+          <a:xfrm>
+            <a:off x="3904730" y="435155"/>
+            <a:ext cx="8008165" cy="5638723"/>
+          </a:xfrm>
+          <a:prstGeom prst="rect">
+            <a:avLst/>
+          </a:prstGeom>
+          <a:noFill/>
+        </p:spPr>
+        <p:txBody>
+          <a:bodyPr wrap="square" rtlCol="0">
+            <a:spAutoFit/>
+          </a:bodyPr>
+          <a:lstStyle/>
+          <a:p>
+            <a:pPr marL="285750" indent="-285750">
+              <a:lnSpc>
+                <a:spcPct val="150000"/>
+              </a:lnSpc>
+              <a:buFont typeface="Arial" panose="020B0604020202020204" pitchFamily="34" charset="0"/>
+              <a:buChar char="•"/>
+            </a:pPr>
+            <a:r>
+              <a:rPr lang="fi-FI" sz="3600" dirty="0">
+                <a:solidFill>
+                  <a:schemeClr val="bg1"/>
+                </a:solidFill>
+              </a:rPr>
+              <a:t>Product provides instant value</a:t>
+            </a:r>
+          </a:p>
+          <a:p>
+            <a:pPr lvl="1">
+              <a:lnSpc>
+                <a:spcPct val="150000"/>
+              </a:lnSpc>
+            </a:pPr>
+            <a:r>
+              <a:rPr lang="fi-FI" sz="2800" dirty="0">
+                <a:solidFill>
+                  <a:schemeClr val="bg1"/>
+                </a:solidFill>
+              </a:rPr>
+              <a:t>Consider libraries (if platform-ish) </a:t>
+            </a:r>
+          </a:p>
+          <a:p>
+            <a:pPr marL="285750" indent="-285750">
+              <a:lnSpc>
+                <a:spcPct val="150000"/>
+              </a:lnSpc>
+              <a:buFont typeface="Arial" panose="020B0604020202020204" pitchFamily="34" charset="0"/>
+              <a:buChar char="•"/>
+            </a:pPr>
+            <a:r>
+              <a:rPr lang="fi-FI" sz="3600" dirty="0">
+                <a:solidFill>
+                  <a:schemeClr val="bg1"/>
+                </a:solidFill>
+              </a:rPr>
+              <a:t>Onboarding is self-service based</a:t>
+            </a:r>
+          </a:p>
+          <a:p>
+            <a:pPr marL="285750" indent="-285750">
+              <a:lnSpc>
+                <a:spcPct val="150000"/>
+              </a:lnSpc>
+              <a:buFont typeface="Arial" panose="020B0604020202020204" pitchFamily="34" charset="0"/>
+              <a:buChar char="•"/>
+            </a:pPr>
+            <a:r>
+              <a:rPr lang="fi-FI" sz="3600" dirty="0">
+                <a:solidFill>
+                  <a:schemeClr val="bg1"/>
+                </a:solidFill>
+              </a:rPr>
+              <a:t>Easy to read and informative (API) documentation</a:t>
+            </a:r>
+          </a:p>
+          <a:p>
+            <a:pPr marL="285750" indent="-285750">
+              <a:lnSpc>
+                <a:spcPct val="150000"/>
+              </a:lnSpc>
+              <a:buFont typeface="Arial" panose="020B0604020202020204" pitchFamily="34" charset="0"/>
+              <a:buChar char="•"/>
+            </a:pPr>
+            <a:r>
+              <a:rPr lang="fi-FI" sz="3600" dirty="0">
+                <a:solidFill>
+                  <a:schemeClr val="bg1"/>
+                </a:solidFill>
+              </a:rPr>
+              <a:t>Low learning curve – fast 1st positive experience</a:t>
+            </a:r>
+          </a:p>
+        </p:txBody>
+      </p:sp>
+      <p:sp>
+        <p:nvSpPr>
+          <p:cNvPr id="5" name="Ellipsi 4">
+            <a:extLst>
+              <a:ext uri="{FF2B5EF4-FFF2-40B4-BE49-F238E27FC236}">
+                <a16:creationId xmlns:a16="http://schemas.microsoft.com/office/drawing/2014/main" id="{749E1DAF-A74C-0349-A75C-B6E235F47066}"/>
+              </a:ext>
+            </a:extLst>
+          </p:cNvPr>
+          <p:cNvSpPr/>
+          <p:nvPr/>
+        </p:nvSpPr>
+        <p:spPr>
+          <a:xfrm>
+            <a:off x="914400" y="4387404"/>
+            <a:ext cx="1507524" cy="1519881"/>
+          </a:xfrm>
+          <a:prstGeom prst="ellipse">
+            <a:avLst/>
+          </a:prstGeom>
+          <a:solidFill>
+            <a:schemeClr val="tx1">
+              <a:lumMod val="75000"/>
+              <a:lumOff val="25000"/>
+            </a:schemeClr>
+          </a:solidFill>
+          <a:ln w="38100">
+            <a:solidFill>
+              <a:schemeClr val="bg1"/>
+            </a:solidFill>
+          </a:ln>
+        </p:spPr>
+        <p:style>
+          <a:lnRef idx="2">
+            <a:schemeClr val="accent1">
+              <a:shade val="50000"/>
+            </a:schemeClr>
+          </a:lnRef>
+          <a:fillRef idx="1">
+            <a:schemeClr val="accent1"/>
+          </a:fillRef>
+          <a:effectRef idx="0">
+            <a:schemeClr val="accent1"/>
+          </a:effectRef>
+          <a:fontRef idx="minor">
+            <a:schemeClr val="lt1"/>
+          </a:fontRef>
+        </p:style>
+        <p:txBody>
+          <a:bodyPr rtlCol="0" anchor="ctr"/>
+          <a:lstStyle/>
+          <a:p>
+            <a:pPr algn="ctr"/>
+            <a:r>
+              <a:rPr lang="fi-FI" sz="4800" dirty="0"/>
+              <a:t>1/2</a:t>
+            </a:r>
+          </a:p>
+        </p:txBody>
+      </p:sp>
+      <p:sp>
+        <p:nvSpPr>
+          <p:cNvPr id="9" name="Otsikko 1">
+            <a:extLst>
+              <a:ext uri="{FF2B5EF4-FFF2-40B4-BE49-F238E27FC236}">
+                <a16:creationId xmlns:a16="http://schemas.microsoft.com/office/drawing/2014/main" id="{B624B57C-4102-0240-AB40-5EA1C98182FA}"/>
+              </a:ext>
+            </a:extLst>
+          </p:cNvPr>
+          <p:cNvSpPr txBox="1">
+            <a:spLocks/>
+          </p:cNvSpPr>
+          <p:nvPr/>
+        </p:nvSpPr>
+        <p:spPr>
+          <a:xfrm>
+            <a:off x="0" y="6487297"/>
+            <a:ext cx="12192000" cy="370703"/>
+          </a:xfrm>
+          <a:prstGeom prst="rect">
+            <a:avLst/>
+          </a:prstGeom>
+          <a:solidFill>
+            <a:schemeClr val="tx1">
+              <a:lumMod val="85000"/>
+              <a:lumOff val="15000"/>
+            </a:schemeClr>
+          </a:solidFill>
+        </p:spPr>
+        <p:txBody>
+          <a:bodyPr vert="horz" lIns="91440" tIns="45720" rIns="91440" bIns="45720" rtlCol="0" anchor="ctr">
+            <a:normAutofit/>
+          </a:bodyPr>
+          <a:lstStyle>
+            <a:lvl1pPr algn="l" defTabSz="914400" rtl="0" eaLnBrk="1" latinLnBrk="0" hangingPunct="1">
+              <a:lnSpc>
+                <a:spcPct val="90000"/>
+              </a:lnSpc>
+              <a:spcBef>
+                <a:spcPct val="0"/>
+              </a:spcBef>
+              <a:buNone/>
+              <a:defRPr sz="4400" kern="1200">
+                <a:solidFill>
+                  <a:schemeClr val="tx1"/>
+                </a:solidFill>
+                <a:latin typeface="+mj-lt"/>
+                <a:ea typeface="+mj-ea"/>
+                <a:cs typeface="+mj-cs"/>
+              </a:defRPr>
+            </a:lvl1pPr>
+          </a:lstStyle>
+          <a:p>
+            <a:pPr algn="ctr"/>
+            <a:r>
+              <a:rPr lang="fi-FI" sz="1800" dirty="0">
+                <a:solidFill>
+                  <a:schemeClr val="bg1"/>
+                </a:solidFill>
+              </a:rPr>
+              <a:t>DX Doctor – dxdoctor.net – Jarkko Moilanen @Jarkko_Moilanen</a:t>
+            </a:r>
+          </a:p>
+        </p:txBody>
+      </p:sp>
+    </p:spTree>
+    <p:extLst>
+      <p:ext uri="{BB962C8B-B14F-4D97-AF65-F5344CB8AC3E}">
+        <p14:creationId xmlns:p14="http://schemas.microsoft.com/office/powerpoint/2010/main" val="1198196335"/>
+      </p:ext>
+    </p:extLst>
+  </p:cSld>
+  <p:clrMapOvr>
+    <a:masterClrMapping/>
+  </p:clrMapOvr>
+</p:sld>
+</file>
+
+<file path=ppt/slides/slide16.xml><?xml version="1.0" encoding="utf-8"?>
+<p:sld xmlns:a="http://schemas.openxmlformats.org/drawingml/2006/main" xmlns:r="http://schemas.openxmlformats.org/officeDocument/2006/relationships" xmlns:p="http://schemas.openxmlformats.org/presentationml/2006/main">
+  <p:cSld>
+    <p:bg>
+      <p:bgPr>
+        <a:solidFill>
+          <a:schemeClr val="tx1"/>
+        </a:solidFill>
+        <a:effectLst/>
+      </p:bgPr>
+    </p:bg>
+    <p:spTree>
+      <p:nvGrpSpPr>
+        <p:cNvPr id="1" name=""/>
+        <p:cNvGrpSpPr/>
+        <p:nvPr/>
+      </p:nvGrpSpPr>
+      <p:grpSpPr>
+        <a:xfrm>
+          <a:off x="0" y="0"/>
+          <a:ext cx="0" cy="0"/>
+          <a:chOff x="0" y="0"/>
+          <a:chExt cx="0" cy="0"/>
+        </a:xfrm>
+      </p:grpSpPr>
+      <p:sp>
+        <p:nvSpPr>
+          <p:cNvPr id="4" name="Otsikko 1">
+            <a:extLst>
+              <a:ext uri="{FF2B5EF4-FFF2-40B4-BE49-F238E27FC236}">
+                <a16:creationId xmlns:a16="http://schemas.microsoft.com/office/drawing/2014/main" id="{7ACA2EEF-0522-514C-92E9-3362149CF319}"/>
+              </a:ext>
+            </a:extLst>
+          </p:cNvPr>
+          <p:cNvSpPr txBox="1">
+            <a:spLocks/>
+          </p:cNvSpPr>
+          <p:nvPr/>
+        </p:nvSpPr>
+        <p:spPr>
+          <a:xfrm>
+            <a:off x="0" y="0"/>
+            <a:ext cx="605481" cy="6487297"/>
+          </a:xfrm>
+          <a:prstGeom prst="rect">
+            <a:avLst/>
+          </a:prstGeom>
+          <a:solidFill>
+            <a:srgbClr val="FF4201"/>
+          </a:solidFill>
+        </p:spPr>
+        <p:txBody>
+          <a:bodyPr vert="horz" lIns="91440" tIns="45720" rIns="91440" bIns="45720" rtlCol="0" anchor="ctr">
+            <a:normAutofit/>
+          </a:bodyPr>
+          <a:lstStyle>
+            <a:lvl1pPr algn="l" defTabSz="914400" rtl="0" eaLnBrk="1" latinLnBrk="0" hangingPunct="1">
+              <a:lnSpc>
+                <a:spcPct val="90000"/>
+              </a:lnSpc>
+              <a:spcBef>
+                <a:spcPct val="0"/>
+              </a:spcBef>
+              <a:buNone/>
+              <a:defRPr sz="4400" kern="1200">
+                <a:solidFill>
+                  <a:schemeClr val="tx1"/>
+                </a:solidFill>
+                <a:latin typeface="+mj-lt"/>
+                <a:ea typeface="+mj-ea"/>
+                <a:cs typeface="+mj-cs"/>
+              </a:defRPr>
+            </a:lvl1pPr>
+          </a:lstStyle>
+          <a:p>
+            <a:endParaRPr lang="fi-FI" sz="6000" dirty="0">
+              <a:solidFill>
+                <a:schemeClr val="bg1"/>
+              </a:solidFill>
+            </a:endParaRPr>
+          </a:p>
+        </p:txBody>
+      </p:sp>
+      <p:sp>
+        <p:nvSpPr>
+          <p:cNvPr id="7" name="Otsikko 1">
+            <a:extLst>
+              <a:ext uri="{FF2B5EF4-FFF2-40B4-BE49-F238E27FC236}">
+                <a16:creationId xmlns:a16="http://schemas.microsoft.com/office/drawing/2014/main" id="{D5F79BCD-2DE7-E640-93DB-BB154CB10EB4}"/>
+              </a:ext>
+            </a:extLst>
+          </p:cNvPr>
+          <p:cNvSpPr>
+            <a:spLocks noGrp="1"/>
+          </p:cNvSpPr>
+          <p:nvPr>
+            <p:ph type="title"/>
+          </p:nvPr>
+        </p:nvSpPr>
+        <p:spPr>
+          <a:xfrm>
+            <a:off x="308919" y="-1"/>
+            <a:ext cx="3212758" cy="6487297"/>
+          </a:xfrm>
+          <a:solidFill>
+            <a:srgbClr val="FF4201"/>
+          </a:solidFill>
+        </p:spPr>
+        <p:txBody>
+          <a:bodyPr>
+            <a:normAutofit/>
+          </a:bodyPr>
+          <a:lstStyle/>
+          <a:p>
+            <a:r>
+              <a:rPr lang="fi-FI" sz="3600" dirty="0">
+                <a:solidFill>
+                  <a:schemeClr val="bg1"/>
+                </a:solidFill>
+              </a:rPr>
+              <a:t>Developer eXperience</a:t>
+            </a:r>
+            <a:br>
+              <a:rPr lang="fi-FI" sz="3600" dirty="0">
+                <a:solidFill>
+                  <a:schemeClr val="bg1"/>
+                </a:solidFill>
+              </a:rPr>
+            </a:br>
+            <a:br>
+              <a:rPr lang="fi-FI" sz="3600" dirty="0">
+                <a:solidFill>
+                  <a:schemeClr val="bg1"/>
+                </a:solidFill>
+              </a:rPr>
+            </a:br>
+            <a:r>
+              <a:rPr lang="fi-FI" sz="3600" dirty="0">
+                <a:solidFill>
+                  <a:schemeClr val="bg1"/>
+                </a:solidFill>
+              </a:rPr>
+              <a:t>End results of a great process</a:t>
+            </a:r>
+            <a:br>
+              <a:rPr lang="fi-FI" dirty="0"/>
+            </a:br>
+            <a:endParaRPr lang="fi-FI" sz="6000" dirty="0">
+              <a:effectLst/>
+            </a:endParaRPr>
+          </a:p>
+        </p:txBody>
+      </p:sp>
+      <p:sp>
+        <p:nvSpPr>
+          <p:cNvPr id="2" name="Tekstiruutu 1">
+            <a:extLst>
+              <a:ext uri="{FF2B5EF4-FFF2-40B4-BE49-F238E27FC236}">
+                <a16:creationId xmlns:a16="http://schemas.microsoft.com/office/drawing/2014/main" id="{8A7469E2-396E-4A40-9F4D-16582ADE11EB}"/>
+              </a:ext>
+            </a:extLst>
+          </p:cNvPr>
+          <p:cNvSpPr txBox="1"/>
+          <p:nvPr/>
+        </p:nvSpPr>
+        <p:spPr>
+          <a:xfrm>
+            <a:off x="3902452" y="407776"/>
+            <a:ext cx="8182455" cy="5454057"/>
+          </a:xfrm>
+          <a:prstGeom prst="rect">
+            <a:avLst/>
+          </a:prstGeom>
+          <a:noFill/>
+        </p:spPr>
+        <p:txBody>
+          <a:bodyPr wrap="square" rtlCol="0">
+            <a:spAutoFit/>
+          </a:bodyPr>
+          <a:lstStyle/>
+          <a:p>
+            <a:pPr marL="285750" indent="-285750">
+              <a:lnSpc>
+                <a:spcPct val="150000"/>
+              </a:lnSpc>
+              <a:buFont typeface="Arial" panose="020B0604020202020204" pitchFamily="34" charset="0"/>
+              <a:buChar char="•"/>
+            </a:pPr>
+            <a:r>
+              <a:rPr lang="fi-FI" sz="3600" dirty="0">
+                <a:solidFill>
+                  <a:schemeClr val="bg1"/>
+                </a:solidFill>
+              </a:rPr>
+              <a:t>Offers space and time for learning </a:t>
+            </a:r>
+            <a:r>
+              <a:rPr lang="fi-FI" sz="2800" dirty="0">
+                <a:solidFill>
+                  <a:schemeClr val="bg1"/>
+                </a:solidFill>
+              </a:rPr>
+              <a:t>(freemium)</a:t>
+            </a:r>
+          </a:p>
+          <a:p>
+            <a:pPr marL="285750" indent="-285750">
+              <a:lnSpc>
+                <a:spcPct val="150000"/>
+              </a:lnSpc>
+              <a:buFont typeface="Arial" panose="020B0604020202020204" pitchFamily="34" charset="0"/>
+              <a:buChar char="•"/>
+            </a:pPr>
+            <a:r>
+              <a:rPr lang="fi-FI" sz="3600" dirty="0">
+                <a:solidFill>
+                  <a:schemeClr val="bg1"/>
+                </a:solidFill>
+              </a:rPr>
+              <a:t>Sample apps </a:t>
+            </a:r>
+            <a:r>
+              <a:rPr lang="fi-FI" sz="2800" dirty="0">
+                <a:solidFill>
+                  <a:schemeClr val="bg1"/>
+                </a:solidFill>
+              </a:rPr>
+              <a:t>(open source)</a:t>
+            </a:r>
+          </a:p>
+          <a:p>
+            <a:pPr marL="285750" indent="-285750">
+              <a:lnSpc>
+                <a:spcPct val="150000"/>
+              </a:lnSpc>
+              <a:buFont typeface="Arial" panose="020B0604020202020204" pitchFamily="34" charset="0"/>
+              <a:buChar char="•"/>
+            </a:pPr>
+            <a:r>
+              <a:rPr lang="fi-FI" sz="3600" dirty="0">
+                <a:solidFill>
+                  <a:schemeClr val="bg1"/>
+                </a:solidFill>
+              </a:rPr>
+              <a:t>Supports developer’s tool stack </a:t>
+            </a:r>
+            <a:r>
+              <a:rPr lang="fi-FI" sz="2800" dirty="0">
+                <a:solidFill>
+                  <a:schemeClr val="bg1"/>
+                </a:solidFill>
+              </a:rPr>
+              <a:t>(Postman -Rethink need for console)</a:t>
+            </a:r>
+          </a:p>
+          <a:p>
+            <a:pPr marL="285750" indent="-285750">
+              <a:lnSpc>
+                <a:spcPct val="150000"/>
+              </a:lnSpc>
+              <a:buFont typeface="Arial" panose="020B0604020202020204" pitchFamily="34" charset="0"/>
+              <a:buChar char="•"/>
+            </a:pPr>
+            <a:r>
+              <a:rPr lang="fi-FI" sz="3600" dirty="0">
+                <a:solidFill>
+                  <a:schemeClr val="bg1"/>
+                </a:solidFill>
+              </a:rPr>
+              <a:t>Supports architecture trends </a:t>
+            </a:r>
+            <a:r>
+              <a:rPr lang="fi-FI" sz="2800" dirty="0">
+                <a:solidFill>
+                  <a:schemeClr val="bg1"/>
+                </a:solidFill>
+              </a:rPr>
+              <a:t>(events driven)</a:t>
+            </a:r>
+            <a:endParaRPr lang="fi-FI" sz="3600" dirty="0">
+              <a:solidFill>
+                <a:schemeClr val="bg1"/>
+              </a:solidFill>
+            </a:endParaRPr>
+          </a:p>
+          <a:p>
+            <a:pPr marL="285750" indent="-285750">
+              <a:lnSpc>
+                <a:spcPct val="150000"/>
+              </a:lnSpc>
+              <a:buFont typeface="Arial" panose="020B0604020202020204" pitchFamily="34" charset="0"/>
+              <a:buChar char="•"/>
+            </a:pPr>
+            <a:r>
+              <a:rPr lang="fi-FI" sz="3600" dirty="0">
+                <a:solidFill>
+                  <a:schemeClr val="bg1"/>
+                </a:solidFill>
+              </a:rPr>
+              <a:t>CLI tool for automation and testing</a:t>
+            </a:r>
+          </a:p>
+        </p:txBody>
+      </p:sp>
+      <p:sp>
+        <p:nvSpPr>
+          <p:cNvPr id="6" name="Ellipsi 5">
+            <a:extLst>
+              <a:ext uri="{FF2B5EF4-FFF2-40B4-BE49-F238E27FC236}">
+                <a16:creationId xmlns:a16="http://schemas.microsoft.com/office/drawing/2014/main" id="{B35BA264-64E3-BB48-BE9B-DBF862AA1E73}"/>
+              </a:ext>
+            </a:extLst>
+          </p:cNvPr>
+          <p:cNvSpPr/>
+          <p:nvPr/>
+        </p:nvSpPr>
+        <p:spPr>
+          <a:xfrm>
+            <a:off x="914400" y="4387404"/>
+            <a:ext cx="1507524" cy="1519881"/>
+          </a:xfrm>
+          <a:prstGeom prst="ellipse">
+            <a:avLst/>
+          </a:prstGeom>
+          <a:solidFill>
+            <a:schemeClr val="tx1">
+              <a:lumMod val="75000"/>
+              <a:lumOff val="25000"/>
+            </a:schemeClr>
+          </a:solidFill>
+          <a:ln w="38100">
+            <a:solidFill>
+              <a:schemeClr val="bg1"/>
+            </a:solidFill>
+          </a:ln>
+        </p:spPr>
+        <p:style>
+          <a:lnRef idx="2">
+            <a:schemeClr val="accent1">
+              <a:shade val="50000"/>
+            </a:schemeClr>
+          </a:lnRef>
+          <a:fillRef idx="1">
+            <a:schemeClr val="accent1"/>
+          </a:fillRef>
+          <a:effectRef idx="0">
+            <a:schemeClr val="accent1"/>
+          </a:effectRef>
+          <a:fontRef idx="minor">
+            <a:schemeClr val="lt1"/>
+          </a:fontRef>
+        </p:style>
+        <p:txBody>
+          <a:bodyPr rtlCol="0" anchor="ctr"/>
+          <a:lstStyle/>
+          <a:p>
+            <a:pPr algn="ctr"/>
+            <a:r>
+              <a:rPr lang="fi-FI" sz="4800" dirty="0"/>
+              <a:t>2/2</a:t>
+            </a:r>
+          </a:p>
+        </p:txBody>
+      </p:sp>
+      <p:sp>
+        <p:nvSpPr>
+          <p:cNvPr id="9" name="Otsikko 1">
+            <a:extLst>
+              <a:ext uri="{FF2B5EF4-FFF2-40B4-BE49-F238E27FC236}">
+                <a16:creationId xmlns:a16="http://schemas.microsoft.com/office/drawing/2014/main" id="{663B8358-BBB3-0746-980B-D4A9B7D8CFBA}"/>
+              </a:ext>
+            </a:extLst>
+          </p:cNvPr>
+          <p:cNvSpPr txBox="1">
+            <a:spLocks/>
+          </p:cNvSpPr>
+          <p:nvPr/>
+        </p:nvSpPr>
+        <p:spPr>
+          <a:xfrm>
+            <a:off x="0" y="6487297"/>
+            <a:ext cx="12192000" cy="370703"/>
+          </a:xfrm>
+          <a:prstGeom prst="rect">
+            <a:avLst/>
+          </a:prstGeom>
+          <a:solidFill>
+            <a:schemeClr val="tx1">
+              <a:lumMod val="85000"/>
+              <a:lumOff val="15000"/>
+            </a:schemeClr>
+          </a:solidFill>
+        </p:spPr>
+        <p:txBody>
+          <a:bodyPr vert="horz" lIns="91440" tIns="45720" rIns="91440" bIns="45720" rtlCol="0" anchor="ctr">
+            <a:normAutofit/>
+          </a:bodyPr>
+          <a:lstStyle>
+            <a:lvl1pPr algn="l" defTabSz="914400" rtl="0" eaLnBrk="1" latinLnBrk="0" hangingPunct="1">
+              <a:lnSpc>
+                <a:spcPct val="90000"/>
+              </a:lnSpc>
+              <a:spcBef>
+                <a:spcPct val="0"/>
+              </a:spcBef>
+              <a:buNone/>
+              <a:defRPr sz="4400" kern="1200">
+                <a:solidFill>
+                  <a:schemeClr val="tx1"/>
+                </a:solidFill>
+                <a:latin typeface="+mj-lt"/>
+                <a:ea typeface="+mj-ea"/>
+                <a:cs typeface="+mj-cs"/>
+              </a:defRPr>
+            </a:lvl1pPr>
+          </a:lstStyle>
+          <a:p>
+            <a:pPr algn="ctr"/>
+            <a:r>
+              <a:rPr lang="fi-FI" sz="1800" dirty="0">
+                <a:solidFill>
+                  <a:schemeClr val="bg1"/>
+                </a:solidFill>
+              </a:rPr>
+              <a:t>DX Doctor – dxdoctor.net – Jarkko Moilanen @Jarkko_Moilanen</a:t>
+            </a:r>
+          </a:p>
+        </p:txBody>
+      </p:sp>
+    </p:spTree>
+    <p:extLst>
+      <p:ext uri="{BB962C8B-B14F-4D97-AF65-F5344CB8AC3E}">
+        <p14:creationId xmlns:p14="http://schemas.microsoft.com/office/powerpoint/2010/main" val="684085669"/>
+      </p:ext>
+    </p:extLst>
+  </p:cSld>
+  <p:clrMapOvr>
+    <a:masterClrMapping/>
+  </p:clrMapOvr>
+</p:sld>
+</file>
+
+<file path=ppt/slides/slide17.xml><?xml version="1.0" encoding="utf-8"?>
+<p:sld xmlns:a="http://schemas.openxmlformats.org/drawingml/2006/main" xmlns:r="http://schemas.openxmlformats.org/officeDocument/2006/relationships" xmlns:p="http://schemas.openxmlformats.org/presentationml/2006/main">
+  <p:cSld>
+    <p:bg>
+      <p:bgPr>
+        <a:solidFill>
+          <a:schemeClr val="tx1"/>
+        </a:solidFill>
+        <a:effectLst/>
+      </p:bgPr>
+    </p:bg>
+    <p:spTree>
+      <p:nvGrpSpPr>
+        <p:cNvPr id="1" name=""/>
+        <p:cNvGrpSpPr/>
+        <p:nvPr/>
+      </p:nvGrpSpPr>
+      <p:grpSpPr>
+        <a:xfrm>
+          <a:off x="0" y="0"/>
+          <a:ext cx="0" cy="0"/>
+          <a:chOff x="0" y="0"/>
+          <a:chExt cx="0" cy="0"/>
+        </a:xfrm>
+      </p:grpSpPr>
+      <p:sp>
+        <p:nvSpPr>
+          <p:cNvPr id="2" name="Otsikko 1">
+            <a:extLst>
+              <a:ext uri="{FF2B5EF4-FFF2-40B4-BE49-F238E27FC236}">
+                <a16:creationId xmlns:a16="http://schemas.microsoft.com/office/drawing/2014/main" id="{F2ED45B5-9A47-2043-87BF-799C5201E96D}"/>
+              </a:ext>
+            </a:extLst>
+          </p:cNvPr>
+          <p:cNvSpPr>
+            <a:spLocks noGrp="1"/>
+          </p:cNvSpPr>
+          <p:nvPr>
+            <p:ph type="ctrTitle"/>
+          </p:nvPr>
+        </p:nvSpPr>
+        <p:spPr>
+          <a:xfrm>
+            <a:off x="1289219" y="1927653"/>
+            <a:ext cx="9144000" cy="1137462"/>
+          </a:xfrm>
+        </p:spPr>
+        <p:txBody>
+          <a:bodyPr>
+            <a:normAutofit fontScale="90000"/>
+          </a:bodyPr>
+          <a:lstStyle/>
+          <a:p>
+            <a:r>
+              <a:rPr lang="fi-FI" b="1" dirty="0">
+                <a:solidFill>
+                  <a:schemeClr val="bg1"/>
+                </a:solidFill>
+              </a:rPr>
+              <a:t>dxdoctor.net     #dxdoctor</a:t>
+            </a:r>
+            <a:br>
+              <a:rPr lang="fi-FI" b="1" dirty="0">
+                <a:solidFill>
+                  <a:schemeClr val="bg1"/>
+                </a:solidFill>
+              </a:rPr>
+            </a:br>
+            <a:br>
+              <a:rPr lang="fi-FI" b="1" dirty="0">
+                <a:solidFill>
+                  <a:schemeClr val="bg1"/>
+                </a:solidFill>
+              </a:rPr>
+            </a:br>
+            <a:r>
+              <a:rPr lang="fi-FI" b="1" dirty="0">
+                <a:solidFill>
+                  <a:schemeClr val="bg1"/>
+                </a:solidFill>
+              </a:rPr>
+              <a:t>100daysdx.com     #100DaysDX</a:t>
+            </a:r>
+            <a:endParaRPr lang="fi-FI" dirty="0">
+              <a:solidFill>
+                <a:schemeClr val="bg1"/>
+              </a:solidFill>
+            </a:endParaRPr>
+          </a:p>
+        </p:txBody>
+      </p:sp>
+      <p:sp>
+        <p:nvSpPr>
+          <p:cNvPr id="3" name="Alaotsikko 2">
+            <a:extLst>
+              <a:ext uri="{FF2B5EF4-FFF2-40B4-BE49-F238E27FC236}">
+                <a16:creationId xmlns:a16="http://schemas.microsoft.com/office/drawing/2014/main" id="{F028FE66-FD48-F740-A7D1-93EC3E541A32}"/>
+              </a:ext>
+            </a:extLst>
+          </p:cNvPr>
+          <p:cNvSpPr>
+            <a:spLocks noGrp="1"/>
+          </p:cNvSpPr>
+          <p:nvPr>
+            <p:ph type="subTitle" idx="1"/>
+          </p:nvPr>
+        </p:nvSpPr>
+        <p:spPr>
+          <a:xfrm>
+            <a:off x="0" y="3602036"/>
+            <a:ext cx="12192000" cy="3255963"/>
+          </a:xfrm>
+          <a:solidFill>
+            <a:srgbClr val="FF4201"/>
+          </a:solidFill>
+        </p:spPr>
+        <p:txBody>
+          <a:bodyPr>
+            <a:normAutofit/>
+          </a:bodyPr>
+          <a:lstStyle/>
+          <a:p>
+            <a:endParaRPr lang="fi-FI" dirty="0">
+              <a:solidFill>
+                <a:schemeClr val="bg1"/>
+              </a:solidFill>
+            </a:endParaRPr>
+          </a:p>
+          <a:p>
+            <a:r>
+              <a:rPr lang="fi-FI" dirty="0">
+                <a:solidFill>
+                  <a:schemeClr val="bg1"/>
+                </a:solidFill>
+              </a:rPr>
+              <a:t>Jarkko Moilanen (PhD)</a:t>
+            </a:r>
+          </a:p>
+          <a:p>
+            <a:r>
+              <a:rPr lang="fi-FI" dirty="0">
+                <a:solidFill>
+                  <a:schemeClr val="bg1"/>
+                </a:solidFill>
+              </a:rPr>
+              <a:t>Chief Development Officer, Platform of Trust</a:t>
+            </a:r>
+          </a:p>
+          <a:p>
+            <a:r>
+              <a:rPr lang="fi-FI" dirty="0">
+                <a:solidFill>
+                  <a:schemeClr val="bg1"/>
+                </a:solidFill>
+              </a:rPr>
+              <a:t>@Jarkko_Moilanen</a:t>
+            </a:r>
+          </a:p>
+          <a:p>
+            <a:r>
+              <a:rPr lang="fi-FI" dirty="0">
+                <a:solidFill>
+                  <a:schemeClr val="bg1"/>
+                </a:solidFill>
+              </a:rPr>
+              <a:t>+358 40 535 9066</a:t>
+            </a:r>
+          </a:p>
+        </p:txBody>
+      </p:sp>
+      <p:sp>
+        <p:nvSpPr>
+          <p:cNvPr id="4" name="Alaotsikko 2">
+            <a:extLst>
+              <a:ext uri="{FF2B5EF4-FFF2-40B4-BE49-F238E27FC236}">
+                <a16:creationId xmlns:a16="http://schemas.microsoft.com/office/drawing/2014/main" id="{FB9B79BF-6A7B-0644-806B-62AAEF06C437}"/>
+              </a:ext>
+            </a:extLst>
+          </p:cNvPr>
+          <p:cNvSpPr txBox="1">
+            <a:spLocks/>
+          </p:cNvSpPr>
+          <p:nvPr/>
+        </p:nvSpPr>
+        <p:spPr>
+          <a:xfrm>
+            <a:off x="0" y="0"/>
+            <a:ext cx="12192000" cy="511063"/>
+          </a:xfrm>
+          <a:prstGeom prst="rect">
+            <a:avLst/>
+          </a:prstGeom>
+          <a:solidFill>
+            <a:srgbClr val="FF4201"/>
+          </a:solidFill>
+        </p:spPr>
+        <p:txBody>
+          <a:bodyPr vert="horz" lIns="91440" tIns="45720" rIns="91440" bIns="45720" rtlCol="0">
+            <a:normAutofit/>
+          </a:bodyPr>
+          <a:lstStyle>
+            <a:lvl1pPr marL="0" indent="0" algn="ctr" defTabSz="914400" rtl="0" eaLnBrk="1" latinLnBrk="0" hangingPunct="1">
+              <a:lnSpc>
+                <a:spcPct val="90000"/>
+              </a:lnSpc>
+              <a:spcBef>
+                <a:spcPts val="1000"/>
+              </a:spcBef>
+              <a:buFont typeface="Arial" panose="020B0604020202020204" pitchFamily="34" charset="0"/>
+              <a:buNone/>
+              <a:defRPr sz="2400" kern="1200">
+                <a:solidFill>
+                  <a:schemeClr val="tx1"/>
+                </a:solidFill>
+                <a:latin typeface="+mn-lt"/>
+                <a:ea typeface="+mn-ea"/>
+                <a:cs typeface="+mn-cs"/>
+              </a:defRPr>
+            </a:lvl1pPr>
+            <a:lvl2pPr marL="457200" indent="0" algn="ctr" defTabSz="914400" rtl="0" eaLnBrk="1" latinLnBrk="0" hangingPunct="1">
+              <a:lnSpc>
+                <a:spcPct val="90000"/>
+              </a:lnSpc>
+              <a:spcBef>
+                <a:spcPts val="500"/>
+              </a:spcBef>
+              <a:buFont typeface="Arial" panose="020B0604020202020204" pitchFamily="34" charset="0"/>
+              <a:buNone/>
+              <a:defRPr sz="2000" kern="1200">
+                <a:solidFill>
+                  <a:schemeClr val="tx1"/>
+                </a:solidFill>
+                <a:latin typeface="+mn-lt"/>
+                <a:ea typeface="+mn-ea"/>
+                <a:cs typeface="+mn-cs"/>
+              </a:defRPr>
+            </a:lvl2pPr>
+            <a:lvl3pPr marL="914400" indent="0" algn="ctr" defTabSz="914400" rtl="0" eaLnBrk="1" latinLnBrk="0" hangingPunct="1">
+              <a:lnSpc>
+                <a:spcPct val="90000"/>
+              </a:lnSpc>
+              <a:spcBef>
+                <a:spcPts val="500"/>
+              </a:spcBef>
+              <a:buFont typeface="Arial" panose="020B0604020202020204" pitchFamily="34" charset="0"/>
+              <a:buNone/>
+              <a:defRPr sz="1800" kern="1200">
+                <a:solidFill>
+                  <a:schemeClr val="tx1"/>
+                </a:solidFill>
+                <a:latin typeface="+mn-lt"/>
+                <a:ea typeface="+mn-ea"/>
+                <a:cs typeface="+mn-cs"/>
+              </a:defRPr>
+            </a:lvl3pPr>
+            <a:lvl4pPr marL="1371600" indent="0" algn="ctr" defTabSz="914400" rtl="0" eaLnBrk="1" latinLnBrk="0" hangingPunct="1">
+              <a:lnSpc>
+                <a:spcPct val="90000"/>
+              </a:lnSpc>
+              <a:spcBef>
+                <a:spcPts val="500"/>
+              </a:spcBef>
+              <a:buFont typeface="Arial" panose="020B0604020202020204" pitchFamily="34" charset="0"/>
+              <a:buNone/>
+              <a:defRPr sz="1600" kern="1200">
+                <a:solidFill>
+                  <a:schemeClr val="tx1"/>
+                </a:solidFill>
+                <a:latin typeface="+mn-lt"/>
+                <a:ea typeface="+mn-ea"/>
+                <a:cs typeface="+mn-cs"/>
+              </a:defRPr>
+            </a:lvl4pPr>
+            <a:lvl5pPr marL="1828800" indent="0" algn="ctr" defTabSz="914400" rtl="0" eaLnBrk="1" latinLnBrk="0" hangingPunct="1">
+              <a:lnSpc>
+                <a:spcPct val="90000"/>
+              </a:lnSpc>
+              <a:spcBef>
+                <a:spcPts val="500"/>
+              </a:spcBef>
+              <a:buFont typeface="Arial" panose="020B0604020202020204" pitchFamily="34" charset="0"/>
+              <a:buNone/>
+              <a:defRPr sz="1600" kern="1200">
+                <a:solidFill>
+                  <a:schemeClr val="tx1"/>
+                </a:solidFill>
+                <a:latin typeface="+mn-lt"/>
+                <a:ea typeface="+mn-ea"/>
+                <a:cs typeface="+mn-cs"/>
+              </a:defRPr>
+            </a:lvl5pPr>
+            <a:lvl6pPr marL="2286000" indent="0" algn="ctr" defTabSz="914400" rtl="0" eaLnBrk="1" latinLnBrk="0" hangingPunct="1">
+              <a:lnSpc>
+                <a:spcPct val="90000"/>
+              </a:lnSpc>
+              <a:spcBef>
+                <a:spcPts val="500"/>
+              </a:spcBef>
+              <a:buFont typeface="Arial" panose="020B0604020202020204" pitchFamily="34" charset="0"/>
+              <a:buNone/>
+              <a:defRPr sz="1600" kern="1200">
+                <a:solidFill>
+                  <a:schemeClr val="tx1"/>
+                </a:solidFill>
+                <a:latin typeface="+mn-lt"/>
+                <a:ea typeface="+mn-ea"/>
+                <a:cs typeface="+mn-cs"/>
+              </a:defRPr>
+            </a:lvl6pPr>
+            <a:lvl7pPr marL="2743200" indent="0" algn="ctr" defTabSz="914400" rtl="0" eaLnBrk="1" latinLnBrk="0" hangingPunct="1">
+              <a:lnSpc>
+                <a:spcPct val="90000"/>
+              </a:lnSpc>
+              <a:spcBef>
+                <a:spcPts val="500"/>
+              </a:spcBef>
+              <a:buFont typeface="Arial" panose="020B0604020202020204" pitchFamily="34" charset="0"/>
+              <a:buNone/>
+              <a:defRPr sz="1600" kern="1200">
+                <a:solidFill>
+                  <a:schemeClr val="tx1"/>
+                </a:solidFill>
+                <a:latin typeface="+mn-lt"/>
+                <a:ea typeface="+mn-ea"/>
+                <a:cs typeface="+mn-cs"/>
+              </a:defRPr>
+            </a:lvl7pPr>
+            <a:lvl8pPr marL="3200400" indent="0" algn="ctr" defTabSz="914400" rtl="0" eaLnBrk="1" latinLnBrk="0" hangingPunct="1">
+              <a:lnSpc>
+                <a:spcPct val="90000"/>
+              </a:lnSpc>
+              <a:spcBef>
+                <a:spcPts val="500"/>
+              </a:spcBef>
+              <a:buFont typeface="Arial" panose="020B0604020202020204" pitchFamily="34" charset="0"/>
+              <a:buNone/>
+              <a:defRPr sz="1600" kern="1200">
+                <a:solidFill>
+                  <a:schemeClr val="tx1"/>
+                </a:solidFill>
+                <a:latin typeface="+mn-lt"/>
+                <a:ea typeface="+mn-ea"/>
+                <a:cs typeface="+mn-cs"/>
+              </a:defRPr>
+            </a:lvl8pPr>
+            <a:lvl9pPr marL="3657600" indent="0" algn="ctr" defTabSz="914400" rtl="0" eaLnBrk="1" latinLnBrk="0" hangingPunct="1">
+              <a:lnSpc>
+                <a:spcPct val="90000"/>
+              </a:lnSpc>
+              <a:spcBef>
+                <a:spcPts val="500"/>
+              </a:spcBef>
+              <a:buFont typeface="Arial" panose="020B0604020202020204" pitchFamily="34" charset="0"/>
+              <a:buNone/>
+              <a:defRPr sz="1600" kern="1200">
+                <a:solidFill>
+                  <a:schemeClr val="tx1"/>
+                </a:solidFill>
+                <a:latin typeface="+mn-lt"/>
+                <a:ea typeface="+mn-ea"/>
+                <a:cs typeface="+mn-cs"/>
+              </a:defRPr>
+            </a:lvl9pPr>
+          </a:lstStyle>
+          <a:p>
+            <a:pPr algn="l"/>
+            <a:endParaRPr lang="fi-FI" dirty="0">
+              <a:solidFill>
+                <a:schemeClr val="bg1"/>
+              </a:solidFill>
+            </a:endParaRPr>
+          </a:p>
+        </p:txBody>
+      </p:sp>
+      <p:pic>
+        <p:nvPicPr>
+          <p:cNvPr id="6" name="Kuva 5">
+            <a:extLst>
+              <a:ext uri="{FF2B5EF4-FFF2-40B4-BE49-F238E27FC236}">
+                <a16:creationId xmlns:a16="http://schemas.microsoft.com/office/drawing/2014/main" id="{90596068-3978-074A-92FC-F63519B8EE8A}"/>
+              </a:ext>
+            </a:extLst>
+          </p:cNvPr>
+          <p:cNvPicPr>
+            <a:picLocks noChangeAspect="1"/>
+          </p:cNvPicPr>
+          <p:nvPr/>
+        </p:nvPicPr>
+        <p:blipFill>
+          <a:blip r:embed="rId2"/>
+          <a:stretch>
+            <a:fillRect/>
+          </a:stretch>
+        </p:blipFill>
+        <p:spPr>
+          <a:xfrm>
+            <a:off x="0" y="0"/>
+            <a:ext cx="4429211" cy="511063"/>
+          </a:xfrm>
+          <a:prstGeom prst="rect">
+            <a:avLst/>
+          </a:prstGeom>
+        </p:spPr>
+      </p:pic>
+    </p:spTree>
+    <p:extLst>
+      <p:ext uri="{BB962C8B-B14F-4D97-AF65-F5344CB8AC3E}">
+        <p14:creationId xmlns:p14="http://schemas.microsoft.com/office/powerpoint/2010/main" val="4029898474"/>
+      </p:ext>
+    </p:extLst>
+  </p:cSld>
+  <p:clrMapOvr>
+    <a:masterClrMapping/>
+  </p:clrMapOvr>
+</p:sld>
+</file>
+
+<file path=ppt/slides/slide2.xml><?xml version="1.0" encoding="utf-8"?>
+<p:sld xmlns:a="http://schemas.openxmlformats.org/drawingml/2006/main" xmlns:r="http://schemas.openxmlformats.org/officeDocument/2006/relationships" xmlns:p="http://schemas.openxmlformats.org/presentationml/2006/main">
+  <p:cSld>
+    <p:bg>
+      <p:bgPr>
+        <a:solidFill>
+          <a:schemeClr val="tx1"/>
+        </a:solidFill>
+        <a:effectLst/>
+      </p:bgPr>
+    </p:bg>
+    <p:spTree>
+      <p:nvGrpSpPr>
+        <p:cNvPr id="1" name=""/>
+        <p:cNvGrpSpPr/>
+        <p:nvPr/>
+      </p:nvGrpSpPr>
+      <p:grpSpPr>
+        <a:xfrm>
+          <a:off x="0" y="0"/>
+          <a:ext cx="0" cy="0"/>
+          <a:chOff x="0" y="0"/>
+          <a:chExt cx="0" cy="0"/>
+        </a:xfrm>
+      </p:grpSpPr>
+      <p:sp>
+        <p:nvSpPr>
+          <p:cNvPr id="2" name="Otsikko 1">
+            <a:extLst>
+              <a:ext uri="{FF2B5EF4-FFF2-40B4-BE49-F238E27FC236}">
+                <a16:creationId xmlns:a16="http://schemas.microsoft.com/office/drawing/2014/main" id="{B95CC21C-49BE-B34D-8DE1-CC5257BCB34C}"/>
+              </a:ext>
+            </a:extLst>
+          </p:cNvPr>
+          <p:cNvSpPr>
+            <a:spLocks noGrp="1"/>
+          </p:cNvSpPr>
+          <p:nvPr>
+            <p:ph type="title"/>
+          </p:nvPr>
+        </p:nvSpPr>
+        <p:spPr>
+          <a:xfrm>
+            <a:off x="605481" y="0"/>
+            <a:ext cx="5276336" cy="6487297"/>
+          </a:xfrm>
+          <a:solidFill>
+            <a:srgbClr val="FF4201"/>
+          </a:solidFill>
+        </p:spPr>
+        <p:txBody>
+          <a:bodyPr>
+            <a:normAutofit/>
+          </a:bodyPr>
+          <a:lstStyle/>
+          <a:p>
+            <a:r>
+              <a:rPr lang="fi-FI" sz="6000" dirty="0">
+                <a:solidFill>
+                  <a:schemeClr val="bg1"/>
+                </a:solidFill>
+              </a:rPr>
+              <a:t>100 Days DX</a:t>
+            </a:r>
+            <a:br>
+              <a:rPr lang="fi-FI" sz="6000" dirty="0">
+                <a:solidFill>
+                  <a:schemeClr val="bg1"/>
+                </a:solidFill>
+              </a:rPr>
+            </a:br>
+            <a:r>
+              <a:rPr lang="fi-FI" sz="6000" dirty="0"/>
+              <a:t>100daysdx.com</a:t>
+            </a:r>
+            <a:br>
+              <a:rPr lang="fi-FI" sz="6000" dirty="0"/>
+            </a:br>
+            <a:br>
+              <a:rPr lang="fi-FI" sz="6000" dirty="0"/>
+            </a:br>
+            <a:r>
+              <a:rPr lang="fi-FI" sz="3600" b="1" dirty="0"/>
+              <a:t>113 633 words of wisdom which is equivalent of a 378 page book.</a:t>
+            </a:r>
+            <a:br>
+              <a:rPr lang="fi-FI" sz="3600" b="1" dirty="0"/>
+            </a:br>
+            <a:endParaRPr lang="fi-FI" sz="6000" dirty="0"/>
+          </a:p>
+        </p:txBody>
+      </p:sp>
+      <p:sp>
+        <p:nvSpPr>
+          <p:cNvPr id="4" name="Otsikko 1">
+            <a:extLst>
+              <a:ext uri="{FF2B5EF4-FFF2-40B4-BE49-F238E27FC236}">
+                <a16:creationId xmlns:a16="http://schemas.microsoft.com/office/drawing/2014/main" id="{528C4FC1-5FA6-3B44-A6F2-FBEB0432B3C6}"/>
+              </a:ext>
+            </a:extLst>
+          </p:cNvPr>
+          <p:cNvSpPr txBox="1">
+            <a:spLocks/>
+          </p:cNvSpPr>
+          <p:nvPr/>
+        </p:nvSpPr>
+        <p:spPr>
+          <a:xfrm>
+            <a:off x="0" y="6487297"/>
+            <a:ext cx="12192000" cy="370703"/>
+          </a:xfrm>
+          <a:prstGeom prst="rect">
+            <a:avLst/>
+          </a:prstGeom>
+          <a:solidFill>
+            <a:schemeClr val="tx1">
+              <a:lumMod val="85000"/>
+              <a:lumOff val="15000"/>
+            </a:schemeClr>
+          </a:solidFill>
+        </p:spPr>
+        <p:txBody>
+          <a:bodyPr vert="horz" lIns="91440" tIns="45720" rIns="91440" bIns="45720" rtlCol="0" anchor="ctr">
+            <a:normAutofit/>
+          </a:bodyPr>
+          <a:lstStyle>
+            <a:lvl1pPr algn="l" defTabSz="914400" rtl="0" eaLnBrk="1" latinLnBrk="0" hangingPunct="1">
+              <a:lnSpc>
+                <a:spcPct val="90000"/>
+              </a:lnSpc>
+              <a:spcBef>
+                <a:spcPct val="0"/>
+              </a:spcBef>
+              <a:buNone/>
+              <a:defRPr sz="4400" kern="1200">
+                <a:solidFill>
+                  <a:schemeClr val="tx1"/>
+                </a:solidFill>
+                <a:latin typeface="+mj-lt"/>
+                <a:ea typeface="+mj-ea"/>
+                <a:cs typeface="+mj-cs"/>
+              </a:defRPr>
+            </a:lvl1pPr>
+          </a:lstStyle>
+          <a:p>
+            <a:pPr algn="ctr"/>
+            <a:r>
+              <a:rPr lang="fi-FI" sz="1800" dirty="0">
+                <a:solidFill>
+                  <a:schemeClr val="bg1"/>
+                </a:solidFill>
+              </a:rPr>
+              <a:t>DX Doctor – dxdoctor.net – Jarkko Moilanen @Jarkko_Moilanen</a:t>
+            </a:r>
+          </a:p>
+        </p:txBody>
+      </p:sp>
+      <p:sp>
+        <p:nvSpPr>
+          <p:cNvPr id="7" name="Otsikko 1">
+            <a:extLst>
+              <a:ext uri="{FF2B5EF4-FFF2-40B4-BE49-F238E27FC236}">
+                <a16:creationId xmlns:a16="http://schemas.microsoft.com/office/drawing/2014/main" id="{96D7AE5A-129C-B94D-8797-31BBE66E836E}"/>
+              </a:ext>
+            </a:extLst>
+          </p:cNvPr>
+          <p:cNvSpPr txBox="1">
+            <a:spLocks/>
+          </p:cNvSpPr>
+          <p:nvPr/>
+        </p:nvSpPr>
+        <p:spPr>
+          <a:xfrm>
+            <a:off x="0" y="0"/>
+            <a:ext cx="605481" cy="6487297"/>
+          </a:xfrm>
+          <a:prstGeom prst="rect">
+            <a:avLst/>
+          </a:prstGeom>
+          <a:solidFill>
+            <a:srgbClr val="FF4201"/>
+          </a:solidFill>
+        </p:spPr>
+        <p:txBody>
+          <a:bodyPr vert="horz" lIns="91440" tIns="45720" rIns="91440" bIns="45720" rtlCol="0" anchor="ctr">
+            <a:normAutofit/>
+          </a:bodyPr>
+          <a:lstStyle>
+            <a:lvl1pPr algn="l" defTabSz="914400" rtl="0" eaLnBrk="1" latinLnBrk="0" hangingPunct="1">
+              <a:lnSpc>
+                <a:spcPct val="90000"/>
+              </a:lnSpc>
+              <a:spcBef>
+                <a:spcPct val="0"/>
+              </a:spcBef>
+              <a:buNone/>
+              <a:defRPr sz="4400" kern="1200">
+                <a:solidFill>
+                  <a:schemeClr val="tx1"/>
+                </a:solidFill>
+                <a:latin typeface="+mj-lt"/>
+                <a:ea typeface="+mj-ea"/>
+                <a:cs typeface="+mj-cs"/>
+              </a:defRPr>
+            </a:lvl1pPr>
+          </a:lstStyle>
+          <a:p>
+            <a:endParaRPr lang="fi-FI" sz="6000" dirty="0">
+              <a:solidFill>
+                <a:schemeClr val="bg1"/>
+              </a:solidFill>
+            </a:endParaRPr>
+          </a:p>
+        </p:txBody>
+      </p:sp>
+      <p:sp>
+        <p:nvSpPr>
+          <p:cNvPr id="3" name="Suorakulmio 2">
+            <a:extLst>
+              <a:ext uri="{FF2B5EF4-FFF2-40B4-BE49-F238E27FC236}">
+                <a16:creationId xmlns:a16="http://schemas.microsoft.com/office/drawing/2014/main" id="{4558D718-7F38-4C48-B40C-BDA55C899415}"/>
+              </a:ext>
+            </a:extLst>
+          </p:cNvPr>
+          <p:cNvSpPr/>
+          <p:nvPr/>
+        </p:nvSpPr>
+        <p:spPr>
+          <a:xfrm>
+            <a:off x="605481" y="5023708"/>
+            <a:ext cx="3220995" cy="1200329"/>
+          </a:xfrm>
+          <a:prstGeom prst="rect">
+            <a:avLst/>
+          </a:prstGeom>
+        </p:spPr>
+        <p:txBody>
+          <a:bodyPr wrap="square">
+            <a:spAutoFit/>
+          </a:bodyPr>
+          <a:lstStyle/>
+          <a:p>
+            <a:r>
+              <a:rPr lang="fi-FI" sz="2400" dirty="0">
+                <a:solidFill>
+                  <a:schemeClr val="bg1"/>
+                </a:solidFill>
+              </a:rPr>
+              <a:t>The biggest open resource on Developer eXperience so far.</a:t>
+            </a:r>
+          </a:p>
+        </p:txBody>
+      </p:sp>
+      <p:pic>
+        <p:nvPicPr>
+          <p:cNvPr id="6" name="Kuva 5" descr="Kuva, joka sisältää kohteen teksti, kartta&#10;&#10;Kuvaus luotu automaattisesti">
+            <a:extLst>
+              <a:ext uri="{FF2B5EF4-FFF2-40B4-BE49-F238E27FC236}">
+                <a16:creationId xmlns:a16="http://schemas.microsoft.com/office/drawing/2014/main" id="{45C4C36E-B955-1D41-ABD9-E474F9CEA4D2}"/>
+              </a:ext>
+            </a:extLst>
+          </p:cNvPr>
+          <p:cNvPicPr>
+            <a:picLocks noChangeAspect="1"/>
+          </p:cNvPicPr>
+          <p:nvPr/>
+        </p:nvPicPr>
+        <p:blipFill>
+          <a:blip r:embed="rId2"/>
+          <a:stretch>
+            <a:fillRect/>
+          </a:stretch>
+        </p:blipFill>
+        <p:spPr>
+          <a:xfrm>
+            <a:off x="6096000" y="1474484"/>
+            <a:ext cx="3065667" cy="4337221"/>
+          </a:xfrm>
+          <a:prstGeom prst="rect">
+            <a:avLst/>
+          </a:prstGeom>
+        </p:spPr>
+      </p:pic>
+      <p:pic>
+        <p:nvPicPr>
+          <p:cNvPr id="9" name="Kuva 8" descr="Kuva, joka sisältää kohteen ruoka&#10;&#10;Kuvaus luotu automaattisesti">
+            <a:extLst>
+              <a:ext uri="{FF2B5EF4-FFF2-40B4-BE49-F238E27FC236}">
+                <a16:creationId xmlns:a16="http://schemas.microsoft.com/office/drawing/2014/main" id="{2E90F8FB-5C9A-5849-99D8-D2F00A73BCB4}"/>
+              </a:ext>
+            </a:extLst>
+          </p:cNvPr>
+          <p:cNvPicPr>
+            <a:picLocks noChangeAspect="1"/>
+          </p:cNvPicPr>
+          <p:nvPr/>
+        </p:nvPicPr>
+        <p:blipFill>
+          <a:blip r:embed="rId3"/>
+          <a:stretch>
+            <a:fillRect/>
+          </a:stretch>
+        </p:blipFill>
+        <p:spPr>
+          <a:xfrm>
+            <a:off x="8879421" y="1878227"/>
+            <a:ext cx="3059420" cy="4337221"/>
+          </a:xfrm>
+          <a:prstGeom prst="rect">
+            <a:avLst/>
+          </a:prstGeom>
+        </p:spPr>
+      </p:pic>
+      <p:sp>
+        <p:nvSpPr>
+          <p:cNvPr id="12" name="Tekstiruutu 11">
+            <a:extLst>
+              <a:ext uri="{FF2B5EF4-FFF2-40B4-BE49-F238E27FC236}">
+                <a16:creationId xmlns:a16="http://schemas.microsoft.com/office/drawing/2014/main" id="{6B115DB0-1F8B-8642-A4AE-6DAD4CF7A319}"/>
+              </a:ext>
+            </a:extLst>
+          </p:cNvPr>
+          <p:cNvSpPr txBox="1"/>
+          <p:nvPr/>
+        </p:nvSpPr>
+        <p:spPr>
+          <a:xfrm>
+            <a:off x="6976090" y="1069101"/>
+            <a:ext cx="652743" cy="369332"/>
+          </a:xfrm>
+          <a:prstGeom prst="rect">
+            <a:avLst/>
+          </a:prstGeom>
+          <a:noFill/>
+        </p:spPr>
+        <p:txBody>
+          <a:bodyPr wrap="none" rtlCol="0">
+            <a:spAutoFit/>
+          </a:bodyPr>
+          <a:lstStyle/>
+          <a:p>
+            <a:r>
+              <a:rPr lang="fi-FI" dirty="0">
+                <a:solidFill>
+                  <a:schemeClr val="bg1"/>
+                </a:solidFill>
+              </a:rPr>
+              <a:t>2019</a:t>
+            </a:r>
+          </a:p>
+        </p:txBody>
+      </p:sp>
+      <p:sp>
+        <p:nvSpPr>
+          <p:cNvPr id="13" name="Tekstiruutu 12">
+            <a:extLst>
+              <a:ext uri="{FF2B5EF4-FFF2-40B4-BE49-F238E27FC236}">
+                <a16:creationId xmlns:a16="http://schemas.microsoft.com/office/drawing/2014/main" id="{6196685A-E967-974B-A3DF-C2F061A24374}"/>
+              </a:ext>
+            </a:extLst>
+          </p:cNvPr>
+          <p:cNvSpPr txBox="1"/>
+          <p:nvPr/>
+        </p:nvSpPr>
+        <p:spPr>
+          <a:xfrm>
+            <a:off x="10180506" y="1508895"/>
+            <a:ext cx="652743" cy="369332"/>
+          </a:xfrm>
+          <a:prstGeom prst="rect">
+            <a:avLst/>
+          </a:prstGeom>
+          <a:noFill/>
+        </p:spPr>
+        <p:txBody>
+          <a:bodyPr wrap="none" rtlCol="0">
+            <a:spAutoFit/>
+          </a:bodyPr>
+          <a:lstStyle/>
+          <a:p>
+            <a:r>
+              <a:rPr lang="fi-FI" dirty="0">
+                <a:solidFill>
+                  <a:schemeClr val="bg1"/>
+                </a:solidFill>
+              </a:rPr>
+              <a:t>2018</a:t>
+            </a:r>
+          </a:p>
+        </p:txBody>
+      </p:sp>
+      <p:sp>
+        <p:nvSpPr>
+          <p:cNvPr id="14" name="Tekstiruutu 13">
+            <a:extLst>
+              <a:ext uri="{FF2B5EF4-FFF2-40B4-BE49-F238E27FC236}">
+                <a16:creationId xmlns:a16="http://schemas.microsoft.com/office/drawing/2014/main" id="{7D285DFD-909A-C84A-98C2-584752830682}"/>
+              </a:ext>
+            </a:extLst>
+          </p:cNvPr>
+          <p:cNvSpPr txBox="1"/>
+          <p:nvPr/>
+        </p:nvSpPr>
+        <p:spPr>
+          <a:xfrm>
+            <a:off x="2324857" y="508332"/>
+            <a:ext cx="652743" cy="369332"/>
+          </a:xfrm>
+          <a:prstGeom prst="rect">
+            <a:avLst/>
+          </a:prstGeom>
+          <a:noFill/>
+        </p:spPr>
+        <p:txBody>
+          <a:bodyPr wrap="none" rtlCol="0">
+            <a:spAutoFit/>
+          </a:bodyPr>
+          <a:lstStyle/>
+          <a:p>
+            <a:r>
+              <a:rPr lang="fi-FI" dirty="0">
+                <a:solidFill>
+                  <a:schemeClr val="bg1"/>
+                </a:solidFill>
+              </a:rPr>
+              <a:t>2019</a:t>
+            </a:r>
+          </a:p>
+        </p:txBody>
+      </p:sp>
+    </p:spTree>
+    <p:extLst>
+      <p:ext uri="{BB962C8B-B14F-4D97-AF65-F5344CB8AC3E}">
+        <p14:creationId xmlns:p14="http://schemas.microsoft.com/office/powerpoint/2010/main" val="3277134371"/>
       </p:ext>
     </p:extLst>
   </p:cSld>
@@ -3944,8 +6754,8 @@
         </p:nvSpPr>
         <p:spPr>
           <a:xfrm>
-            <a:off x="6301946" y="333630"/>
-            <a:ext cx="5622324" cy="3595816"/>
+            <a:off x="6701480" y="-1"/>
+            <a:ext cx="5490519" cy="6487297"/>
           </a:xfrm>
           <a:solidFill>
             <a:srgbClr val="FF4201"/>
@@ -3958,99 +6768,47 @@
           <a:lstStyle/>
           <a:p>
             <a:r>
-              <a:rPr lang="fi-FI" sz="6000" dirty="0">
-                <a:solidFill>
-                  <a:schemeClr val="bg1"/>
-                </a:solidFill>
-              </a:rPr>
-              <a:t>38% of </a:t>
-            </a:r>
-            <a:r>
-              <a:rPr lang="fi-FI" sz="6000" dirty="0" err="1">
-                <a:solidFill>
-                  <a:schemeClr val="bg1"/>
-                </a:solidFill>
-              </a:rPr>
-              <a:t>the</a:t>
-            </a:r>
-            <a:r>
-              <a:rPr lang="fi-FI" sz="6000" dirty="0">
-                <a:solidFill>
-                  <a:schemeClr val="bg1"/>
-                </a:solidFill>
-              </a:rPr>
-              <a:t> </a:t>
-            </a:r>
-            <a:r>
-              <a:rPr lang="fi-FI" sz="6000" dirty="0" err="1">
-                <a:solidFill>
-                  <a:schemeClr val="bg1"/>
-                </a:solidFill>
-              </a:rPr>
-              <a:t>developers</a:t>
-            </a:r>
-            <a:r>
-              <a:rPr lang="fi-FI" sz="6000" dirty="0">
-                <a:solidFill>
-                  <a:schemeClr val="bg1"/>
-                </a:solidFill>
-              </a:rPr>
-              <a:t> </a:t>
-            </a:r>
-            <a:r>
-              <a:rPr lang="fi-FI" sz="6000" dirty="0" err="1">
-                <a:solidFill>
-                  <a:schemeClr val="bg1"/>
-                </a:solidFill>
-              </a:rPr>
-              <a:t>are</a:t>
-            </a:r>
-            <a:r>
-              <a:rPr lang="fi-FI" sz="6000" dirty="0">
-                <a:solidFill>
-                  <a:schemeClr val="bg1"/>
-                </a:solidFill>
-              </a:rPr>
-              <a:t> in position to </a:t>
-            </a:r>
-            <a:r>
-              <a:rPr lang="fi-FI" sz="6000" dirty="0" err="1">
-                <a:solidFill>
-                  <a:schemeClr val="bg1"/>
-                </a:solidFill>
-              </a:rPr>
-              <a:t>make</a:t>
-            </a:r>
-            <a:r>
-              <a:rPr lang="fi-FI" sz="6000" dirty="0">
-                <a:solidFill>
-                  <a:schemeClr val="bg1"/>
-                </a:solidFill>
-              </a:rPr>
-              <a:t> </a:t>
-            </a:r>
-            <a:r>
-              <a:rPr lang="fi-FI" sz="6000" dirty="0" err="1">
-                <a:solidFill>
-                  <a:schemeClr val="bg1"/>
-                </a:solidFill>
-              </a:rPr>
-              <a:t>purchases</a:t>
+              <a:rPr lang="fi-FI" dirty="0"/>
+              <a:t>Developers have a lot of </a:t>
+            </a:r>
+            <a:r>
+              <a:rPr lang="fi-FI" dirty="0">
+                <a:solidFill>
+                  <a:schemeClr val="bg1"/>
+                </a:solidFill>
+              </a:rPr>
+              <a:t>influence in technology purchases </a:t>
+            </a:r>
+            <a:br>
+              <a:rPr lang="fi-FI" dirty="0"/>
+            </a:br>
+            <a:br>
+              <a:rPr lang="fi-FI" dirty="0"/>
+            </a:br>
+            <a:r>
+              <a:rPr lang="fi-FI" dirty="0">
+                <a:solidFill>
+                  <a:schemeClr val="bg1"/>
+                </a:solidFill>
+              </a:rPr>
+              <a:t>They have buying potential </a:t>
+            </a:r>
+            <a:r>
+              <a:rPr lang="fi-FI" dirty="0"/>
+              <a:t>and can act as a wedge point to start selling into an organisation. </a:t>
             </a:r>
             <a:endParaRPr lang="fi-FI" sz="6000" dirty="0">
-              <a:solidFill>
-                <a:schemeClr val="bg1"/>
-              </a:solidFill>
+              <a:effectLst/>
             </a:endParaRPr>
           </a:p>
         </p:txBody>
       </p:sp>
       <p:sp>
         <p:nvSpPr>
-          <p:cNvPr id="8" name="Otsikko 1">
-            <a:extLst>
-              <a:ext uri="{FF2B5EF4-FFF2-40B4-BE49-F238E27FC236}">
-                <a16:creationId xmlns:a16="http://schemas.microsoft.com/office/drawing/2014/main" id="{CF3872C0-99A2-074B-9397-5651F7DDE533}"/>
+          <p:cNvPr id="9" name="Otsikko 1">
+            <a:extLst>
+              <a:ext uri="{FF2B5EF4-FFF2-40B4-BE49-F238E27FC236}">
+                <a16:creationId xmlns:a16="http://schemas.microsoft.com/office/drawing/2014/main" id="{BC4F6A76-754D-A84E-B85A-E143E2945B04}"/>
               </a:ext>
             </a:extLst>
           </p:cNvPr>
@@ -4061,17 +6819,14 @@
         </p:nvSpPr>
         <p:spPr>
           <a:xfrm>
-            <a:off x="0" y="6487297"/>
-            <a:ext cx="12192000" cy="370703"/>
+            <a:off x="6096000" y="0"/>
+            <a:ext cx="605481" cy="6487297"/>
           </a:xfrm>
           <a:prstGeom prst="rect">
             <a:avLst/>
           </a:prstGeom>
           <a:solidFill>
-            <a:schemeClr val="tx1">
-              <a:lumMod val="85000"/>
-              <a:lumOff val="15000"/>
-            </a:schemeClr>
+            <a:srgbClr val="FF4201"/>
           </a:solidFill>
         </p:spPr>
         <p:txBody>
@@ -4098,6 +6853,67 @@
             </a:lvl1pPr>
           </a:lstStyle>
           <a:p>
+            <a:endParaRPr lang="fi-FI" sz="6000" dirty="0">
+              <a:solidFill>
+                <a:schemeClr val="bg1"/>
+              </a:solidFill>
+            </a:endParaRPr>
+          </a:p>
+        </p:txBody>
+      </p:sp>
+      <p:sp>
+        <p:nvSpPr>
+          <p:cNvPr id="10" name="Otsikko 1">
+            <a:extLst>
+              <a:ext uri="{FF2B5EF4-FFF2-40B4-BE49-F238E27FC236}">
+                <a16:creationId xmlns:a16="http://schemas.microsoft.com/office/drawing/2014/main" id="{2E6D5F2F-5AA7-024C-8BD8-87B73B40DBC9}"/>
+              </a:ext>
+            </a:extLst>
+          </p:cNvPr>
+          <p:cNvSpPr txBox="1">
+            <a:spLocks/>
+          </p:cNvSpPr>
+          <p:nvPr/>
+        </p:nvSpPr>
+        <p:spPr>
+          <a:xfrm>
+            <a:off x="0" y="6487297"/>
+            <a:ext cx="12192000" cy="370703"/>
+          </a:xfrm>
+          <a:prstGeom prst="rect">
+            <a:avLst/>
+          </a:prstGeom>
+          <a:solidFill>
+            <a:schemeClr val="tx1">
+              <a:lumMod val="85000"/>
+              <a:lumOff val="15000"/>
+            </a:schemeClr>
+          </a:solidFill>
+        </p:spPr>
+        <p:txBody>
+          <a:bodyPr vert="horz" lIns="91440" tIns="45720" rIns="91440" bIns="45720" rtlCol="0" anchor="ctr">
+            <a:normAutofit/>
+          </a:bodyPr>
+          <a:lstStyle>
+            <a:lvl1pPr algn="l" defTabSz="914400" rtl="0" eaLnBrk="1" latinLnBrk="0" hangingPunct="1">
+              <a:lnSpc>
+                <a:spcPct val="90000"/>
+              </a:lnSpc>
+              <a:spcBef>
+                <a:spcPct val="0"/>
+              </a:spcBef>
+              <a:buNone/>
+              <a:defRPr sz="4400" kern="1200">
+                <a:solidFill>
+                  <a:schemeClr val="tx1"/>
+                </a:solidFill>
+                <a:latin typeface="+mj-lt"/>
+                <a:ea typeface="+mj-ea"/>
+                <a:cs typeface="+mj-cs"/>
+              </a:defRPr>
+            </a:lvl1pPr>
+          </a:lstStyle>
+          <a:p>
             <a:pPr algn="ctr"/>
             <a:r>
               <a:rPr lang="fi-FI" sz="1800" dirty="0">
@@ -4105,39 +6921,7 @@
                   <a:schemeClr val="bg1"/>
                 </a:solidFill>
               </a:rPr>
-              <a:t>DX </a:t>
-            </a:r>
-            <a:r>
-              <a:rPr lang="fi-FI" sz="1800" dirty="0" err="1">
-                <a:solidFill>
-                  <a:schemeClr val="bg1"/>
-                </a:solidFill>
-              </a:rPr>
-              <a:t>Doctor</a:t>
-            </a:r>
-            <a:r>
-              <a:rPr lang="fi-FI" sz="1800" dirty="0">
-                <a:solidFill>
-                  <a:schemeClr val="bg1"/>
-                </a:solidFill>
-              </a:rPr>
-              <a:t> – </a:t>
-            </a:r>
-            <a:r>
-              <a:rPr lang="fi-FI" sz="1800" dirty="0" err="1">
-                <a:solidFill>
-                  <a:schemeClr val="bg1"/>
-                </a:solidFill>
-              </a:rPr>
-              <a:t>dxdoctor.net</a:t>
-            </a:r>
-            <a:r>
-              <a:rPr lang="fi-FI" sz="1800" dirty="0">
-                <a:solidFill>
-                  <a:schemeClr val="bg1"/>
-                </a:solidFill>
-              </a:rPr>
-              <a:t> – Jarkko Moilanen</a:t>
+              <a:t>DX Doctor – dxdoctor.net – Jarkko Moilanen @Jarkko_Moilanen</a:t>
             </a:r>
           </a:p>
         </p:txBody>
@@ -4204,8 +6988,8 @@
         </p:nvSpPr>
         <p:spPr>
           <a:xfrm>
-            <a:off x="473676" y="642549"/>
-            <a:ext cx="5622324" cy="3595816"/>
+            <a:off x="605481" y="-1"/>
+            <a:ext cx="5647037" cy="6487297"/>
           </a:xfrm>
           <a:solidFill>
             <a:srgbClr val="FF4201"/>
@@ -4223,15 +7007,11 @@
                   <a:schemeClr val="bg1"/>
                 </a:solidFill>
               </a:rPr>
-              <a:t>38% of </a:t>
-            </a:r>
-            <a:r>
-              <a:rPr lang="fi-FI" sz="6000" dirty="0" err="1">
-                <a:solidFill>
-                  <a:schemeClr val="bg1"/>
-                </a:solidFill>
-              </a:rPr>
-              <a:t>the</a:t>
+              <a:t>38%</a:t>
+            </a:r>
+            <a:r>
+              <a:rPr lang="fi-FI" sz="6000" dirty="0"/>
+              <a:t> of the developers are in </a:t>
             </a:r>
             <a:r>
               <a:rPr lang="fi-FI" sz="6000" dirty="0">
@@ -4239,78 +7019,17 @@
                   <a:schemeClr val="bg1"/>
                 </a:solidFill>
               </a:rPr>
-              <a:t> </a:t>
-            </a:r>
-            <a:r>
-              <a:rPr lang="fi-FI" sz="6000" dirty="0" err="1">
-                <a:solidFill>
-                  <a:schemeClr val="bg1"/>
-                </a:solidFill>
-              </a:rPr>
-              <a:t>developers</a:t>
-            </a:r>
-            <a:r>
-              <a:rPr lang="fi-FI" sz="6000" dirty="0">
-                <a:solidFill>
-                  <a:schemeClr val="bg1"/>
-                </a:solidFill>
-              </a:rPr>
-              <a:t> </a:t>
-            </a:r>
-            <a:r>
-              <a:rPr lang="fi-FI" sz="6000" dirty="0" err="1">
-                <a:solidFill>
-                  <a:schemeClr val="bg1"/>
-                </a:solidFill>
-              </a:rPr>
-              <a:t>are</a:t>
-            </a:r>
-            <a:r>
-              <a:rPr lang="fi-FI" sz="6000" dirty="0">
-                <a:solidFill>
-                  <a:schemeClr val="bg1"/>
-                </a:solidFill>
-              </a:rPr>
-              <a:t> in position to </a:t>
-            </a:r>
-            <a:r>
-              <a:rPr lang="fi-FI" sz="6000" dirty="0" err="1">
-                <a:solidFill>
-                  <a:schemeClr val="bg1"/>
-                </a:solidFill>
-              </a:rPr>
-              <a:t>make</a:t>
-            </a:r>
-            <a:r>
-              <a:rPr lang="fi-FI" sz="6000" dirty="0">
-                <a:solidFill>
-                  <a:schemeClr val="bg1"/>
-                </a:solidFill>
-              </a:rPr>
-              <a:t> </a:t>
-            </a:r>
-            <a:r>
-              <a:rPr lang="fi-FI" sz="6000" dirty="0" err="1">
-                <a:solidFill>
-                  <a:schemeClr val="bg1"/>
-                </a:solidFill>
-              </a:rPr>
-              <a:t>purchases</a:t>
-            </a:r>
-            <a:endParaRPr lang="fi-FI" sz="6000" dirty="0">
-              <a:solidFill>
-                <a:schemeClr val="bg1"/>
-              </a:solidFill>
-            </a:endParaRPr>
-          </a:p>
-        </p:txBody>
-      </p:sp>
-      <p:sp>
-        <p:nvSpPr>
-          <p:cNvPr id="8" name="Otsikko 1">
-            <a:extLst>
-              <a:ext uri="{FF2B5EF4-FFF2-40B4-BE49-F238E27FC236}">
-                <a16:creationId xmlns:a16="http://schemas.microsoft.com/office/drawing/2014/main" id="{CF3872C0-99A2-074B-9397-5651F7DDE533}"/>
+              <a:t>position to make purchases</a:t>
+            </a:r>
+          </a:p>
+        </p:txBody>
+      </p:sp>
+      <p:sp>
+        <p:nvSpPr>
+          <p:cNvPr id="4" name="Otsikko 1">
+            <a:extLst>
+              <a:ext uri="{FF2B5EF4-FFF2-40B4-BE49-F238E27FC236}">
+                <a16:creationId xmlns:a16="http://schemas.microsoft.com/office/drawing/2014/main" id="{1D7530A2-D88D-0548-B969-F47886CECAAD}"/>
               </a:ext>
             </a:extLst>
           </p:cNvPr>
@@ -4321,17 +7040,14 @@
         </p:nvSpPr>
         <p:spPr>
           <a:xfrm>
-            <a:off x="0" y="6487297"/>
-            <a:ext cx="12192000" cy="370703"/>
+            <a:off x="0" y="0"/>
+            <a:ext cx="605481" cy="6487297"/>
           </a:xfrm>
           <a:prstGeom prst="rect">
             <a:avLst/>
           </a:prstGeom>
           <a:solidFill>
-            <a:schemeClr val="tx1">
-              <a:lumMod val="85000"/>
-              <a:lumOff val="15000"/>
-            </a:schemeClr>
+            <a:srgbClr val="FF4201"/>
           </a:solidFill>
         </p:spPr>
         <p:txBody>
@@ -4358,6 +7074,111 @@
             </a:lvl1pPr>
           </a:lstStyle>
           <a:p>
+            <a:endParaRPr lang="fi-FI" sz="6000" dirty="0">
+              <a:solidFill>
+                <a:schemeClr val="bg1"/>
+              </a:solidFill>
+            </a:endParaRPr>
+          </a:p>
+        </p:txBody>
+      </p:sp>
+      <p:sp>
+        <p:nvSpPr>
+          <p:cNvPr id="5" name="Suorakulmio 4">
+            <a:extLst>
+              <a:ext uri="{FF2B5EF4-FFF2-40B4-BE49-F238E27FC236}">
+                <a16:creationId xmlns:a16="http://schemas.microsoft.com/office/drawing/2014/main" id="{F83C9864-A4F4-B44E-8EF8-99163405D889}"/>
+              </a:ext>
+            </a:extLst>
+          </p:cNvPr>
+          <p:cNvSpPr/>
+          <p:nvPr/>
+        </p:nvSpPr>
+        <p:spPr>
+          <a:xfrm>
+            <a:off x="269142" y="6142448"/>
+            <a:ext cx="5859809" cy="307777"/>
+          </a:xfrm>
+          <a:prstGeom prst="rect">
+            <a:avLst/>
+          </a:prstGeom>
+        </p:spPr>
+        <p:txBody>
+          <a:bodyPr wrap="none">
+            <a:spAutoFit/>
+          </a:bodyPr>
+          <a:lstStyle/>
+          <a:p>
+            <a:r>
+              <a:rPr lang="fi-FI" sz="1400" dirty="0">
+                <a:solidFill>
+                  <a:schemeClr val="bg1"/>
+                </a:solidFill>
+              </a:rPr>
+              <a:t>Global developer population report 2019 . https://sdata.me/GlobalDevPop19 </a:t>
+            </a:r>
+            <a:endParaRPr lang="fi-FI" sz="1100" dirty="0">
+              <a:solidFill>
+                <a:schemeClr val="bg1"/>
+              </a:solidFill>
+              <a:effectLst/>
+            </a:endParaRPr>
+          </a:p>
+        </p:txBody>
+      </p:sp>
+      <p:sp>
+        <p:nvSpPr>
+          <p:cNvPr id="6" name="Otsikko 1">
+            <a:extLst>
+              <a:ext uri="{FF2B5EF4-FFF2-40B4-BE49-F238E27FC236}">
+                <a16:creationId xmlns:a16="http://schemas.microsoft.com/office/drawing/2014/main" id="{2CBF86F8-0AB9-4C47-8863-CA1492678DF1}"/>
+              </a:ext>
+            </a:extLst>
+          </p:cNvPr>
+          <p:cNvSpPr txBox="1">
+            <a:spLocks/>
+          </p:cNvSpPr>
+          <p:nvPr/>
+        </p:nvSpPr>
+        <p:spPr>
+          <a:xfrm>
+            <a:off x="0" y="6487297"/>
+            <a:ext cx="12192000" cy="370703"/>
+          </a:xfrm>
+          <a:prstGeom prst="rect">
+            <a:avLst/>
+          </a:prstGeom>
+          <a:solidFill>
+            <a:schemeClr val="tx1">
+              <a:lumMod val="85000"/>
+              <a:lumOff val="15000"/>
+            </a:schemeClr>
+          </a:solidFill>
+        </p:spPr>
+        <p:txBody>
+          <a:bodyPr vert="horz" lIns="91440" tIns="45720" rIns="91440" bIns="45720" rtlCol="0" anchor="ctr">
+            <a:normAutofit/>
+          </a:bodyPr>
+          <a:lstStyle>
+            <a:lvl1pPr algn="l" defTabSz="914400" rtl="0" eaLnBrk="1" latinLnBrk="0" hangingPunct="1">
+              <a:lnSpc>
+                <a:spcPct val="90000"/>
+              </a:lnSpc>
+              <a:spcBef>
+                <a:spcPct val="0"/>
+              </a:spcBef>
+              <a:buNone/>
+              <a:defRPr sz="4400" kern="1200">
+                <a:solidFill>
+                  <a:schemeClr val="tx1"/>
+                </a:solidFill>
+                <a:latin typeface="+mj-lt"/>
+                <a:ea typeface="+mj-ea"/>
+                <a:cs typeface="+mj-cs"/>
+              </a:defRPr>
+            </a:lvl1pPr>
+          </a:lstStyle>
+          <a:p>
             <a:pPr algn="ctr"/>
             <a:r>
               <a:rPr lang="fi-FI" sz="1800" dirty="0">
@@ -4365,39 +7186,7 @@
                   <a:schemeClr val="bg1"/>
                 </a:solidFill>
               </a:rPr>
-              <a:t>DX </a:t>
-            </a:r>
-            <a:r>
-              <a:rPr lang="fi-FI" sz="1800" dirty="0" err="1">
-                <a:solidFill>
-                  <a:schemeClr val="bg1"/>
-                </a:solidFill>
-              </a:rPr>
-              <a:t>Doctor</a:t>
-            </a:r>
-            <a:r>
-              <a:rPr lang="fi-FI" sz="1800" dirty="0">
-                <a:solidFill>
-                  <a:schemeClr val="bg1"/>
-                </a:solidFill>
-              </a:rPr>
-              <a:t> – </a:t>
-            </a:r>
-            <a:r>
-              <a:rPr lang="fi-FI" sz="1800" dirty="0" err="1">
-                <a:solidFill>
-                  <a:schemeClr val="bg1"/>
-                </a:solidFill>
-              </a:rPr>
-              <a:t>dxdoctor.net</a:t>
-            </a:r>
-            <a:r>
-              <a:rPr lang="fi-FI" sz="1800" dirty="0">
-                <a:solidFill>
-                  <a:schemeClr val="bg1"/>
-                </a:solidFill>
-              </a:rPr>
-              <a:t> – Jarkko Moilanen</a:t>
+              <a:t>DX Doctor – dxdoctor.net – Jarkko Moilanen @Jarkko_Moilanen</a:t>
             </a:r>
           </a:p>
         </p:txBody>
@@ -4416,266 +7205,6 @@
 </file>
 
 <file path=ppt/slides/slide5.xml><?xml version="1.0" encoding="utf-8"?>
-<p:sld xmlns:a="http://schemas.openxmlformats.org/drawingml/2006/main" xmlns:r="http://schemas.openxmlformats.org/officeDocument/2006/relationships" xmlns:p="http://schemas.openxmlformats.org/presentationml/2006/main">
-  <p:cSld>
-    <p:bg>
-      <p:bgPr>
-        <a:blipFill dpi="0" rotWithShape="1">
-          <a:blip r:embed="rId2">
-            <a:lum/>
-          </a:blip>
-          <a:srcRect/>
-          <a:stretch>
-            <a:fillRect t="-11000" b="-11000"/>
-          </a:stretch>
-        </a:blipFill>
-        <a:effectLst/>
-      </p:bgPr>
-    </p:bg>
-    <p:spTree>
-      <p:nvGrpSpPr>
-        <p:cNvPr id="1" name=""/>
-        <p:cNvGrpSpPr/>
-        <p:nvPr/>
-      </p:nvGrpSpPr>
-      <p:grpSpPr>
-        <a:xfrm>
-          <a:off x="0" y="0"/>
-          <a:ext cx="0" cy="0"/>
-          <a:chOff x="0" y="0"/>
-          <a:chExt cx="0" cy="0"/>
-        </a:xfrm>
-      </p:grpSpPr>
-      <p:sp>
-        <p:nvSpPr>
-          <p:cNvPr id="2" name="Otsikko 1">
-            <a:extLst>
-              <a:ext uri="{FF2B5EF4-FFF2-40B4-BE49-F238E27FC236}">
-                <a16:creationId xmlns:a16="http://schemas.microsoft.com/office/drawing/2014/main" id="{B95CC21C-49BE-B34D-8DE1-CC5257BCB34C}"/>
-              </a:ext>
-            </a:extLst>
-          </p:cNvPr>
-          <p:cNvSpPr>
-            <a:spLocks noGrp="1"/>
-          </p:cNvSpPr>
-          <p:nvPr>
-            <p:ph type="title"/>
-          </p:nvPr>
-        </p:nvSpPr>
-        <p:spPr>
-          <a:xfrm>
-            <a:off x="473676" y="642549"/>
-            <a:ext cx="5622324" cy="3595816"/>
-          </a:xfrm>
-          <a:solidFill>
-            <a:srgbClr val="FF4201"/>
-          </a:solidFill>
-        </p:spPr>
-        <p:txBody>
-          <a:bodyPr>
-            <a:normAutofit/>
-          </a:bodyPr>
-          <a:lstStyle/>
-          <a:p>
-            <a:r>
-              <a:rPr lang="fi-FI" sz="6000" dirty="0">
-                <a:solidFill>
-                  <a:schemeClr val="bg1"/>
-                </a:solidFill>
-              </a:rPr>
-              <a:t>38% of </a:t>
-            </a:r>
-            <a:r>
-              <a:rPr lang="fi-FI" sz="6000" dirty="0" err="1">
-                <a:solidFill>
-                  <a:schemeClr val="bg1"/>
-                </a:solidFill>
-              </a:rPr>
-              <a:t>the</a:t>
-            </a:r>
-            <a:r>
-              <a:rPr lang="fi-FI" sz="6000" dirty="0">
-                <a:solidFill>
-                  <a:schemeClr val="bg1"/>
-                </a:solidFill>
-              </a:rPr>
-              <a:t> </a:t>
-            </a:r>
-            <a:r>
-              <a:rPr lang="fi-FI" sz="6000" dirty="0" err="1">
-                <a:solidFill>
-                  <a:schemeClr val="bg1"/>
-                </a:solidFill>
-              </a:rPr>
-              <a:t>developers</a:t>
-            </a:r>
-            <a:r>
-              <a:rPr lang="fi-FI" sz="6000" dirty="0">
-                <a:solidFill>
-                  <a:schemeClr val="bg1"/>
-                </a:solidFill>
-              </a:rPr>
-              <a:t> </a:t>
-            </a:r>
-            <a:r>
-              <a:rPr lang="fi-FI" sz="6000" dirty="0" err="1">
-                <a:solidFill>
-                  <a:schemeClr val="bg1"/>
-                </a:solidFill>
-              </a:rPr>
-              <a:t>are</a:t>
-            </a:r>
-            <a:r>
-              <a:rPr lang="fi-FI" sz="6000" dirty="0">
-                <a:solidFill>
-                  <a:schemeClr val="bg1"/>
-                </a:solidFill>
-              </a:rPr>
-              <a:t> in position to </a:t>
-            </a:r>
-            <a:r>
-              <a:rPr lang="fi-FI" sz="6000" dirty="0" err="1">
-                <a:solidFill>
-                  <a:schemeClr val="bg1"/>
-                </a:solidFill>
-              </a:rPr>
-              <a:t>make</a:t>
-            </a:r>
-            <a:r>
-              <a:rPr lang="fi-FI" sz="6000" dirty="0">
-                <a:solidFill>
-                  <a:schemeClr val="bg1"/>
-                </a:solidFill>
-              </a:rPr>
-              <a:t> </a:t>
-            </a:r>
-            <a:r>
-              <a:rPr lang="fi-FI" sz="6000" dirty="0" err="1">
-                <a:solidFill>
-                  <a:schemeClr val="bg1"/>
-                </a:solidFill>
-              </a:rPr>
-              <a:t>purchases</a:t>
-            </a:r>
-            <a:endParaRPr lang="fi-FI" sz="6000" dirty="0">
-              <a:solidFill>
-                <a:schemeClr val="bg1"/>
-              </a:solidFill>
-            </a:endParaRPr>
-          </a:p>
-        </p:txBody>
-      </p:sp>
-      <p:sp>
-        <p:nvSpPr>
-          <p:cNvPr id="8" name="Otsikko 1">
-            <a:extLst>
-              <a:ext uri="{FF2B5EF4-FFF2-40B4-BE49-F238E27FC236}">
-                <a16:creationId xmlns:a16="http://schemas.microsoft.com/office/drawing/2014/main" id="{CF3872C0-99A2-074B-9397-5651F7DDE533}"/>
-              </a:ext>
-            </a:extLst>
-          </p:cNvPr>
-          <p:cNvSpPr txBox="1">
-            <a:spLocks/>
-          </p:cNvSpPr>
-          <p:nvPr/>
-        </p:nvSpPr>
-        <p:spPr>
-          <a:xfrm>
-            <a:off x="0" y="6487297"/>
-            <a:ext cx="12192000" cy="370703"/>
-          </a:xfrm>
-          <a:prstGeom prst="rect">
-            <a:avLst/>
-          </a:prstGeom>
-          <a:solidFill>
-            <a:schemeClr val="tx1">
-              <a:lumMod val="85000"/>
-              <a:lumOff val="15000"/>
-            </a:schemeClr>
-          </a:solidFill>
-        </p:spPr>
-        <p:txBody>
-          <a:bodyPr vert="horz" lIns="91440" tIns="45720" rIns="91440" bIns="45720" rtlCol="0" anchor="ctr">
-            <a:normAutofit/>
-          </a:bodyPr>
-          <a:lstStyle>
-            <a:lvl1pPr algn="l" defTabSz="914400" rtl="0" eaLnBrk="1" latinLnBrk="0" hangingPunct="1">
-              <a:lnSpc>
-                <a:spcPct val="90000"/>
-              </a:lnSpc>
-              <a:spcBef>
-                <a:spcPct val="0"/>
-              </a:spcBef>
-              <a:buNone/>
-              <a:defRPr sz="4400" kern="1200">
-                <a:solidFill>
-                  <a:schemeClr val="tx1"/>
-                </a:solidFill>
-                <a:latin typeface="+mj-lt"/>
-                <a:ea typeface="+mj-ea"/>
-                <a:cs typeface="+mj-cs"/>
-              </a:defRPr>
-            </a:lvl1pPr>
-          </a:lstStyle>
-          <a:p>
-            <a:pPr algn="ctr"/>
-            <a:r>
-              <a:rPr lang="fi-FI" sz="1800" dirty="0">
-                <a:solidFill>
-                  <a:schemeClr val="bg1"/>
-                </a:solidFill>
-              </a:rPr>
-              <a:t>DX </a:t>
-            </a:r>
-            <a:r>
-              <a:rPr lang="fi-FI" sz="1800" dirty="0" err="1">
-                <a:solidFill>
-                  <a:schemeClr val="bg1"/>
-                </a:solidFill>
-              </a:rPr>
-              <a:t>Doctor</a:t>
-            </a:r>
-            <a:r>
-              <a:rPr lang="fi-FI" sz="1800" dirty="0">
-                <a:solidFill>
-                  <a:schemeClr val="bg1"/>
-                </a:solidFill>
-              </a:rPr>
-              <a:t> – </a:t>
-            </a:r>
-            <a:r>
-              <a:rPr lang="fi-FI" sz="1800" dirty="0" err="1">
-                <a:solidFill>
-                  <a:schemeClr val="bg1"/>
-                </a:solidFill>
-              </a:rPr>
-              <a:t>dxdoctor.net</a:t>
-            </a:r>
-            <a:r>
-              <a:rPr lang="fi-FI" sz="1800" dirty="0">
-                <a:solidFill>
-                  <a:schemeClr val="bg1"/>
-                </a:solidFill>
-              </a:rPr>
-              <a:t> – Jarkko Moilanen</a:t>
-            </a:r>
-          </a:p>
-        </p:txBody>
-      </p:sp>
-    </p:spTree>
-    <p:extLst>
-      <p:ext uri="{BB962C8B-B14F-4D97-AF65-F5344CB8AC3E}">
-        <p14:creationId xmlns:p14="http://schemas.microsoft.com/office/powerpoint/2010/main" val="3064601708"/>
-      </p:ext>
-    </p:extLst>
-  </p:cSld>
-  <p:clrMapOvr>
-    <a:masterClrMapping/>
-  </p:clrMapOvr>
-</p:sld>
-</file>
-
-<file path=ppt/slides/slide6.xml><?xml version="1.0" encoding="utf-8"?>
 <p:sld xmlns:a="http://schemas.openxmlformats.org/drawingml/2006/main" xmlns:r="http://schemas.openxmlformats.org/officeDocument/2006/relationships" xmlns:p="http://schemas.openxmlformats.org/presentationml/2006/main">
   <p:cSld>
     <p:bg>
@@ -4724,8 +7253,8 @@
         </p:nvSpPr>
         <p:spPr>
           <a:xfrm>
-            <a:off x="6429632" y="1631092"/>
-            <a:ext cx="5622324" cy="3595816"/>
+            <a:off x="6895070" y="-1"/>
+            <a:ext cx="5296930" cy="6487297"/>
           </a:xfrm>
           <a:solidFill>
             <a:srgbClr val="FF4201"/>
@@ -4733,104 +7262,71 @@
         </p:spPr>
         <p:txBody>
           <a:bodyPr>
-            <a:normAutofit/>
+            <a:noAutofit/>
           </a:bodyPr>
           <a:lstStyle/>
           <a:p>
             <a:r>
-              <a:rPr lang="fi-FI" sz="6000" dirty="0">
-                <a:solidFill>
-                  <a:schemeClr val="bg1"/>
-                </a:solidFill>
-              </a:rPr>
-              <a:t>38% of </a:t>
-            </a:r>
-            <a:r>
-              <a:rPr lang="fi-FI" sz="6000" dirty="0" err="1">
-                <a:solidFill>
-                  <a:schemeClr val="bg1"/>
-                </a:solidFill>
-              </a:rPr>
-              <a:t>the</a:t>
-            </a:r>
-            <a:r>
-              <a:rPr lang="fi-FI" sz="6000" dirty="0">
-                <a:solidFill>
-                  <a:schemeClr val="bg1"/>
-                </a:solidFill>
-              </a:rPr>
+              <a:rPr lang="fi-FI" sz="4800" b="1" dirty="0">
+                <a:solidFill>
+                  <a:schemeClr val="bg1"/>
+                </a:solidFill>
+              </a:rPr>
+              <a:t>18,9 Million</a:t>
+            </a:r>
+            <a:r>
+              <a:rPr lang="fi-FI" sz="4800" b="1" dirty="0"/>
               <a:t> </a:t>
             </a:r>
-            <a:r>
-              <a:rPr lang="fi-FI" sz="6000" dirty="0" err="1">
-                <a:solidFill>
-                  <a:schemeClr val="bg1"/>
-                </a:solidFill>
-              </a:rPr>
-              <a:t>developers</a:t>
-            </a:r>
-            <a:r>
-              <a:rPr lang="fi-FI" sz="6000" dirty="0">
-                <a:solidFill>
-                  <a:schemeClr val="bg1"/>
-                </a:solidFill>
-              </a:rPr>
+            <a:br>
+              <a:rPr lang="fi-FI" sz="4800" dirty="0">
+                <a:effectLst/>
+              </a:rPr>
+            </a:br>
+            <a:r>
+              <a:rPr lang="fi-FI" sz="4800" dirty="0">
+                <a:effectLst/>
+              </a:rPr>
+              <a:t>active sw developers globally (45 Million by 2030)</a:t>
+            </a:r>
+            <a:br>
+              <a:rPr lang="fi-FI" sz="4800" b="1" dirty="0"/>
+            </a:br>
+            <a:br>
+              <a:rPr lang="fi-FI" sz="4800" b="1" dirty="0"/>
+            </a:br>
+            <a:r>
+              <a:rPr lang="fi-FI" sz="4800" b="1" dirty="0">
+                <a:solidFill>
+                  <a:schemeClr val="bg1"/>
+                </a:solidFill>
+              </a:rPr>
+              <a:t>12,9 Million</a:t>
+            </a:r>
+            <a:r>
+              <a:rPr lang="fi-FI" sz="4800" b="1" dirty="0"/>
               <a:t> </a:t>
             </a:r>
-            <a:r>
-              <a:rPr lang="fi-FI" sz="6000" dirty="0" err="1">
-                <a:solidFill>
-                  <a:schemeClr val="bg1"/>
-                </a:solidFill>
-              </a:rPr>
-              <a:t>are</a:t>
-            </a:r>
-            <a:r>
-              <a:rPr lang="fi-FI" sz="6000" dirty="0">
-                <a:solidFill>
-                  <a:schemeClr val="bg1"/>
-                </a:solidFill>
-              </a:rPr>
-              <a:t> in position to </a:t>
-            </a:r>
-            <a:r>
-              <a:rPr lang="fi-FI" sz="6000" dirty="0" err="1">
-                <a:solidFill>
-                  <a:schemeClr val="bg1"/>
-                </a:solidFill>
-              </a:rPr>
-              <a:t>make</a:t>
-            </a:r>
-            <a:r>
-              <a:rPr lang="fi-FI" sz="6000" dirty="0">
-                <a:solidFill>
-                  <a:schemeClr val="bg1"/>
-                </a:solidFill>
-              </a:rPr>
-              <a:t> </a:t>
-            </a:r>
-            <a:r>
-              <a:rPr lang="fi-FI" sz="6000" dirty="0" err="1">
-                <a:solidFill>
-                  <a:schemeClr val="bg1"/>
-                </a:solidFill>
-              </a:rPr>
-              <a:t>purchases</a:t>
-            </a:r>
-            <a:endParaRPr lang="fi-FI" sz="6000" dirty="0">
-              <a:solidFill>
-                <a:schemeClr val="bg1"/>
-              </a:solidFill>
-            </a:endParaRPr>
-          </a:p>
-        </p:txBody>
-      </p:sp>
-      <p:sp>
-        <p:nvSpPr>
-          <p:cNvPr id="8" name="Otsikko 1">
-            <a:extLst>
-              <a:ext uri="{FF2B5EF4-FFF2-40B4-BE49-F238E27FC236}">
-                <a16:creationId xmlns:a16="http://schemas.microsoft.com/office/drawing/2014/main" id="{CF3872C0-99A2-074B-9397-5651F7DDE533}"/>
+            <a:br>
+              <a:rPr lang="fi-FI" sz="4800" dirty="0">
+                <a:effectLst/>
+              </a:rPr>
+            </a:br>
+            <a:r>
+              <a:rPr lang="fi-FI" sz="4800" dirty="0">
+                <a:effectLst/>
+              </a:rPr>
+              <a:t>professional sw developers</a:t>
+            </a:r>
+          </a:p>
+        </p:txBody>
+      </p:sp>
+      <p:sp>
+        <p:nvSpPr>
+          <p:cNvPr id="4" name="Otsikko 1">
+            <a:extLst>
+              <a:ext uri="{FF2B5EF4-FFF2-40B4-BE49-F238E27FC236}">
+                <a16:creationId xmlns:a16="http://schemas.microsoft.com/office/drawing/2014/main" id="{3C21D57E-7FA7-D54E-8D1C-874750320226}"/>
               </a:ext>
             </a:extLst>
           </p:cNvPr>
@@ -4841,17 +7337,14 @@
         </p:nvSpPr>
         <p:spPr>
           <a:xfrm>
-            <a:off x="0" y="6487297"/>
-            <a:ext cx="12192000" cy="370703"/>
+            <a:off x="6289589" y="-2"/>
+            <a:ext cx="605481" cy="6487297"/>
           </a:xfrm>
           <a:prstGeom prst="rect">
             <a:avLst/>
           </a:prstGeom>
           <a:solidFill>
-            <a:schemeClr val="tx1">
-              <a:lumMod val="85000"/>
-              <a:lumOff val="15000"/>
-            </a:schemeClr>
+            <a:srgbClr val="FF4201"/>
           </a:solidFill>
         </p:spPr>
         <p:txBody>
@@ -4878,6 +7371,111 @@
             </a:lvl1pPr>
           </a:lstStyle>
           <a:p>
+            <a:endParaRPr lang="fi-FI" sz="6000" dirty="0">
+              <a:solidFill>
+                <a:schemeClr val="bg1"/>
+              </a:solidFill>
+            </a:endParaRPr>
+          </a:p>
+        </p:txBody>
+      </p:sp>
+      <p:sp>
+        <p:nvSpPr>
+          <p:cNvPr id="3" name="Suorakulmio 2">
+            <a:extLst>
+              <a:ext uri="{FF2B5EF4-FFF2-40B4-BE49-F238E27FC236}">
+                <a16:creationId xmlns:a16="http://schemas.microsoft.com/office/drawing/2014/main" id="{077624D2-20A2-1543-BF3E-F9C870D1390A}"/>
+              </a:ext>
+            </a:extLst>
+          </p:cNvPr>
+          <p:cNvSpPr/>
+          <p:nvPr/>
+        </p:nvSpPr>
+        <p:spPr>
+          <a:xfrm>
+            <a:off x="197191" y="6117963"/>
+            <a:ext cx="5859809" cy="307777"/>
+          </a:xfrm>
+          <a:prstGeom prst="rect">
+            <a:avLst/>
+          </a:prstGeom>
+        </p:spPr>
+        <p:txBody>
+          <a:bodyPr wrap="none">
+            <a:spAutoFit/>
+          </a:bodyPr>
+          <a:lstStyle/>
+          <a:p>
+            <a:r>
+              <a:rPr lang="fi-FI" sz="1400" dirty="0">
+                <a:solidFill>
+                  <a:schemeClr val="bg1"/>
+                </a:solidFill>
+              </a:rPr>
+              <a:t>Global developer population report 2019 . https://sdata.me/GlobalDevPop19 </a:t>
+            </a:r>
+            <a:endParaRPr lang="fi-FI" sz="1100" dirty="0">
+              <a:solidFill>
+                <a:schemeClr val="bg1"/>
+              </a:solidFill>
+              <a:effectLst/>
+            </a:endParaRPr>
+          </a:p>
+        </p:txBody>
+      </p:sp>
+      <p:sp>
+        <p:nvSpPr>
+          <p:cNvPr id="6" name="Otsikko 1">
+            <a:extLst>
+              <a:ext uri="{FF2B5EF4-FFF2-40B4-BE49-F238E27FC236}">
+                <a16:creationId xmlns:a16="http://schemas.microsoft.com/office/drawing/2014/main" id="{67DFB886-BAB4-9B48-AC7B-3A142E4D7BC4}"/>
+              </a:ext>
+            </a:extLst>
+          </p:cNvPr>
+          <p:cNvSpPr txBox="1">
+            <a:spLocks/>
+          </p:cNvSpPr>
+          <p:nvPr/>
+        </p:nvSpPr>
+        <p:spPr>
+          <a:xfrm>
+            <a:off x="0" y="6487297"/>
+            <a:ext cx="12192000" cy="370703"/>
+          </a:xfrm>
+          <a:prstGeom prst="rect">
+            <a:avLst/>
+          </a:prstGeom>
+          <a:solidFill>
+            <a:schemeClr val="tx1">
+              <a:lumMod val="85000"/>
+              <a:lumOff val="15000"/>
+            </a:schemeClr>
+          </a:solidFill>
+        </p:spPr>
+        <p:txBody>
+          <a:bodyPr vert="horz" lIns="91440" tIns="45720" rIns="91440" bIns="45720" rtlCol="0" anchor="ctr">
+            <a:normAutofit/>
+          </a:bodyPr>
+          <a:lstStyle>
+            <a:lvl1pPr algn="l" defTabSz="914400" rtl="0" eaLnBrk="1" latinLnBrk="0" hangingPunct="1">
+              <a:lnSpc>
+                <a:spcPct val="90000"/>
+              </a:lnSpc>
+              <a:spcBef>
+                <a:spcPct val="0"/>
+              </a:spcBef>
+              <a:buNone/>
+              <a:defRPr sz="4400" kern="1200">
+                <a:solidFill>
+                  <a:schemeClr val="tx1"/>
+                </a:solidFill>
+                <a:latin typeface="+mj-lt"/>
+                <a:ea typeface="+mj-ea"/>
+                <a:cs typeface="+mj-cs"/>
+              </a:defRPr>
+            </a:lvl1pPr>
+          </a:lstStyle>
+          <a:p>
             <a:pPr algn="ctr"/>
             <a:r>
               <a:rPr lang="fi-FI" sz="1800" dirty="0">
@@ -4885,39 +7483,7 @@
                   <a:schemeClr val="bg1"/>
                 </a:solidFill>
               </a:rPr>
-              <a:t>DX </a:t>
-            </a:r>
-            <a:r>
-              <a:rPr lang="fi-FI" sz="1800" dirty="0" err="1">
-                <a:solidFill>
-                  <a:schemeClr val="bg1"/>
-                </a:solidFill>
-              </a:rPr>
-              <a:t>Doctor</a:t>
-            </a:r>
-            <a:r>
-              <a:rPr lang="fi-FI" sz="1800" dirty="0">
-                <a:solidFill>
-                  <a:schemeClr val="bg1"/>
-                </a:solidFill>
-              </a:rPr>
-              <a:t> – </a:t>
-            </a:r>
-            <a:r>
-              <a:rPr lang="fi-FI" sz="1800" dirty="0" err="1">
-                <a:solidFill>
-                  <a:schemeClr val="bg1"/>
-                </a:solidFill>
-              </a:rPr>
-              <a:t>dxdoctor.net</a:t>
-            </a:r>
-            <a:r>
-              <a:rPr lang="fi-FI" sz="1800" dirty="0">
-                <a:solidFill>
-                  <a:schemeClr val="bg1"/>
-                </a:solidFill>
-              </a:rPr>
-              <a:t> – Jarkko Moilanen</a:t>
+              <a:t>DX Doctor – dxdoctor.net – Jarkko Moilanen @Jarkko_Moilanen</a:t>
             </a:r>
           </a:p>
         </p:txBody>
@@ -4926,6 +7492,1008 @@
     <p:extLst>
       <p:ext uri="{BB962C8B-B14F-4D97-AF65-F5344CB8AC3E}">
         <p14:creationId xmlns:p14="http://schemas.microsoft.com/office/powerpoint/2010/main" val="3515611158"/>
+      </p:ext>
+    </p:extLst>
+  </p:cSld>
+  <p:clrMapOvr>
+    <a:masterClrMapping/>
+  </p:clrMapOvr>
+</p:sld>
+</file>
+
+<file path=ppt/slides/slide6.xml><?xml version="1.0" encoding="utf-8"?>
+<p:sld xmlns:a="http://schemas.openxmlformats.org/drawingml/2006/main" xmlns:r="http://schemas.openxmlformats.org/officeDocument/2006/relationships" xmlns:p="http://schemas.openxmlformats.org/presentationml/2006/main">
+  <p:cSld>
+    <p:bg>
+      <p:bgPr>
+        <a:blipFill dpi="0" rotWithShape="1">
+          <a:blip r:embed="rId2">
+            <a:lum/>
+          </a:blip>
+          <a:srcRect/>
+          <a:stretch>
+            <a:fillRect t="-9000" b="-9000"/>
+          </a:stretch>
+        </a:blipFill>
+        <a:effectLst/>
+      </p:bgPr>
+    </p:bg>
+    <p:spTree>
+      <p:nvGrpSpPr>
+        <p:cNvPr id="1" name=""/>
+        <p:cNvGrpSpPr/>
+        <p:nvPr/>
+      </p:nvGrpSpPr>
+      <p:grpSpPr>
+        <a:xfrm>
+          <a:off x="0" y="0"/>
+          <a:ext cx="0" cy="0"/>
+          <a:chOff x="0" y="0"/>
+          <a:chExt cx="0" cy="0"/>
+        </a:xfrm>
+      </p:grpSpPr>
+      <p:sp>
+        <p:nvSpPr>
+          <p:cNvPr id="2" name="Otsikko 1">
+            <a:extLst>
+              <a:ext uri="{FF2B5EF4-FFF2-40B4-BE49-F238E27FC236}">
+                <a16:creationId xmlns:a16="http://schemas.microsoft.com/office/drawing/2014/main" id="{B95CC21C-49BE-B34D-8DE1-CC5257BCB34C}"/>
+              </a:ext>
+            </a:extLst>
+          </p:cNvPr>
+          <p:cNvSpPr>
+            <a:spLocks noGrp="1"/>
+          </p:cNvSpPr>
+          <p:nvPr>
+            <p:ph type="title"/>
+          </p:nvPr>
+        </p:nvSpPr>
+        <p:spPr>
+          <a:xfrm>
+            <a:off x="5745892" y="-1"/>
+            <a:ext cx="6446108" cy="6487297"/>
+          </a:xfrm>
+          <a:solidFill>
+            <a:srgbClr val="FF4201"/>
+          </a:solidFill>
+        </p:spPr>
+        <p:txBody>
+          <a:bodyPr>
+            <a:normAutofit/>
+          </a:bodyPr>
+          <a:lstStyle/>
+          <a:p>
+            <a:r>
+              <a:rPr lang="fi-FI" sz="6000" dirty="0"/>
+              <a:t>38% of professional developers is </a:t>
+            </a:r>
+            <a:br>
+              <a:rPr lang="fi-FI" sz="6000" dirty="0"/>
+            </a:br>
+            <a:r>
+              <a:rPr lang="fi-FI" sz="6000" dirty="0"/>
+              <a:t>around </a:t>
+            </a:r>
+            <a:br>
+              <a:rPr lang="fi-FI" sz="6000" dirty="0"/>
+            </a:br>
+            <a:r>
+              <a:rPr lang="fi-FI" sz="6000" dirty="0">
+                <a:solidFill>
+                  <a:schemeClr val="bg1"/>
+                </a:solidFill>
+              </a:rPr>
+              <a:t>4 900 000 customers</a:t>
+            </a:r>
+          </a:p>
+        </p:txBody>
+      </p:sp>
+      <p:sp>
+        <p:nvSpPr>
+          <p:cNvPr id="4" name="Otsikko 1">
+            <a:extLst>
+              <a:ext uri="{FF2B5EF4-FFF2-40B4-BE49-F238E27FC236}">
+                <a16:creationId xmlns:a16="http://schemas.microsoft.com/office/drawing/2014/main" id="{46B9A587-DD85-884B-A39B-478282F1369C}"/>
+              </a:ext>
+            </a:extLst>
+          </p:cNvPr>
+          <p:cNvSpPr txBox="1">
+            <a:spLocks/>
+          </p:cNvSpPr>
+          <p:nvPr/>
+        </p:nvSpPr>
+        <p:spPr>
+          <a:xfrm>
+            <a:off x="5140411" y="-2"/>
+            <a:ext cx="605481" cy="6487297"/>
+          </a:xfrm>
+          <a:prstGeom prst="rect">
+            <a:avLst/>
+          </a:prstGeom>
+          <a:solidFill>
+            <a:srgbClr val="FF4201"/>
+          </a:solidFill>
+        </p:spPr>
+        <p:txBody>
+          <a:bodyPr vert="horz" lIns="91440" tIns="45720" rIns="91440" bIns="45720" rtlCol="0" anchor="ctr">
+            <a:normAutofit/>
+          </a:bodyPr>
+          <a:lstStyle>
+            <a:lvl1pPr algn="l" defTabSz="914400" rtl="0" eaLnBrk="1" latinLnBrk="0" hangingPunct="1">
+              <a:lnSpc>
+                <a:spcPct val="90000"/>
+              </a:lnSpc>
+              <a:spcBef>
+                <a:spcPct val="0"/>
+              </a:spcBef>
+              <a:buNone/>
+              <a:defRPr sz="4400" kern="1200">
+                <a:solidFill>
+                  <a:schemeClr val="tx1"/>
+                </a:solidFill>
+                <a:latin typeface="+mj-lt"/>
+                <a:ea typeface="+mj-ea"/>
+                <a:cs typeface="+mj-cs"/>
+              </a:defRPr>
+            </a:lvl1pPr>
+          </a:lstStyle>
+          <a:p>
+            <a:endParaRPr lang="fi-FI" sz="6000" dirty="0">
+              <a:solidFill>
+                <a:schemeClr val="bg1"/>
+              </a:solidFill>
+            </a:endParaRPr>
+          </a:p>
+        </p:txBody>
+      </p:sp>
+      <p:sp>
+        <p:nvSpPr>
+          <p:cNvPr id="5" name="Suorakulmio 4">
+            <a:extLst>
+              <a:ext uri="{FF2B5EF4-FFF2-40B4-BE49-F238E27FC236}">
+                <a16:creationId xmlns:a16="http://schemas.microsoft.com/office/drawing/2014/main" id="{7CA33201-5D7E-7C42-9981-03ECC909DCC7}"/>
+              </a:ext>
+            </a:extLst>
+          </p:cNvPr>
+          <p:cNvSpPr/>
+          <p:nvPr/>
+        </p:nvSpPr>
+        <p:spPr>
+          <a:xfrm>
+            <a:off x="580252" y="6117963"/>
+            <a:ext cx="4130361" cy="307777"/>
+          </a:xfrm>
+          <a:prstGeom prst="rect">
+            <a:avLst/>
+          </a:prstGeom>
+        </p:spPr>
+        <p:txBody>
+          <a:bodyPr wrap="none">
+            <a:spAutoFit/>
+          </a:bodyPr>
+          <a:lstStyle/>
+          <a:p>
+            <a:r>
+              <a:rPr lang="fi-FI" sz="1400" dirty="0">
+                <a:solidFill>
+                  <a:schemeClr val="bg1"/>
+                </a:solidFill>
+              </a:rPr>
+              <a:t>Global Developer Population 2019 Community Edition</a:t>
+            </a:r>
+          </a:p>
+        </p:txBody>
+      </p:sp>
+      <p:sp>
+        <p:nvSpPr>
+          <p:cNvPr id="7" name="Otsikko 1">
+            <a:extLst>
+              <a:ext uri="{FF2B5EF4-FFF2-40B4-BE49-F238E27FC236}">
+                <a16:creationId xmlns:a16="http://schemas.microsoft.com/office/drawing/2014/main" id="{317718A2-5B8C-B342-8D4F-B094C8856DE5}"/>
+              </a:ext>
+            </a:extLst>
+          </p:cNvPr>
+          <p:cNvSpPr txBox="1">
+            <a:spLocks/>
+          </p:cNvSpPr>
+          <p:nvPr/>
+        </p:nvSpPr>
+        <p:spPr>
+          <a:xfrm>
+            <a:off x="0" y="6487297"/>
+            <a:ext cx="12192000" cy="370703"/>
+          </a:xfrm>
+          <a:prstGeom prst="rect">
+            <a:avLst/>
+          </a:prstGeom>
+          <a:solidFill>
+            <a:schemeClr val="tx1">
+              <a:lumMod val="85000"/>
+              <a:lumOff val="15000"/>
+            </a:schemeClr>
+          </a:solidFill>
+        </p:spPr>
+        <p:txBody>
+          <a:bodyPr vert="horz" lIns="91440" tIns="45720" rIns="91440" bIns="45720" rtlCol="0" anchor="ctr">
+            <a:normAutofit/>
+          </a:bodyPr>
+          <a:lstStyle>
+            <a:lvl1pPr algn="l" defTabSz="914400" rtl="0" eaLnBrk="1" latinLnBrk="0" hangingPunct="1">
+              <a:lnSpc>
+                <a:spcPct val="90000"/>
+              </a:lnSpc>
+              <a:spcBef>
+                <a:spcPct val="0"/>
+              </a:spcBef>
+              <a:buNone/>
+              <a:defRPr sz="4400" kern="1200">
+                <a:solidFill>
+                  <a:schemeClr val="tx1"/>
+                </a:solidFill>
+                <a:latin typeface="+mj-lt"/>
+                <a:ea typeface="+mj-ea"/>
+                <a:cs typeface="+mj-cs"/>
+              </a:defRPr>
+            </a:lvl1pPr>
+          </a:lstStyle>
+          <a:p>
+            <a:pPr algn="ctr"/>
+            <a:r>
+              <a:rPr lang="fi-FI" sz="1800" dirty="0">
+                <a:solidFill>
+                  <a:schemeClr val="bg1"/>
+                </a:solidFill>
+              </a:rPr>
+              <a:t>DX Doctor – dxdoctor.net – Jarkko Moilanen @Jarkko_Moilanen</a:t>
+            </a:r>
+          </a:p>
+        </p:txBody>
+      </p:sp>
+    </p:spTree>
+    <p:extLst>
+      <p:ext uri="{BB962C8B-B14F-4D97-AF65-F5344CB8AC3E}">
+        <p14:creationId xmlns:p14="http://schemas.microsoft.com/office/powerpoint/2010/main" val="1635405572"/>
+      </p:ext>
+    </p:extLst>
+  </p:cSld>
+  <p:clrMapOvr>
+    <a:masterClrMapping/>
+  </p:clrMapOvr>
+</p:sld>
+</file>
+
+<file path=ppt/slides/slide7.xml><?xml version="1.0" encoding="utf-8"?>
+<p:sld xmlns:a="http://schemas.openxmlformats.org/drawingml/2006/main" xmlns:r="http://schemas.openxmlformats.org/officeDocument/2006/relationships" xmlns:p="http://schemas.openxmlformats.org/presentationml/2006/main">
+  <p:cSld>
+    <p:bg>
+      <p:bgPr>
+        <a:blipFill dpi="0" rotWithShape="1">
+          <a:blip r:embed="rId2">
+            <a:lum/>
+          </a:blip>
+          <a:srcRect/>
+          <a:stretch>
+            <a:fillRect t="-9000" b="-9000"/>
+          </a:stretch>
+        </a:blipFill>
+        <a:effectLst/>
+      </p:bgPr>
+    </p:bg>
+    <p:spTree>
+      <p:nvGrpSpPr>
+        <p:cNvPr id="1" name=""/>
+        <p:cNvGrpSpPr/>
+        <p:nvPr/>
+      </p:nvGrpSpPr>
+      <p:grpSpPr>
+        <a:xfrm>
+          <a:off x="0" y="0"/>
+          <a:ext cx="0" cy="0"/>
+          <a:chOff x="0" y="0"/>
+          <a:chExt cx="0" cy="0"/>
+        </a:xfrm>
+      </p:grpSpPr>
+      <p:sp>
+        <p:nvSpPr>
+          <p:cNvPr id="2" name="Otsikko 1">
+            <a:extLst>
+              <a:ext uri="{FF2B5EF4-FFF2-40B4-BE49-F238E27FC236}">
+                <a16:creationId xmlns:a16="http://schemas.microsoft.com/office/drawing/2014/main" id="{B95CC21C-49BE-B34D-8DE1-CC5257BCB34C}"/>
+              </a:ext>
+            </a:extLst>
+          </p:cNvPr>
+          <p:cNvSpPr>
+            <a:spLocks noGrp="1"/>
+          </p:cNvSpPr>
+          <p:nvPr>
+            <p:ph type="title"/>
+          </p:nvPr>
+        </p:nvSpPr>
+        <p:spPr>
+          <a:xfrm>
+            <a:off x="605481" y="0"/>
+            <a:ext cx="5844746" cy="6487297"/>
+          </a:xfrm>
+          <a:solidFill>
+            <a:srgbClr val="FF4201"/>
+          </a:solidFill>
+        </p:spPr>
+        <p:txBody>
+          <a:bodyPr>
+            <a:normAutofit/>
+          </a:bodyPr>
+          <a:lstStyle/>
+          <a:p>
+            <a:r>
+              <a:rPr lang="fi-FI" sz="6000" dirty="0">
+                <a:solidFill>
+                  <a:schemeClr val="bg1"/>
+                </a:solidFill>
+              </a:rPr>
+              <a:t>45%</a:t>
+            </a:r>
+            <a:r>
+              <a:rPr lang="fi-FI" sz="6000" dirty="0"/>
+              <a:t> are in a position to </a:t>
+            </a:r>
+            <a:r>
+              <a:rPr lang="fi-FI" sz="6000" dirty="0">
+                <a:solidFill>
+                  <a:schemeClr val="bg1"/>
+                </a:solidFill>
+              </a:rPr>
+              <a:t>make recommendations</a:t>
+            </a:r>
+            <a:br>
+              <a:rPr lang="fi-FI" sz="6000" dirty="0">
+                <a:solidFill>
+                  <a:schemeClr val="bg1"/>
+                </a:solidFill>
+              </a:rPr>
+            </a:br>
+            <a:br>
+              <a:rPr lang="fi-FI" sz="6000" dirty="0">
+                <a:solidFill>
+                  <a:schemeClr val="bg1"/>
+                </a:solidFill>
+              </a:rPr>
+            </a:br>
+            <a:r>
+              <a:rPr lang="fi-FI" sz="6000" dirty="0">
+                <a:solidFill>
+                  <a:schemeClr val="bg1"/>
+                </a:solidFill>
+              </a:rPr>
+              <a:t>5 800 000 </a:t>
+            </a:r>
+            <a:r>
+              <a:rPr lang="fi-FI" sz="6000" dirty="0"/>
+              <a:t>developers</a:t>
+            </a:r>
+            <a:br>
+              <a:rPr lang="fi-FI" sz="6000" dirty="0">
+                <a:solidFill>
+                  <a:schemeClr val="bg1"/>
+                </a:solidFill>
+              </a:rPr>
+            </a:br>
+            <a:endParaRPr lang="fi-FI" sz="6000" dirty="0">
+              <a:solidFill>
+                <a:schemeClr val="bg1"/>
+              </a:solidFill>
+            </a:endParaRPr>
+          </a:p>
+        </p:txBody>
+      </p:sp>
+      <p:sp>
+        <p:nvSpPr>
+          <p:cNvPr id="4" name="Otsikko 1">
+            <a:extLst>
+              <a:ext uri="{FF2B5EF4-FFF2-40B4-BE49-F238E27FC236}">
+                <a16:creationId xmlns:a16="http://schemas.microsoft.com/office/drawing/2014/main" id="{5B3247D8-F487-9A4F-BBA2-F4889044E82A}"/>
+              </a:ext>
+            </a:extLst>
+          </p:cNvPr>
+          <p:cNvSpPr txBox="1">
+            <a:spLocks/>
+          </p:cNvSpPr>
+          <p:nvPr/>
+        </p:nvSpPr>
+        <p:spPr>
+          <a:xfrm>
+            <a:off x="0" y="0"/>
+            <a:ext cx="605481" cy="6487297"/>
+          </a:xfrm>
+          <a:prstGeom prst="rect">
+            <a:avLst/>
+          </a:prstGeom>
+          <a:solidFill>
+            <a:srgbClr val="FF4201"/>
+          </a:solidFill>
+        </p:spPr>
+        <p:txBody>
+          <a:bodyPr vert="horz" lIns="91440" tIns="45720" rIns="91440" bIns="45720" rtlCol="0" anchor="ctr">
+            <a:normAutofit/>
+          </a:bodyPr>
+          <a:lstStyle>
+            <a:lvl1pPr algn="l" defTabSz="914400" rtl="0" eaLnBrk="1" latinLnBrk="0" hangingPunct="1">
+              <a:lnSpc>
+                <a:spcPct val="90000"/>
+              </a:lnSpc>
+              <a:spcBef>
+                <a:spcPct val="0"/>
+              </a:spcBef>
+              <a:buNone/>
+              <a:defRPr sz="4400" kern="1200">
+                <a:solidFill>
+                  <a:schemeClr val="tx1"/>
+                </a:solidFill>
+                <a:latin typeface="+mj-lt"/>
+                <a:ea typeface="+mj-ea"/>
+                <a:cs typeface="+mj-cs"/>
+              </a:defRPr>
+            </a:lvl1pPr>
+          </a:lstStyle>
+          <a:p>
+            <a:endParaRPr lang="fi-FI" sz="6000" dirty="0">
+              <a:solidFill>
+                <a:schemeClr val="bg1"/>
+              </a:solidFill>
+            </a:endParaRPr>
+          </a:p>
+        </p:txBody>
+      </p:sp>
+      <p:sp>
+        <p:nvSpPr>
+          <p:cNvPr id="5" name="Suorakulmio 4">
+            <a:extLst>
+              <a:ext uri="{FF2B5EF4-FFF2-40B4-BE49-F238E27FC236}">
+                <a16:creationId xmlns:a16="http://schemas.microsoft.com/office/drawing/2014/main" id="{74A37B0A-3288-D144-9811-08D35B4C0159}"/>
+              </a:ext>
+            </a:extLst>
+          </p:cNvPr>
+          <p:cNvSpPr/>
+          <p:nvPr/>
+        </p:nvSpPr>
+        <p:spPr>
+          <a:xfrm>
+            <a:off x="7166403" y="6056179"/>
+            <a:ext cx="4130361" cy="307777"/>
+          </a:xfrm>
+          <a:prstGeom prst="rect">
+            <a:avLst/>
+          </a:prstGeom>
+        </p:spPr>
+        <p:txBody>
+          <a:bodyPr wrap="none">
+            <a:spAutoFit/>
+          </a:bodyPr>
+          <a:lstStyle/>
+          <a:p>
+            <a:r>
+              <a:rPr lang="fi-FI" sz="1400" dirty="0">
+                <a:solidFill>
+                  <a:schemeClr val="bg1"/>
+                </a:solidFill>
+              </a:rPr>
+              <a:t>Global Developer Population 2019 Community Edition</a:t>
+            </a:r>
+          </a:p>
+        </p:txBody>
+      </p:sp>
+      <p:sp>
+        <p:nvSpPr>
+          <p:cNvPr id="6" name="Otsikko 1">
+            <a:extLst>
+              <a:ext uri="{FF2B5EF4-FFF2-40B4-BE49-F238E27FC236}">
+                <a16:creationId xmlns:a16="http://schemas.microsoft.com/office/drawing/2014/main" id="{C0DD3EE3-DD16-CB4C-8621-19567DE837A5}"/>
+              </a:ext>
+            </a:extLst>
+          </p:cNvPr>
+          <p:cNvSpPr txBox="1">
+            <a:spLocks/>
+          </p:cNvSpPr>
+          <p:nvPr/>
+        </p:nvSpPr>
+        <p:spPr>
+          <a:xfrm>
+            <a:off x="0" y="6487297"/>
+            <a:ext cx="12192000" cy="370703"/>
+          </a:xfrm>
+          <a:prstGeom prst="rect">
+            <a:avLst/>
+          </a:prstGeom>
+          <a:solidFill>
+            <a:schemeClr val="tx1">
+              <a:lumMod val="85000"/>
+              <a:lumOff val="15000"/>
+            </a:schemeClr>
+          </a:solidFill>
+        </p:spPr>
+        <p:txBody>
+          <a:bodyPr vert="horz" lIns="91440" tIns="45720" rIns="91440" bIns="45720" rtlCol="0" anchor="ctr">
+            <a:normAutofit/>
+          </a:bodyPr>
+          <a:lstStyle>
+            <a:lvl1pPr algn="l" defTabSz="914400" rtl="0" eaLnBrk="1" latinLnBrk="0" hangingPunct="1">
+              <a:lnSpc>
+                <a:spcPct val="90000"/>
+              </a:lnSpc>
+              <a:spcBef>
+                <a:spcPct val="0"/>
+              </a:spcBef>
+              <a:buNone/>
+              <a:defRPr sz="4400" kern="1200">
+                <a:solidFill>
+                  <a:schemeClr val="tx1"/>
+                </a:solidFill>
+                <a:latin typeface="+mj-lt"/>
+                <a:ea typeface="+mj-ea"/>
+                <a:cs typeface="+mj-cs"/>
+              </a:defRPr>
+            </a:lvl1pPr>
+          </a:lstStyle>
+          <a:p>
+            <a:pPr algn="ctr"/>
+            <a:r>
+              <a:rPr lang="fi-FI" sz="1800" dirty="0">
+                <a:solidFill>
+                  <a:schemeClr val="bg1"/>
+                </a:solidFill>
+              </a:rPr>
+              <a:t>DX Doctor – dxdoctor.net – Jarkko Moilanen @Jarkko_Moilanen</a:t>
+            </a:r>
+          </a:p>
+        </p:txBody>
+      </p:sp>
+    </p:spTree>
+    <p:extLst>
+      <p:ext uri="{BB962C8B-B14F-4D97-AF65-F5344CB8AC3E}">
+        <p14:creationId xmlns:p14="http://schemas.microsoft.com/office/powerpoint/2010/main" val="2719615671"/>
+      </p:ext>
+    </p:extLst>
+  </p:cSld>
+  <p:clrMapOvr>
+    <a:masterClrMapping/>
+  </p:clrMapOvr>
+</p:sld>
+</file>
+
+<file path=ppt/slides/slide8.xml><?xml version="1.0" encoding="utf-8"?>
+<p:sld xmlns:a="http://schemas.openxmlformats.org/drawingml/2006/main" xmlns:r="http://schemas.openxmlformats.org/officeDocument/2006/relationships" xmlns:p="http://schemas.openxmlformats.org/presentationml/2006/main">
+  <p:cSld>
+    <p:bg>
+      <p:bgPr>
+        <a:blipFill dpi="0" rotWithShape="1">
+          <a:blip r:embed="rId2">
+            <a:lum/>
+          </a:blip>
+          <a:srcRect/>
+          <a:stretch>
+            <a:fillRect t="-9000" b="-9000"/>
+          </a:stretch>
+        </a:blipFill>
+        <a:effectLst/>
+      </p:bgPr>
+    </p:bg>
+    <p:spTree>
+      <p:nvGrpSpPr>
+        <p:cNvPr id="1" name=""/>
+        <p:cNvGrpSpPr/>
+        <p:nvPr/>
+      </p:nvGrpSpPr>
+      <p:grpSpPr>
+        <a:xfrm>
+          <a:off x="0" y="0"/>
+          <a:ext cx="0" cy="0"/>
+          <a:chOff x="0" y="0"/>
+          <a:chExt cx="0" cy="0"/>
+        </a:xfrm>
+      </p:grpSpPr>
+      <p:sp>
+        <p:nvSpPr>
+          <p:cNvPr id="2" name="Otsikko 1">
+            <a:extLst>
+              <a:ext uri="{FF2B5EF4-FFF2-40B4-BE49-F238E27FC236}">
+                <a16:creationId xmlns:a16="http://schemas.microsoft.com/office/drawing/2014/main" id="{B95CC21C-49BE-B34D-8DE1-CC5257BCB34C}"/>
+              </a:ext>
+            </a:extLst>
+          </p:cNvPr>
+          <p:cNvSpPr>
+            <a:spLocks noGrp="1"/>
+          </p:cNvSpPr>
+          <p:nvPr>
+            <p:ph type="title"/>
+          </p:nvPr>
+        </p:nvSpPr>
+        <p:spPr>
+          <a:xfrm>
+            <a:off x="605481" y="0"/>
+            <a:ext cx="5276336" cy="6487297"/>
+          </a:xfrm>
+          <a:solidFill>
+            <a:srgbClr val="FF4201"/>
+          </a:solidFill>
+        </p:spPr>
+        <p:txBody>
+          <a:bodyPr>
+            <a:normAutofit/>
+          </a:bodyPr>
+          <a:lstStyle/>
+          <a:p>
+            <a:r>
+              <a:rPr lang="fi-FI" sz="6000" dirty="0">
+                <a:solidFill>
+                  <a:schemeClr val="bg1"/>
+                </a:solidFill>
+              </a:rPr>
+              <a:t>25%</a:t>
+            </a:r>
+            <a:r>
+              <a:rPr lang="fi-FI" sz="6000" dirty="0"/>
+              <a:t> of developers can spend </a:t>
+            </a:r>
+            <a:r>
+              <a:rPr lang="fi-FI" sz="6000" dirty="0">
+                <a:solidFill>
+                  <a:schemeClr val="bg1"/>
+                </a:solidFill>
+              </a:rPr>
+              <a:t>10 000€+ without authorization</a:t>
+            </a:r>
+            <a:endParaRPr lang="fi-FI" sz="6000" dirty="0"/>
+          </a:p>
+        </p:txBody>
+      </p:sp>
+      <p:sp>
+        <p:nvSpPr>
+          <p:cNvPr id="7" name="Otsikko 1">
+            <a:extLst>
+              <a:ext uri="{FF2B5EF4-FFF2-40B4-BE49-F238E27FC236}">
+                <a16:creationId xmlns:a16="http://schemas.microsoft.com/office/drawing/2014/main" id="{96D7AE5A-129C-B94D-8797-31BBE66E836E}"/>
+              </a:ext>
+            </a:extLst>
+          </p:cNvPr>
+          <p:cNvSpPr txBox="1">
+            <a:spLocks/>
+          </p:cNvSpPr>
+          <p:nvPr/>
+        </p:nvSpPr>
+        <p:spPr>
+          <a:xfrm>
+            <a:off x="0" y="0"/>
+            <a:ext cx="605481" cy="6487297"/>
+          </a:xfrm>
+          <a:prstGeom prst="rect">
+            <a:avLst/>
+          </a:prstGeom>
+          <a:solidFill>
+            <a:srgbClr val="FF4201"/>
+          </a:solidFill>
+        </p:spPr>
+        <p:txBody>
+          <a:bodyPr vert="horz" lIns="91440" tIns="45720" rIns="91440" bIns="45720" rtlCol="0" anchor="ctr">
+            <a:normAutofit/>
+          </a:bodyPr>
+          <a:lstStyle>
+            <a:lvl1pPr algn="l" defTabSz="914400" rtl="0" eaLnBrk="1" latinLnBrk="0" hangingPunct="1">
+              <a:lnSpc>
+                <a:spcPct val="90000"/>
+              </a:lnSpc>
+              <a:spcBef>
+                <a:spcPct val="0"/>
+              </a:spcBef>
+              <a:buNone/>
+              <a:defRPr sz="4400" kern="1200">
+                <a:solidFill>
+                  <a:schemeClr val="tx1"/>
+                </a:solidFill>
+                <a:latin typeface="+mj-lt"/>
+                <a:ea typeface="+mj-ea"/>
+                <a:cs typeface="+mj-cs"/>
+              </a:defRPr>
+            </a:lvl1pPr>
+          </a:lstStyle>
+          <a:p>
+            <a:endParaRPr lang="fi-FI" sz="6000" dirty="0">
+              <a:solidFill>
+                <a:schemeClr val="bg1"/>
+              </a:solidFill>
+            </a:endParaRPr>
+          </a:p>
+        </p:txBody>
+      </p:sp>
+      <p:sp>
+        <p:nvSpPr>
+          <p:cNvPr id="8" name="Otsikko 1">
+            <a:extLst>
+              <a:ext uri="{FF2B5EF4-FFF2-40B4-BE49-F238E27FC236}">
+                <a16:creationId xmlns:a16="http://schemas.microsoft.com/office/drawing/2014/main" id="{27423D49-9FC9-0740-B88F-6BFF3930E87B}"/>
+              </a:ext>
+            </a:extLst>
+          </p:cNvPr>
+          <p:cNvSpPr txBox="1">
+            <a:spLocks/>
+          </p:cNvSpPr>
+          <p:nvPr/>
+        </p:nvSpPr>
+        <p:spPr>
+          <a:xfrm>
+            <a:off x="0" y="6487297"/>
+            <a:ext cx="12192000" cy="370703"/>
+          </a:xfrm>
+          <a:prstGeom prst="rect">
+            <a:avLst/>
+          </a:prstGeom>
+          <a:solidFill>
+            <a:schemeClr val="tx1">
+              <a:lumMod val="85000"/>
+              <a:lumOff val="15000"/>
+            </a:schemeClr>
+          </a:solidFill>
+        </p:spPr>
+        <p:txBody>
+          <a:bodyPr vert="horz" lIns="91440" tIns="45720" rIns="91440" bIns="45720" rtlCol="0" anchor="ctr">
+            <a:normAutofit/>
+          </a:bodyPr>
+          <a:lstStyle>
+            <a:lvl1pPr algn="l" defTabSz="914400" rtl="0" eaLnBrk="1" latinLnBrk="0" hangingPunct="1">
+              <a:lnSpc>
+                <a:spcPct val="90000"/>
+              </a:lnSpc>
+              <a:spcBef>
+                <a:spcPct val="0"/>
+              </a:spcBef>
+              <a:buNone/>
+              <a:defRPr sz="4400" kern="1200">
+                <a:solidFill>
+                  <a:schemeClr val="tx1"/>
+                </a:solidFill>
+                <a:latin typeface="+mj-lt"/>
+                <a:ea typeface="+mj-ea"/>
+                <a:cs typeface="+mj-cs"/>
+              </a:defRPr>
+            </a:lvl1pPr>
+          </a:lstStyle>
+          <a:p>
+            <a:pPr algn="ctr"/>
+            <a:r>
+              <a:rPr lang="fi-FI" sz="1800" dirty="0">
+                <a:solidFill>
+                  <a:schemeClr val="bg1"/>
+                </a:solidFill>
+              </a:rPr>
+              <a:t>DX Doctor – dxdoctor.net – Jarkko Moilanen @Jarkko_Moilanen</a:t>
+            </a:r>
+          </a:p>
+        </p:txBody>
+      </p:sp>
+    </p:spTree>
+    <p:extLst>
+      <p:ext uri="{BB962C8B-B14F-4D97-AF65-F5344CB8AC3E}">
+        <p14:creationId xmlns:p14="http://schemas.microsoft.com/office/powerpoint/2010/main" val="2371357926"/>
+      </p:ext>
+    </p:extLst>
+  </p:cSld>
+  <p:clrMapOvr>
+    <a:masterClrMapping/>
+  </p:clrMapOvr>
+</p:sld>
+</file>
+
+<file path=ppt/slides/slide9.xml><?xml version="1.0" encoding="utf-8"?>
+<p:sld xmlns:a="http://schemas.openxmlformats.org/drawingml/2006/main" xmlns:r="http://schemas.openxmlformats.org/officeDocument/2006/relationships" xmlns:p="http://schemas.openxmlformats.org/presentationml/2006/main">
+  <p:cSld>
+    <p:bg>
+      <p:bgPr>
+        <a:blipFill dpi="0" rotWithShape="1">
+          <a:blip r:embed="rId2">
+            <a:lum/>
+          </a:blip>
+          <a:srcRect/>
+          <a:stretch>
+            <a:fillRect t="-9000" b="-9000"/>
+          </a:stretch>
+        </a:blipFill>
+        <a:effectLst/>
+      </p:bgPr>
+    </p:bg>
+    <p:spTree>
+      <p:nvGrpSpPr>
+        <p:cNvPr id="1" name=""/>
+        <p:cNvGrpSpPr/>
+        <p:nvPr/>
+      </p:nvGrpSpPr>
+      <p:grpSpPr>
+        <a:xfrm>
+          <a:off x="0" y="0"/>
+          <a:ext cx="0" cy="0"/>
+          <a:chOff x="0" y="0"/>
+          <a:chExt cx="0" cy="0"/>
+        </a:xfrm>
+      </p:grpSpPr>
+      <p:sp>
+        <p:nvSpPr>
+          <p:cNvPr id="2" name="Otsikko 1">
+            <a:extLst>
+              <a:ext uri="{FF2B5EF4-FFF2-40B4-BE49-F238E27FC236}">
+                <a16:creationId xmlns:a16="http://schemas.microsoft.com/office/drawing/2014/main" id="{B95CC21C-49BE-B34D-8DE1-CC5257BCB34C}"/>
+              </a:ext>
+            </a:extLst>
+          </p:cNvPr>
+          <p:cNvSpPr>
+            <a:spLocks noGrp="1"/>
+          </p:cNvSpPr>
+          <p:nvPr>
+            <p:ph type="title"/>
+          </p:nvPr>
+        </p:nvSpPr>
+        <p:spPr>
+          <a:xfrm>
+            <a:off x="6701480" y="-1"/>
+            <a:ext cx="5490519" cy="6487297"/>
+          </a:xfrm>
+          <a:solidFill>
+            <a:srgbClr val="FF4201"/>
+          </a:solidFill>
+        </p:spPr>
+        <p:txBody>
+          <a:bodyPr>
+            <a:normAutofit/>
+          </a:bodyPr>
+          <a:lstStyle/>
+          <a:p>
+            <a:r>
+              <a:rPr lang="fi-FI" dirty="0">
+                <a:solidFill>
+                  <a:schemeClr val="bg1"/>
+                </a:solidFill>
+              </a:rPr>
+              <a:t>B2D product strategy</a:t>
+            </a:r>
+            <a:br>
+              <a:rPr lang="fi-FI" dirty="0"/>
+            </a:br>
+            <a:br>
+              <a:rPr lang="fi-FI" dirty="0"/>
+            </a:br>
+            <a:r>
+              <a:rPr lang="fi-FI" dirty="0"/>
+              <a:t>Make multiple compact services (with instant value + freemium) with relatively small annual costs (1k-2k€)</a:t>
+            </a:r>
+            <a:endParaRPr lang="fi-FI" sz="6000" dirty="0">
+              <a:effectLst/>
+            </a:endParaRPr>
+          </a:p>
+        </p:txBody>
+      </p:sp>
+      <p:sp>
+        <p:nvSpPr>
+          <p:cNvPr id="9" name="Otsikko 1">
+            <a:extLst>
+              <a:ext uri="{FF2B5EF4-FFF2-40B4-BE49-F238E27FC236}">
+                <a16:creationId xmlns:a16="http://schemas.microsoft.com/office/drawing/2014/main" id="{BC4F6A76-754D-A84E-B85A-E143E2945B04}"/>
+              </a:ext>
+            </a:extLst>
+          </p:cNvPr>
+          <p:cNvSpPr txBox="1">
+            <a:spLocks/>
+          </p:cNvSpPr>
+          <p:nvPr/>
+        </p:nvSpPr>
+        <p:spPr>
+          <a:xfrm>
+            <a:off x="6096000" y="0"/>
+            <a:ext cx="605481" cy="6487297"/>
+          </a:xfrm>
+          <a:prstGeom prst="rect">
+            <a:avLst/>
+          </a:prstGeom>
+          <a:solidFill>
+            <a:srgbClr val="FF4201"/>
+          </a:solidFill>
+        </p:spPr>
+        <p:txBody>
+          <a:bodyPr vert="horz" lIns="91440" tIns="45720" rIns="91440" bIns="45720" rtlCol="0" anchor="ctr">
+            <a:normAutofit/>
+          </a:bodyPr>
+          <a:lstStyle>
+            <a:lvl1pPr algn="l" defTabSz="914400" rtl="0" eaLnBrk="1" latinLnBrk="0" hangingPunct="1">
+              <a:lnSpc>
+                <a:spcPct val="90000"/>
+              </a:lnSpc>
+              <a:spcBef>
+                <a:spcPct val="0"/>
+              </a:spcBef>
+              <a:buNone/>
+              <a:defRPr sz="4400" kern="1200">
+                <a:solidFill>
+                  <a:schemeClr val="tx1"/>
+                </a:solidFill>
+                <a:latin typeface="+mj-lt"/>
+                <a:ea typeface="+mj-ea"/>
+                <a:cs typeface="+mj-cs"/>
+              </a:defRPr>
+            </a:lvl1pPr>
+          </a:lstStyle>
+          <a:p>
+            <a:endParaRPr lang="fi-FI" sz="6000" dirty="0">
+              <a:solidFill>
+                <a:schemeClr val="bg1"/>
+              </a:solidFill>
+            </a:endParaRPr>
+          </a:p>
+        </p:txBody>
+      </p:sp>
+      <p:sp>
+        <p:nvSpPr>
+          <p:cNvPr id="5" name="Otsikko 1">
+            <a:extLst>
+              <a:ext uri="{FF2B5EF4-FFF2-40B4-BE49-F238E27FC236}">
+                <a16:creationId xmlns:a16="http://schemas.microsoft.com/office/drawing/2014/main" id="{C03252CB-A5E0-F142-B527-1C68B20E550E}"/>
+              </a:ext>
+            </a:extLst>
+          </p:cNvPr>
+          <p:cNvSpPr txBox="1">
+            <a:spLocks/>
+          </p:cNvSpPr>
+          <p:nvPr/>
+        </p:nvSpPr>
+        <p:spPr>
+          <a:xfrm>
+            <a:off x="0" y="6487297"/>
+            <a:ext cx="12192000" cy="370703"/>
+          </a:xfrm>
+          <a:prstGeom prst="rect">
+            <a:avLst/>
+          </a:prstGeom>
+          <a:solidFill>
+            <a:schemeClr val="tx1">
+              <a:lumMod val="85000"/>
+              <a:lumOff val="15000"/>
+            </a:schemeClr>
+          </a:solidFill>
+        </p:spPr>
+        <p:txBody>
+          <a:bodyPr vert="horz" lIns="91440" tIns="45720" rIns="91440" bIns="45720" rtlCol="0" anchor="ctr">
+            <a:normAutofit/>
+          </a:bodyPr>
+          <a:lstStyle>
+            <a:lvl1pPr algn="l" defTabSz="914400" rtl="0" eaLnBrk="1" latinLnBrk="0" hangingPunct="1">
+              <a:lnSpc>
+                <a:spcPct val="90000"/>
+              </a:lnSpc>
+              <a:spcBef>
+                <a:spcPct val="0"/>
+              </a:spcBef>
+              <a:buNone/>
+              <a:defRPr sz="4400" kern="1200">
+                <a:solidFill>
+                  <a:schemeClr val="tx1"/>
+                </a:solidFill>
+                <a:latin typeface="+mj-lt"/>
+                <a:ea typeface="+mj-ea"/>
+                <a:cs typeface="+mj-cs"/>
+              </a:defRPr>
+            </a:lvl1pPr>
+          </a:lstStyle>
+          <a:p>
+            <a:pPr algn="ctr"/>
+            <a:r>
+              <a:rPr lang="fi-FI" sz="1800" dirty="0">
+                <a:solidFill>
+                  <a:schemeClr val="bg1"/>
+                </a:solidFill>
+              </a:rPr>
+              <a:t>DX Doctor – dxdoctor.net – Jarkko Moilanen @Jarkko_Moilanen</a:t>
+            </a:r>
+          </a:p>
+        </p:txBody>
+      </p:sp>
+    </p:spTree>
+    <p:extLst>
+      <p:ext uri="{BB962C8B-B14F-4D97-AF65-F5344CB8AC3E}">
+        <p14:creationId xmlns:p14="http://schemas.microsoft.com/office/powerpoint/2010/main" val="4162075157"/>
       </p:ext>
     </p:extLst>
   </p:cSld>

--- a/presentations/issue-nov-2019.pptx
+++ b/presentations/issue-nov-2019.pptx
@@ -120,7 +120,20 @@
       </a:defRPr>
     </a:lvl9pPr>
   </p:defaultTextStyle>
+  <p:extLst>
+    <p:ext uri="{EFAFB233-063F-42B5-8137-9DF3F51BA10A}">
+      <p15:sldGuideLst xmlns:p15="http://schemas.microsoft.com/office/powerpoint/2012/main"/>
+    </p:ext>
+  </p:extLst>
 </p:presentation>
+</file>
+
+<file path=ppt/revisionInfo.xml><?xml version="1.0" encoding="utf-8"?>
+<p1510:revInfo xmlns:a="http://schemas.openxmlformats.org/drawingml/2006/main" xmlns:r="http://schemas.openxmlformats.org/officeDocument/2006/relationships" xmlns:p1510="http://schemas.microsoft.com/office/powerpoint/2015/10/main">
+  <p1510:revLst>
+    <p1510:client id="{8295070F-6E96-C84A-8E00-5F9D9962C70C}" v="5" dt="2019-11-13T18:39:50.885"/>
+  </p1510:revLst>
+</p1510:revInfo>
 </file>
 
 <file path=ppt/slideLayouts/slideLayout1.xml><?xml version="1.0" encoding="utf-8"?>
@@ -270,7 +283,7 @@
           <a:p>
             <a:fld id="{FCBBF114-0AC3-9842-A95C-BF0E4929108C}" type="datetimeFigureOut">
               <a:rPr lang="fi-FI" smtClean="0"/>
-              <a:t>10.11.2019</a:t>
+              <a:t>13.11.2019</a:t>
             </a:fld>
             <a:endParaRPr lang="fi-FI" dirty="0"/>
           </a:p>
@@ -468,7 +481,7 @@
           <a:p>
             <a:fld id="{FCBBF114-0AC3-9842-A95C-BF0E4929108C}" type="datetimeFigureOut">
               <a:rPr lang="fi-FI" smtClean="0"/>
-              <a:t>10.11.2019</a:t>
+              <a:t>13.11.2019</a:t>
             </a:fld>
             <a:endParaRPr lang="fi-FI" dirty="0"/>
           </a:p>
@@ -676,7 +689,7 @@
           <a:p>
             <a:fld id="{FCBBF114-0AC3-9842-A95C-BF0E4929108C}" type="datetimeFigureOut">
               <a:rPr lang="fi-FI" smtClean="0"/>
-              <a:t>10.11.2019</a:t>
+              <a:t>13.11.2019</a:t>
             </a:fld>
             <a:endParaRPr lang="fi-FI" dirty="0"/>
           </a:p>
@@ -874,7 +887,7 @@
           <a:p>
             <a:fld id="{FCBBF114-0AC3-9842-A95C-BF0E4929108C}" type="datetimeFigureOut">
               <a:rPr lang="fi-FI" smtClean="0"/>
-              <a:t>10.11.2019</a:t>
+              <a:t>13.11.2019</a:t>
             </a:fld>
             <a:endParaRPr lang="fi-FI" dirty="0"/>
           </a:p>
@@ -1149,7 +1162,7 @@
           <a:p>
             <a:fld id="{FCBBF114-0AC3-9842-A95C-BF0E4929108C}" type="datetimeFigureOut">
               <a:rPr lang="fi-FI" smtClean="0"/>
-              <a:t>10.11.2019</a:t>
+              <a:t>13.11.2019</a:t>
             </a:fld>
             <a:endParaRPr lang="fi-FI" dirty="0"/>
           </a:p>
@@ -1414,7 +1427,7 @@
           <a:p>
             <a:fld id="{FCBBF114-0AC3-9842-A95C-BF0E4929108C}" type="datetimeFigureOut">
               <a:rPr lang="fi-FI" smtClean="0"/>
-              <a:t>10.11.2019</a:t>
+              <a:t>13.11.2019</a:t>
             </a:fld>
             <a:endParaRPr lang="fi-FI" dirty="0"/>
           </a:p>
@@ -1826,7 +1839,7 @@
           <a:p>
             <a:fld id="{FCBBF114-0AC3-9842-A95C-BF0E4929108C}" type="datetimeFigureOut">
               <a:rPr lang="fi-FI" smtClean="0"/>
-              <a:t>10.11.2019</a:t>
+              <a:t>13.11.2019</a:t>
             </a:fld>
             <a:endParaRPr lang="fi-FI" dirty="0"/>
           </a:p>
@@ -1967,7 +1980,7 @@
           <a:p>
             <a:fld id="{FCBBF114-0AC3-9842-A95C-BF0E4929108C}" type="datetimeFigureOut">
               <a:rPr lang="fi-FI" smtClean="0"/>
-              <a:t>10.11.2019</a:t>
+              <a:t>13.11.2019</a:t>
             </a:fld>
             <a:endParaRPr lang="fi-FI" dirty="0"/>
           </a:p>
@@ -2080,7 +2093,7 @@
           <a:p>
             <a:fld id="{FCBBF114-0AC3-9842-A95C-BF0E4929108C}" type="datetimeFigureOut">
               <a:rPr lang="fi-FI" smtClean="0"/>
-              <a:t>10.11.2019</a:t>
+              <a:t>13.11.2019</a:t>
             </a:fld>
             <a:endParaRPr lang="fi-FI" dirty="0"/>
           </a:p>
@@ -2391,7 +2404,7 @@
           <a:p>
             <a:fld id="{FCBBF114-0AC3-9842-A95C-BF0E4929108C}" type="datetimeFigureOut">
               <a:rPr lang="fi-FI" smtClean="0"/>
-              <a:t>10.11.2019</a:t>
+              <a:t>13.11.2019</a:t>
             </a:fld>
             <a:endParaRPr lang="fi-FI" dirty="0"/>
           </a:p>
@@ -2679,7 +2692,7 @@
           <a:p>
             <a:fld id="{FCBBF114-0AC3-9842-A95C-BF0E4929108C}" type="datetimeFigureOut">
               <a:rPr lang="fi-FI" smtClean="0"/>
-              <a:t>10.11.2019</a:t>
+              <a:t>13.11.2019</a:t>
             </a:fld>
             <a:endParaRPr lang="fi-FI" dirty="0"/>
           </a:p>
@@ -2920,7 +2933,7 @@
           <a:p>
             <a:fld id="{FCBBF114-0AC3-9842-A95C-BF0E4929108C}" type="datetimeFigureOut">
               <a:rPr lang="fi-FI" smtClean="0"/>
-              <a:t>10.11.2019</a:t>
+              <a:t>13.11.2019</a:t>
             </a:fld>
             <a:endParaRPr lang="fi-FI" dirty="0"/>
           </a:p>
@@ -5872,155 +5885,10 @@
       </p:grpSpPr>
       <p:sp>
         <p:nvSpPr>
-          <p:cNvPr id="2" name="Otsikko 1">
-            <a:extLst>
-              <a:ext uri="{FF2B5EF4-FFF2-40B4-BE49-F238E27FC236}">
-                <a16:creationId xmlns:a16="http://schemas.microsoft.com/office/drawing/2014/main" id="{F2ED45B5-9A47-2043-87BF-799C5201E96D}"/>
-              </a:ext>
-            </a:extLst>
-          </p:cNvPr>
-          <p:cNvSpPr>
-            <a:spLocks noGrp="1"/>
-          </p:cNvSpPr>
-          <p:nvPr>
-            <p:ph type="ctrTitle"/>
-          </p:nvPr>
-        </p:nvSpPr>
-        <p:spPr>
-          <a:xfrm>
-            <a:off x="1289219" y="1927653"/>
-            <a:ext cx="9144000" cy="1137462"/>
-          </a:xfrm>
-        </p:spPr>
-        <p:txBody>
-          <a:bodyPr>
-            <a:normAutofit fontScale="90000"/>
-          </a:bodyPr>
-          <a:lstStyle/>
-          <a:p>
-            <a:r>
-              <a:rPr lang="fi-FI" b="1" dirty="0">
-                <a:solidFill>
-                  <a:schemeClr val="bg1"/>
-                </a:solidFill>
-              </a:rPr>
-              <a:t>dxdoctor.net     #dxdoctor</a:t>
-            </a:r>
-            <a:br>
-              <a:rPr lang="fi-FI" b="1" dirty="0">
-                <a:solidFill>
-                  <a:schemeClr val="bg1"/>
-                </a:solidFill>
-              </a:rPr>
-            </a:br>
-            <a:br>
-              <a:rPr lang="fi-FI" b="1" dirty="0">
-                <a:solidFill>
-                  <a:schemeClr val="bg1"/>
-                </a:solidFill>
-              </a:rPr>
-            </a:br>
-            <a:r>
-              <a:rPr lang="fi-FI" b="1" dirty="0">
-                <a:solidFill>
-                  <a:schemeClr val="bg1"/>
-                </a:solidFill>
-              </a:rPr>
-              <a:t>100daysdx.com     #100DaysDX</a:t>
-            </a:r>
-            <a:endParaRPr lang="fi-FI" dirty="0">
-              <a:solidFill>
-                <a:schemeClr val="bg1"/>
-              </a:solidFill>
-            </a:endParaRPr>
-          </a:p>
-        </p:txBody>
-      </p:sp>
-      <p:sp>
-        <p:nvSpPr>
-          <p:cNvPr id="3" name="Alaotsikko 2">
-            <a:extLst>
-              <a:ext uri="{FF2B5EF4-FFF2-40B4-BE49-F238E27FC236}">
-                <a16:creationId xmlns:a16="http://schemas.microsoft.com/office/drawing/2014/main" id="{F028FE66-FD48-F740-A7D1-93EC3E541A32}"/>
-              </a:ext>
-            </a:extLst>
-          </p:cNvPr>
-          <p:cNvSpPr>
-            <a:spLocks noGrp="1"/>
-          </p:cNvSpPr>
-          <p:nvPr>
-            <p:ph type="subTitle" idx="1"/>
-          </p:nvPr>
-        </p:nvSpPr>
-        <p:spPr>
-          <a:xfrm>
-            <a:off x="0" y="3602036"/>
-            <a:ext cx="12192000" cy="3255963"/>
-          </a:xfrm>
-          <a:solidFill>
-            <a:srgbClr val="FF4201"/>
-          </a:solidFill>
-        </p:spPr>
-        <p:txBody>
-          <a:bodyPr>
-            <a:normAutofit/>
-          </a:bodyPr>
-          <a:lstStyle/>
-          <a:p>
-            <a:endParaRPr lang="fi-FI" dirty="0">
-              <a:solidFill>
-                <a:schemeClr val="bg1"/>
-              </a:solidFill>
-            </a:endParaRPr>
-          </a:p>
-          <a:p>
-            <a:r>
-              <a:rPr lang="fi-FI" dirty="0">
-                <a:solidFill>
-                  <a:schemeClr val="bg1"/>
-                </a:solidFill>
-              </a:rPr>
-              <a:t>Jarkko Moilanen (PhD)</a:t>
-            </a:r>
-          </a:p>
-          <a:p>
-            <a:r>
-              <a:rPr lang="fi-FI" dirty="0">
-                <a:solidFill>
-                  <a:schemeClr val="bg1"/>
-                </a:solidFill>
-              </a:rPr>
-              <a:t>Chief Development Officer, Platform of Trust</a:t>
-            </a:r>
-          </a:p>
-          <a:p>
-            <a:r>
-              <a:rPr lang="fi-FI" dirty="0">
-                <a:solidFill>
-                  <a:schemeClr val="bg1"/>
-                </a:solidFill>
-              </a:rPr>
-              <a:t>@Jarkko_Moilanen</a:t>
-            </a:r>
-          </a:p>
-          <a:p>
-            <a:r>
-              <a:rPr lang="fi-FI" dirty="0">
-                <a:solidFill>
-                  <a:schemeClr val="bg1"/>
-                </a:solidFill>
-              </a:rPr>
-              <a:t>+358 40 535 9066</a:t>
-            </a:r>
-          </a:p>
-        </p:txBody>
-      </p:sp>
-      <p:sp>
-        <p:nvSpPr>
-          <p:cNvPr id="4" name="Alaotsikko 2">
-            <a:extLst>
-              <a:ext uri="{FF2B5EF4-FFF2-40B4-BE49-F238E27FC236}">
-                <a16:creationId xmlns:a16="http://schemas.microsoft.com/office/drawing/2014/main" id="{FB9B79BF-6A7B-0644-806B-62AAEF06C437}"/>
+          <p:cNvPr id="9" name="Alaotsikko 2">
+            <a:extLst>
+              <a:ext uri="{FF2B5EF4-FFF2-40B4-BE49-F238E27FC236}">
+                <a16:creationId xmlns:a16="http://schemas.microsoft.com/office/drawing/2014/main" id="{7EA3A3C1-302B-004B-B700-75002117ED8C}"/>
               </a:ext>
             </a:extLst>
           </p:cNvPr>
@@ -6031,8 +5899,8 @@
         </p:nvSpPr>
         <p:spPr>
           <a:xfrm>
-            <a:off x="0" y="0"/>
-            <a:ext cx="12192000" cy="511063"/>
+            <a:off x="0" y="3776473"/>
+            <a:ext cx="12192000" cy="3081528"/>
           </a:xfrm>
           <a:prstGeom prst="rect">
             <a:avLst/>
@@ -6211,11 +6079,295 @@
           </a:lstStyle>
           <a:p>
             <a:pPr algn="l"/>
-            <a:endParaRPr lang="fi-FI" dirty="0">
+            <a:r>
+              <a:rPr lang="fi-FI" dirty="0">
+                <a:solidFill>
+                  <a:schemeClr val="bg1"/>
+                </a:solidFill>
+              </a:rPr>
+              <a:t> </a:t>
+            </a:r>
+          </a:p>
+        </p:txBody>
+      </p:sp>
+      <p:sp>
+        <p:nvSpPr>
+          <p:cNvPr id="2" name="Otsikko 1">
+            <a:extLst>
+              <a:ext uri="{FF2B5EF4-FFF2-40B4-BE49-F238E27FC236}">
+                <a16:creationId xmlns:a16="http://schemas.microsoft.com/office/drawing/2014/main" id="{F2ED45B5-9A47-2043-87BF-799C5201E96D}"/>
+              </a:ext>
+            </a:extLst>
+          </p:cNvPr>
+          <p:cNvSpPr>
+            <a:spLocks noGrp="1"/>
+          </p:cNvSpPr>
+          <p:nvPr>
+            <p:ph type="ctrTitle"/>
+          </p:nvPr>
+        </p:nvSpPr>
+        <p:spPr>
+          <a:xfrm>
+            <a:off x="5023569" y="1045703"/>
+            <a:ext cx="6611027" cy="1763091"/>
+          </a:xfrm>
+        </p:spPr>
+        <p:txBody>
+          <a:bodyPr>
+            <a:normAutofit/>
+          </a:bodyPr>
+          <a:lstStyle/>
+          <a:p>
+            <a:r>
+              <a:rPr lang="fi-FI" sz="4000" b="1" dirty="0">
+                <a:solidFill>
+                  <a:schemeClr val="bg1"/>
+                </a:solidFill>
+              </a:rPr>
+              <a:t>dxdoctor.net     #</a:t>
+            </a:r>
+            <a:r>
+              <a:rPr lang="fi-FI" sz="4000" b="1" dirty="0" err="1">
+                <a:solidFill>
+                  <a:schemeClr val="bg1"/>
+                </a:solidFill>
+              </a:rPr>
+              <a:t>dxdoctor</a:t>
+            </a:r>
+            <a:br>
+              <a:rPr lang="fi-FI" sz="4000" b="1" dirty="0">
+                <a:solidFill>
+                  <a:schemeClr val="bg1"/>
+                </a:solidFill>
+              </a:rPr>
+            </a:br>
+            <a:br>
+              <a:rPr lang="fi-FI" sz="4000" b="1" dirty="0">
+                <a:solidFill>
+                  <a:schemeClr val="bg1"/>
+                </a:solidFill>
+              </a:rPr>
+            </a:br>
+            <a:r>
+              <a:rPr lang="fi-FI" sz="4000" b="1" dirty="0">
+                <a:solidFill>
+                  <a:schemeClr val="bg1"/>
+                </a:solidFill>
+              </a:rPr>
+              <a:t>100daysdx.com     #100DaysDX</a:t>
+            </a:r>
+            <a:endParaRPr lang="fi-FI" sz="4000" dirty="0">
               <a:solidFill>
                 <a:schemeClr val="bg1"/>
               </a:solidFill>
             </a:endParaRPr>
+          </a:p>
+        </p:txBody>
+      </p:sp>
+      <p:sp>
+        <p:nvSpPr>
+          <p:cNvPr id="4" name="Alaotsikko 2">
+            <a:extLst>
+              <a:ext uri="{FF2B5EF4-FFF2-40B4-BE49-F238E27FC236}">
+                <a16:creationId xmlns:a16="http://schemas.microsoft.com/office/drawing/2014/main" id="{FB9B79BF-6A7B-0644-806B-62AAEF06C437}"/>
+              </a:ext>
+            </a:extLst>
+          </p:cNvPr>
+          <p:cNvSpPr txBox="1">
+            <a:spLocks/>
+          </p:cNvSpPr>
+          <p:nvPr/>
+        </p:nvSpPr>
+        <p:spPr>
+          <a:xfrm>
+            <a:off x="0" y="0"/>
+            <a:ext cx="12192000" cy="511063"/>
+          </a:xfrm>
+          <a:prstGeom prst="rect">
+            <a:avLst/>
+          </a:prstGeom>
+          <a:solidFill>
+            <a:srgbClr val="FF4201"/>
+          </a:solidFill>
+        </p:spPr>
+        <p:txBody>
+          <a:bodyPr vert="horz" lIns="91440" tIns="45720" rIns="91440" bIns="45720" rtlCol="0">
+            <a:normAutofit/>
+          </a:bodyPr>
+          <a:lstStyle>
+            <a:lvl1pPr marL="0" indent="0" algn="ctr" defTabSz="914400" rtl="0" eaLnBrk="1" latinLnBrk="0" hangingPunct="1">
+              <a:lnSpc>
+                <a:spcPct val="90000"/>
+              </a:lnSpc>
+              <a:spcBef>
+                <a:spcPts val="1000"/>
+              </a:spcBef>
+              <a:buFont typeface="Arial" panose="020B0604020202020204" pitchFamily="34" charset="0"/>
+              <a:buNone/>
+              <a:defRPr sz="2400" kern="1200">
+                <a:solidFill>
+                  <a:schemeClr val="tx1"/>
+                </a:solidFill>
+                <a:latin typeface="+mn-lt"/>
+                <a:ea typeface="+mn-ea"/>
+                <a:cs typeface="+mn-cs"/>
+              </a:defRPr>
+            </a:lvl1pPr>
+            <a:lvl2pPr marL="457200" indent="0" algn="ctr" defTabSz="914400" rtl="0" eaLnBrk="1" latinLnBrk="0" hangingPunct="1">
+              <a:lnSpc>
+                <a:spcPct val="90000"/>
+              </a:lnSpc>
+              <a:spcBef>
+                <a:spcPts val="500"/>
+              </a:spcBef>
+              <a:buFont typeface="Arial" panose="020B0604020202020204" pitchFamily="34" charset="0"/>
+              <a:buNone/>
+              <a:defRPr sz="2000" kern="1200">
+                <a:solidFill>
+                  <a:schemeClr val="tx1"/>
+                </a:solidFill>
+                <a:latin typeface="+mn-lt"/>
+                <a:ea typeface="+mn-ea"/>
+                <a:cs typeface="+mn-cs"/>
+              </a:defRPr>
+            </a:lvl2pPr>
+            <a:lvl3pPr marL="914400" indent="0" algn="ctr" defTabSz="914400" rtl="0" eaLnBrk="1" latinLnBrk="0" hangingPunct="1">
+              <a:lnSpc>
+                <a:spcPct val="90000"/>
+              </a:lnSpc>
+              <a:spcBef>
+                <a:spcPts val="500"/>
+              </a:spcBef>
+              <a:buFont typeface="Arial" panose="020B0604020202020204" pitchFamily="34" charset="0"/>
+              <a:buNone/>
+              <a:defRPr sz="1800" kern="1200">
+                <a:solidFill>
+                  <a:schemeClr val="tx1"/>
+                </a:solidFill>
+                <a:latin typeface="+mn-lt"/>
+                <a:ea typeface="+mn-ea"/>
+                <a:cs typeface="+mn-cs"/>
+              </a:defRPr>
+            </a:lvl3pPr>
+            <a:lvl4pPr marL="1371600" indent="0" algn="ctr" defTabSz="914400" rtl="0" eaLnBrk="1" latinLnBrk="0" hangingPunct="1">
+              <a:lnSpc>
+                <a:spcPct val="90000"/>
+              </a:lnSpc>
+              <a:spcBef>
+                <a:spcPts val="500"/>
+              </a:spcBef>
+              <a:buFont typeface="Arial" panose="020B0604020202020204" pitchFamily="34" charset="0"/>
+              <a:buNone/>
+              <a:defRPr sz="1600" kern="1200">
+                <a:solidFill>
+                  <a:schemeClr val="tx1"/>
+                </a:solidFill>
+                <a:latin typeface="+mn-lt"/>
+                <a:ea typeface="+mn-ea"/>
+                <a:cs typeface="+mn-cs"/>
+              </a:defRPr>
+            </a:lvl4pPr>
+            <a:lvl5pPr marL="1828800" indent="0" algn="ctr" defTabSz="914400" rtl="0" eaLnBrk="1" latinLnBrk="0" hangingPunct="1">
+              <a:lnSpc>
+                <a:spcPct val="90000"/>
+              </a:lnSpc>
+              <a:spcBef>
+                <a:spcPts val="500"/>
+              </a:spcBef>
+              <a:buFont typeface="Arial" panose="020B0604020202020204" pitchFamily="34" charset="0"/>
+              <a:buNone/>
+              <a:defRPr sz="1600" kern="1200">
+                <a:solidFill>
+                  <a:schemeClr val="tx1"/>
+                </a:solidFill>
+                <a:latin typeface="+mn-lt"/>
+                <a:ea typeface="+mn-ea"/>
+                <a:cs typeface="+mn-cs"/>
+              </a:defRPr>
+            </a:lvl5pPr>
+            <a:lvl6pPr marL="2286000" indent="0" algn="ctr" defTabSz="914400" rtl="0" eaLnBrk="1" latinLnBrk="0" hangingPunct="1">
+              <a:lnSpc>
+                <a:spcPct val="90000"/>
+              </a:lnSpc>
+              <a:spcBef>
+                <a:spcPts val="500"/>
+              </a:spcBef>
+              <a:buFont typeface="Arial" panose="020B0604020202020204" pitchFamily="34" charset="0"/>
+              <a:buNone/>
+              <a:defRPr sz="1600" kern="1200">
+                <a:solidFill>
+                  <a:schemeClr val="tx1"/>
+                </a:solidFill>
+                <a:latin typeface="+mn-lt"/>
+                <a:ea typeface="+mn-ea"/>
+                <a:cs typeface="+mn-cs"/>
+              </a:defRPr>
+            </a:lvl6pPr>
+            <a:lvl7pPr marL="2743200" indent="0" algn="ctr" defTabSz="914400" rtl="0" eaLnBrk="1" latinLnBrk="0" hangingPunct="1">
+              <a:lnSpc>
+                <a:spcPct val="90000"/>
+              </a:lnSpc>
+              <a:spcBef>
+                <a:spcPts val="500"/>
+              </a:spcBef>
+              <a:buFont typeface="Arial" panose="020B0604020202020204" pitchFamily="34" charset="0"/>
+              <a:buNone/>
+              <a:defRPr sz="1600" kern="1200">
+                <a:solidFill>
+                  <a:schemeClr val="tx1"/>
+                </a:solidFill>
+                <a:latin typeface="+mn-lt"/>
+                <a:ea typeface="+mn-ea"/>
+                <a:cs typeface="+mn-cs"/>
+              </a:defRPr>
+            </a:lvl7pPr>
+            <a:lvl8pPr marL="3200400" indent="0" algn="ctr" defTabSz="914400" rtl="0" eaLnBrk="1" latinLnBrk="0" hangingPunct="1">
+              <a:lnSpc>
+                <a:spcPct val="90000"/>
+              </a:lnSpc>
+              <a:spcBef>
+                <a:spcPts val="500"/>
+              </a:spcBef>
+              <a:buFont typeface="Arial" panose="020B0604020202020204" pitchFamily="34" charset="0"/>
+              <a:buNone/>
+              <a:defRPr sz="1600" kern="1200">
+                <a:solidFill>
+                  <a:schemeClr val="tx1"/>
+                </a:solidFill>
+                <a:latin typeface="+mn-lt"/>
+                <a:ea typeface="+mn-ea"/>
+                <a:cs typeface="+mn-cs"/>
+              </a:defRPr>
+            </a:lvl8pPr>
+            <a:lvl9pPr marL="3657600" indent="0" algn="ctr" defTabSz="914400" rtl="0" eaLnBrk="1" latinLnBrk="0" hangingPunct="1">
+              <a:lnSpc>
+                <a:spcPct val="90000"/>
+              </a:lnSpc>
+              <a:spcBef>
+                <a:spcPts val="500"/>
+              </a:spcBef>
+              <a:buFont typeface="Arial" panose="020B0604020202020204" pitchFamily="34" charset="0"/>
+              <a:buNone/>
+              <a:defRPr sz="1600" kern="1200">
+                <a:solidFill>
+                  <a:schemeClr val="tx1"/>
+                </a:solidFill>
+                <a:latin typeface="+mn-lt"/>
+                <a:ea typeface="+mn-ea"/>
+                <a:cs typeface="+mn-cs"/>
+              </a:defRPr>
+            </a:lvl9pPr>
+          </a:lstStyle>
+          <a:p>
+            <a:pPr algn="l"/>
+            <a:r>
+              <a:rPr lang="fi-FI" dirty="0">
+                <a:solidFill>
+                  <a:schemeClr val="bg1"/>
+                </a:solidFill>
+              </a:rPr>
+              <a:t> </a:t>
+            </a:r>
           </a:p>
         </p:txBody>
       </p:sp>
@@ -6249,6 +6401,202 @@
           </a:prstGeom>
         </p:spPr>
       </p:pic>
+      <p:pic>
+        <p:nvPicPr>
+          <p:cNvPr id="7" name="Kuva 6" descr="Kuva, joka sisältää kohteen näyttökuva, valkokangas, näyttö, pitäminen&#10;&#10;Kuvaus luotu automaattisesti">
+            <a:extLst>
+              <a:ext uri="{FF2B5EF4-FFF2-40B4-BE49-F238E27FC236}">
+                <a16:creationId xmlns:a16="http://schemas.microsoft.com/office/drawing/2014/main" id="{60655ADF-2987-C44A-91F7-9A6F524497C0}"/>
+              </a:ext>
+            </a:extLst>
+          </p:cNvPr>
+          <p:cNvPicPr>
+            <a:picLocks noChangeAspect="1"/>
+          </p:cNvPicPr>
+          <p:nvPr/>
+        </p:nvPicPr>
+        <p:blipFill>
+          <a:blip r:embed="rId3"/>
+          <a:stretch>
+            <a:fillRect/>
+          </a:stretch>
+        </p:blipFill>
+        <p:spPr>
+          <a:xfrm>
+            <a:off x="426717" y="1045703"/>
+            <a:ext cx="4276002" cy="5190569"/>
+          </a:xfrm>
+          <a:prstGeom prst="rect">
+            <a:avLst/>
+          </a:prstGeom>
+        </p:spPr>
+      </p:pic>
+      <p:sp>
+        <p:nvSpPr>
+          <p:cNvPr id="8" name="Suorakulmio 7">
+            <a:extLst>
+              <a:ext uri="{FF2B5EF4-FFF2-40B4-BE49-F238E27FC236}">
+                <a16:creationId xmlns:a16="http://schemas.microsoft.com/office/drawing/2014/main" id="{CF9CA269-88D2-184F-B1F9-86E0127A9D5C}"/>
+              </a:ext>
+            </a:extLst>
+          </p:cNvPr>
+          <p:cNvSpPr/>
+          <p:nvPr/>
+        </p:nvSpPr>
+        <p:spPr>
+          <a:xfrm>
+            <a:off x="5060144" y="4311113"/>
+            <a:ext cx="6927640" cy="1815882"/>
+          </a:xfrm>
+          <a:prstGeom prst="rect">
+            <a:avLst/>
+          </a:prstGeom>
+        </p:spPr>
+        <p:txBody>
+          <a:bodyPr wrap="square">
+            <a:spAutoFit/>
+          </a:bodyPr>
+          <a:lstStyle/>
+          <a:p>
+            <a:r>
+              <a:rPr lang="fi-FI" sz="2800" dirty="0">
+                <a:solidFill>
+                  <a:schemeClr val="bg1"/>
+                </a:solidFill>
+              </a:rPr>
+              <a:t>Jarkko Moilanen (</a:t>
+            </a:r>
+            <a:r>
+              <a:rPr lang="fi-FI" sz="2800" dirty="0" err="1">
+                <a:solidFill>
+                  <a:schemeClr val="bg1"/>
+                </a:solidFill>
+              </a:rPr>
+              <a:t>PhD</a:t>
+            </a:r>
+            <a:r>
+              <a:rPr lang="fi-FI" sz="2800" dirty="0">
+                <a:solidFill>
+                  <a:schemeClr val="bg1"/>
+                </a:solidFill>
+              </a:rPr>
+              <a:t>)</a:t>
+            </a:r>
+          </a:p>
+          <a:p>
+            <a:r>
+              <a:rPr lang="fi-FI" sz="2800" dirty="0" err="1">
+                <a:solidFill>
+                  <a:schemeClr val="bg1"/>
+                </a:solidFill>
+              </a:rPr>
+              <a:t>Chief</a:t>
+            </a:r>
+            <a:r>
+              <a:rPr lang="fi-FI" sz="2800" dirty="0">
+                <a:solidFill>
+                  <a:schemeClr val="bg1"/>
+                </a:solidFill>
+              </a:rPr>
+              <a:t> </a:t>
+            </a:r>
+            <a:r>
+              <a:rPr lang="fi-FI" sz="2800" dirty="0" err="1">
+                <a:solidFill>
+                  <a:schemeClr val="bg1"/>
+                </a:solidFill>
+              </a:rPr>
+              <a:t>Development</a:t>
+            </a:r>
+            <a:r>
+              <a:rPr lang="fi-FI" sz="2800" dirty="0">
+                <a:solidFill>
+                  <a:schemeClr val="bg1"/>
+                </a:solidFill>
+              </a:rPr>
+              <a:t> </a:t>
+            </a:r>
+            <a:r>
+              <a:rPr lang="fi-FI" sz="2800" dirty="0" err="1">
+                <a:solidFill>
+                  <a:schemeClr val="bg1"/>
+                </a:solidFill>
+              </a:rPr>
+              <a:t>Officer</a:t>
+            </a:r>
+            <a:r>
+              <a:rPr lang="fi-FI" sz="2800" dirty="0">
+                <a:solidFill>
+                  <a:schemeClr val="bg1"/>
+                </a:solidFill>
+              </a:rPr>
+              <a:t>, </a:t>
+            </a:r>
+            <a:r>
+              <a:rPr lang="fi-FI" sz="2800" dirty="0" err="1">
+                <a:solidFill>
+                  <a:schemeClr val="bg1"/>
+                </a:solidFill>
+              </a:rPr>
+              <a:t>Platform</a:t>
+            </a:r>
+            <a:r>
+              <a:rPr lang="fi-FI" sz="2800" dirty="0">
+                <a:solidFill>
+                  <a:schemeClr val="bg1"/>
+                </a:solidFill>
+              </a:rPr>
+              <a:t> of </a:t>
+            </a:r>
+            <a:r>
+              <a:rPr lang="fi-FI" sz="2800" dirty="0" err="1">
+                <a:solidFill>
+                  <a:schemeClr val="bg1"/>
+                </a:solidFill>
+              </a:rPr>
+              <a:t>Trust</a:t>
+            </a:r>
+            <a:endParaRPr lang="fi-FI" sz="2800" dirty="0">
+              <a:solidFill>
+                <a:schemeClr val="bg1"/>
+              </a:solidFill>
+            </a:endParaRPr>
+          </a:p>
+          <a:p>
+            <a:r>
+              <a:rPr lang="fi-FI" sz="2800" dirty="0">
+                <a:solidFill>
+                  <a:schemeClr val="bg1"/>
+                </a:solidFill>
+              </a:rPr>
+              <a:t>@</a:t>
+            </a:r>
+            <a:r>
+              <a:rPr lang="fi-FI" sz="2800" dirty="0" err="1">
+                <a:solidFill>
+                  <a:schemeClr val="bg1"/>
+                </a:solidFill>
+              </a:rPr>
+              <a:t>Jarkko_Moilanen</a:t>
+            </a:r>
+            <a:endParaRPr lang="fi-FI" sz="2800" dirty="0">
+              <a:solidFill>
+                <a:schemeClr val="bg1"/>
+              </a:solidFill>
+            </a:endParaRPr>
+          </a:p>
+          <a:p>
+            <a:r>
+              <a:rPr lang="fi-FI" sz="2800" dirty="0">
+                <a:solidFill>
+                  <a:schemeClr val="bg1"/>
+                </a:solidFill>
+              </a:rPr>
+              <a:t>+358 40 535 9066</a:t>
+            </a:r>
+          </a:p>
+        </p:txBody>
+      </p:sp>
     </p:spTree>
     <p:extLst>
       <p:ext uri="{BB962C8B-B14F-4D97-AF65-F5344CB8AC3E}">

--- a/presentations/issue-nov-2019.pptx
+++ b/presentations/issue-nov-2019.pptx
@@ -126,14 +126,6 @@
     </p:ext>
   </p:extLst>
 </p:presentation>
-</file>
-
-<file path=ppt/revisionInfo.xml><?xml version="1.0" encoding="utf-8"?>
-<p1510:revInfo xmlns:a="http://schemas.openxmlformats.org/drawingml/2006/main" xmlns:r="http://schemas.openxmlformats.org/officeDocument/2006/relationships" xmlns:p1510="http://schemas.microsoft.com/office/powerpoint/2015/10/main">
-  <p1510:revLst>
-    <p1510:client id="{8295070F-6E96-C84A-8E00-5F9D9962C70C}" v="5" dt="2019-11-13T18:39:50.885"/>
-  </p1510:revLst>
-</p1510:revInfo>
 </file>
 
 <file path=ppt/slideLayouts/slideLayout1.xml><?xml version="1.0" encoding="utf-8"?>
@@ -3376,8 +3368,8 @@
         </p:nvSpPr>
         <p:spPr>
           <a:xfrm>
-            <a:off x="1524000" y="776370"/>
-            <a:ext cx="9144000" cy="2387600"/>
+            <a:off x="5068807" y="392548"/>
+            <a:ext cx="6908800" cy="2387600"/>
           </a:xfrm>
         </p:spPr>
         <p:txBody>
@@ -3404,106 +3396,10 @@
       </p:sp>
       <p:sp>
         <p:nvSpPr>
-          <p:cNvPr id="3" name="Alaotsikko 2">
-            <a:extLst>
-              <a:ext uri="{FF2B5EF4-FFF2-40B4-BE49-F238E27FC236}">
-                <a16:creationId xmlns:a16="http://schemas.microsoft.com/office/drawing/2014/main" id="{F028FE66-FD48-F740-A7D1-93EC3E541A32}"/>
-              </a:ext>
-            </a:extLst>
-          </p:cNvPr>
-          <p:cNvSpPr>
-            <a:spLocks noGrp="1"/>
-          </p:cNvSpPr>
-          <p:nvPr>
-            <p:ph type="subTitle" idx="1"/>
-          </p:nvPr>
-        </p:nvSpPr>
-        <p:spPr>
-          <a:xfrm>
-            <a:off x="0" y="3602036"/>
-            <a:ext cx="12192000" cy="3255963"/>
-          </a:xfrm>
-          <a:solidFill>
-            <a:srgbClr val="FF4201"/>
-          </a:solidFill>
-        </p:spPr>
-        <p:txBody>
-          <a:bodyPr>
-            <a:normAutofit/>
-          </a:bodyPr>
-          <a:lstStyle/>
-          <a:p>
-            <a:endParaRPr lang="fi-FI" dirty="0">
-              <a:solidFill>
-                <a:schemeClr val="bg1"/>
-              </a:solidFill>
-            </a:endParaRPr>
-          </a:p>
-          <a:p>
-            <a:r>
-              <a:rPr lang="fi-FI" dirty="0">
-                <a:solidFill>
-                  <a:schemeClr val="bg1"/>
-                </a:solidFill>
-              </a:rPr>
-              <a:t>Why DX matters in product development and sales</a:t>
-            </a:r>
-          </a:p>
-          <a:p>
-            <a:endParaRPr lang="fi-FI" dirty="0">
-              <a:solidFill>
-                <a:schemeClr val="bg1"/>
-              </a:solidFill>
-            </a:endParaRPr>
-          </a:p>
-          <a:p>
-            <a:r>
-              <a:rPr lang="fi-FI" dirty="0">
-                <a:solidFill>
-                  <a:schemeClr val="bg1"/>
-                </a:solidFill>
-              </a:rPr>
-              <a:t>Jarkko Moilanen (PhD, pursuing 2nd PhD) </a:t>
-            </a:r>
-          </a:p>
-          <a:p>
-            <a:r>
-              <a:rPr lang="fi-FI" dirty="0">
-                <a:solidFill>
-                  <a:schemeClr val="bg1"/>
-                </a:solidFill>
-              </a:rPr>
-              <a:t>Chief Development Officer, Platform of Trust</a:t>
-            </a:r>
-          </a:p>
-          <a:p>
-            <a:r>
-              <a:rPr lang="fi-FI" dirty="0">
-                <a:solidFill>
-                  <a:schemeClr val="bg1"/>
-                </a:solidFill>
-              </a:rPr>
-              <a:t>@Jarkko_Moilanen</a:t>
-            </a:r>
-          </a:p>
-          <a:p>
-            <a:r>
-              <a:rPr lang="fi-FI" dirty="0">
-                <a:solidFill>
-                  <a:schemeClr val="bg1"/>
-                </a:solidFill>
-              </a:rPr>
-              <a:t>+358 40 535 9066</a:t>
-            </a:r>
-          </a:p>
-        </p:txBody>
-      </p:sp>
-      <p:sp>
-        <p:nvSpPr>
-          <p:cNvPr id="4" name="Alaotsikko 2">
-            <a:extLst>
-              <a:ext uri="{FF2B5EF4-FFF2-40B4-BE49-F238E27FC236}">
-                <a16:creationId xmlns:a16="http://schemas.microsoft.com/office/drawing/2014/main" id="{FB9B79BF-6A7B-0644-806B-62AAEF06C437}"/>
+          <p:cNvPr id="9" name="Alaotsikko 2">
+            <a:extLst>
+              <a:ext uri="{FF2B5EF4-FFF2-40B4-BE49-F238E27FC236}">
+                <a16:creationId xmlns:a16="http://schemas.microsoft.com/office/drawing/2014/main" id="{1C839C78-3B92-F948-8FFA-DCBFDD20D832}"/>
               </a:ext>
             </a:extLst>
           </p:cNvPr>
@@ -3514,8 +3410,8 @@
         </p:nvSpPr>
         <p:spPr>
           <a:xfrm>
-            <a:off x="0" y="0"/>
-            <a:ext cx="12192000" cy="511063"/>
+            <a:off x="0" y="3776473"/>
+            <a:ext cx="12192000" cy="3081528"/>
           </a:xfrm>
           <a:prstGeom prst="rect">
             <a:avLst/>
@@ -3694,20 +3590,189 @@
           </a:lstStyle>
           <a:p>
             <a:pPr algn="l"/>
-            <a:endParaRPr lang="fi-FI" dirty="0">
+            <a:r>
+              <a:rPr lang="fi-FI" dirty="0">
+                <a:solidFill>
+                  <a:schemeClr val="bg1"/>
+                </a:solidFill>
+              </a:rPr>
+              <a:t> </a:t>
+            </a:r>
+          </a:p>
+        </p:txBody>
+      </p:sp>
+      <p:sp>
+        <p:nvSpPr>
+          <p:cNvPr id="10" name="Suorakulmio 9">
+            <a:extLst>
+              <a:ext uri="{FF2B5EF4-FFF2-40B4-BE49-F238E27FC236}">
+                <a16:creationId xmlns:a16="http://schemas.microsoft.com/office/drawing/2014/main" id="{00008134-F738-C041-8A70-12830A85D9F7}"/>
+              </a:ext>
+            </a:extLst>
+          </p:cNvPr>
+          <p:cNvSpPr/>
+          <p:nvPr/>
+        </p:nvSpPr>
+        <p:spPr>
+          <a:xfrm>
+            <a:off x="5049967" y="4018498"/>
+            <a:ext cx="6927640" cy="1815882"/>
+          </a:xfrm>
+          <a:prstGeom prst="rect">
+            <a:avLst/>
+          </a:prstGeom>
+        </p:spPr>
+        <p:txBody>
+          <a:bodyPr wrap="square">
+            <a:spAutoFit/>
+          </a:bodyPr>
+          <a:lstStyle/>
+          <a:p>
+            <a:r>
+              <a:rPr lang="fi-FI" sz="2800" dirty="0">
+                <a:solidFill>
+                  <a:schemeClr val="bg1"/>
+                </a:solidFill>
+              </a:rPr>
+              <a:t>Jarkko Moilanen (</a:t>
+            </a:r>
+            <a:r>
+              <a:rPr lang="fi-FI" sz="2800" dirty="0" err="1">
+                <a:solidFill>
+                  <a:schemeClr val="bg1"/>
+                </a:solidFill>
+              </a:rPr>
+              <a:t>PhD</a:t>
+            </a:r>
+            <a:r>
+              <a:rPr lang="fi-FI" sz="2800" dirty="0">
+                <a:solidFill>
+                  <a:schemeClr val="bg1"/>
+                </a:solidFill>
+              </a:rPr>
+              <a:t>)</a:t>
+            </a:r>
+          </a:p>
+          <a:p>
+            <a:r>
+              <a:rPr lang="fi-FI" sz="2800" dirty="0" err="1">
+                <a:solidFill>
+                  <a:schemeClr val="bg1"/>
+                </a:solidFill>
+              </a:rPr>
+              <a:t>Chief</a:t>
+            </a:r>
+            <a:r>
+              <a:rPr lang="fi-FI" sz="2800" dirty="0">
+                <a:solidFill>
+                  <a:schemeClr val="bg1"/>
+                </a:solidFill>
+              </a:rPr>
+              <a:t> </a:t>
+            </a:r>
+            <a:r>
+              <a:rPr lang="fi-FI" sz="2800" dirty="0" err="1">
+                <a:solidFill>
+                  <a:schemeClr val="bg1"/>
+                </a:solidFill>
+              </a:rPr>
+              <a:t>Development</a:t>
+            </a:r>
+            <a:r>
+              <a:rPr lang="fi-FI" sz="2800" dirty="0">
+                <a:solidFill>
+                  <a:schemeClr val="bg1"/>
+                </a:solidFill>
+              </a:rPr>
+              <a:t> </a:t>
+            </a:r>
+            <a:r>
+              <a:rPr lang="fi-FI" sz="2800" dirty="0" err="1">
+                <a:solidFill>
+                  <a:schemeClr val="bg1"/>
+                </a:solidFill>
+              </a:rPr>
+              <a:t>Officer</a:t>
+            </a:r>
+            <a:r>
+              <a:rPr lang="fi-FI" sz="2800" dirty="0">
+                <a:solidFill>
+                  <a:schemeClr val="bg1"/>
+                </a:solidFill>
+              </a:rPr>
+              <a:t>, </a:t>
+            </a:r>
+            <a:r>
+              <a:rPr lang="fi-FI" sz="2800" dirty="0" err="1">
+                <a:solidFill>
+                  <a:schemeClr val="bg1"/>
+                </a:solidFill>
+              </a:rPr>
+              <a:t>Platform</a:t>
+            </a:r>
+            <a:r>
+              <a:rPr lang="fi-FI" sz="2800" dirty="0">
+                <a:solidFill>
+                  <a:schemeClr val="bg1"/>
+                </a:solidFill>
+              </a:rPr>
+              <a:t> of </a:t>
+            </a:r>
+            <a:r>
+              <a:rPr lang="fi-FI" sz="2800" dirty="0" err="1">
+                <a:solidFill>
+                  <a:schemeClr val="bg1"/>
+                </a:solidFill>
+              </a:rPr>
+              <a:t>Trust</a:t>
+            </a:r>
+            <a:endParaRPr lang="fi-FI" sz="2800" dirty="0">
               <a:solidFill>
                 <a:schemeClr val="bg1"/>
               </a:solidFill>
             </a:endParaRPr>
           </a:p>
+          <a:p>
+            <a:r>
+              <a:rPr lang="fi-FI" sz="2800" dirty="0">
+                <a:solidFill>
+                  <a:schemeClr val="bg1"/>
+                </a:solidFill>
+              </a:rPr>
+              <a:t>@</a:t>
+            </a:r>
+            <a:r>
+              <a:rPr lang="fi-FI" sz="2800" dirty="0" err="1">
+                <a:solidFill>
+                  <a:schemeClr val="bg1"/>
+                </a:solidFill>
+              </a:rPr>
+              <a:t>Jarkko_Moilanen</a:t>
+            </a:r>
+            <a:endParaRPr lang="fi-FI" sz="2800" dirty="0">
+              <a:solidFill>
+                <a:schemeClr val="bg1"/>
+              </a:solidFill>
+            </a:endParaRPr>
+          </a:p>
+          <a:p>
+            <a:r>
+              <a:rPr lang="fi-FI" sz="2800" dirty="0">
+                <a:solidFill>
+                  <a:schemeClr val="bg1"/>
+                </a:solidFill>
+              </a:rPr>
+              <a:t>+358 40 535 9066</a:t>
+            </a:r>
+          </a:p>
         </p:txBody>
       </p:sp>
       <p:pic>
         <p:nvPicPr>
-          <p:cNvPr id="6" name="Kuva 5">
-            <a:extLst>
-              <a:ext uri="{FF2B5EF4-FFF2-40B4-BE49-F238E27FC236}">
-                <a16:creationId xmlns:a16="http://schemas.microsoft.com/office/drawing/2014/main" id="{90596068-3978-074A-92FC-F63519B8EE8A}"/>
+          <p:cNvPr id="7" name="Kuva 6" descr="Kuva, joka sisältää kohteen henkilö, valokuva, mies, oranssi&#10;&#10;Kuvaus luotu automaattisesti">
+            <a:extLst>
+              <a:ext uri="{FF2B5EF4-FFF2-40B4-BE49-F238E27FC236}">
+                <a16:creationId xmlns:a16="http://schemas.microsoft.com/office/drawing/2014/main" id="{C97EDA79-A73A-3746-8454-D16F4B9FBC2A}"/>
               </a:ext>
             </a:extLst>
           </p:cNvPr>
@@ -3724,8 +3789,8 @@
         </p:blipFill>
         <p:spPr>
           <a:xfrm>
-            <a:off x="0" y="0"/>
-            <a:ext cx="4429211" cy="511063"/>
+            <a:off x="214393" y="210820"/>
+            <a:ext cx="4632701" cy="5623560"/>
           </a:xfrm>
           <a:prstGeom prst="rect">
             <a:avLst/>
@@ -6108,7 +6173,7 @@
         </p:nvSpPr>
         <p:spPr>
           <a:xfrm>
-            <a:off x="5023569" y="1045703"/>
+            <a:off x="5060144" y="1145495"/>
             <a:ext cx="6611027" cy="1763091"/>
           </a:xfrm>
         </p:spPr>
@@ -6166,217 +6231,176 @@
       </p:sp>
       <p:sp>
         <p:nvSpPr>
-          <p:cNvPr id="4" name="Alaotsikko 2">
-            <a:extLst>
-              <a:ext uri="{FF2B5EF4-FFF2-40B4-BE49-F238E27FC236}">
-                <a16:creationId xmlns:a16="http://schemas.microsoft.com/office/drawing/2014/main" id="{FB9B79BF-6A7B-0644-806B-62AAEF06C437}"/>
-              </a:ext>
-            </a:extLst>
-          </p:cNvPr>
-          <p:cNvSpPr txBox="1">
-            <a:spLocks/>
-          </p:cNvSpPr>
+          <p:cNvPr id="8" name="Suorakulmio 7">
+            <a:extLst>
+              <a:ext uri="{FF2B5EF4-FFF2-40B4-BE49-F238E27FC236}">
+                <a16:creationId xmlns:a16="http://schemas.microsoft.com/office/drawing/2014/main" id="{CF9CA269-88D2-184F-B1F9-86E0127A9D5C}"/>
+              </a:ext>
+            </a:extLst>
+          </p:cNvPr>
+          <p:cNvSpPr/>
           <p:nvPr/>
         </p:nvSpPr>
         <p:spPr>
           <a:xfrm>
-            <a:off x="0" y="0"/>
-            <a:ext cx="12192000" cy="511063"/>
+            <a:off x="5050638" y="3999702"/>
+            <a:ext cx="6927640" cy="1815882"/>
           </a:xfrm>
           <a:prstGeom prst="rect">
             <a:avLst/>
           </a:prstGeom>
-          <a:solidFill>
-            <a:srgbClr val="FF4201"/>
-          </a:solidFill>
-        </p:spPr>
-        <p:txBody>
-          <a:bodyPr vert="horz" lIns="91440" tIns="45720" rIns="91440" bIns="45720" rtlCol="0">
-            <a:normAutofit/>
+        </p:spPr>
+        <p:txBody>
+          <a:bodyPr wrap="square">
+            <a:spAutoFit/>
           </a:bodyPr>
-          <a:lstStyle>
-            <a:lvl1pPr marL="0" indent="0" algn="ctr" defTabSz="914400" rtl="0" eaLnBrk="1" latinLnBrk="0" hangingPunct="1">
-              <a:lnSpc>
-                <a:spcPct val="90000"/>
-              </a:lnSpc>
-              <a:spcBef>
-                <a:spcPts val="1000"/>
-              </a:spcBef>
-              <a:buFont typeface="Arial" panose="020B0604020202020204" pitchFamily="34" charset="0"/>
-              <a:buNone/>
-              <a:defRPr sz="2400" kern="1200">
-                <a:solidFill>
-                  <a:schemeClr val="tx1"/>
-                </a:solidFill>
-                <a:latin typeface="+mn-lt"/>
-                <a:ea typeface="+mn-ea"/>
-                <a:cs typeface="+mn-cs"/>
-              </a:defRPr>
-            </a:lvl1pPr>
-            <a:lvl2pPr marL="457200" indent="0" algn="ctr" defTabSz="914400" rtl="0" eaLnBrk="1" latinLnBrk="0" hangingPunct="1">
-              <a:lnSpc>
-                <a:spcPct val="90000"/>
-              </a:lnSpc>
-              <a:spcBef>
-                <a:spcPts val="500"/>
-              </a:spcBef>
-              <a:buFont typeface="Arial" panose="020B0604020202020204" pitchFamily="34" charset="0"/>
-              <a:buNone/>
-              <a:defRPr sz="2000" kern="1200">
-                <a:solidFill>
-                  <a:schemeClr val="tx1"/>
-                </a:solidFill>
-                <a:latin typeface="+mn-lt"/>
-                <a:ea typeface="+mn-ea"/>
-                <a:cs typeface="+mn-cs"/>
-              </a:defRPr>
-            </a:lvl2pPr>
-            <a:lvl3pPr marL="914400" indent="0" algn="ctr" defTabSz="914400" rtl="0" eaLnBrk="1" latinLnBrk="0" hangingPunct="1">
-              <a:lnSpc>
-                <a:spcPct val="90000"/>
-              </a:lnSpc>
-              <a:spcBef>
-                <a:spcPts val="500"/>
-              </a:spcBef>
-              <a:buFont typeface="Arial" panose="020B0604020202020204" pitchFamily="34" charset="0"/>
-              <a:buNone/>
-              <a:defRPr sz="1800" kern="1200">
-                <a:solidFill>
-                  <a:schemeClr val="tx1"/>
-                </a:solidFill>
-                <a:latin typeface="+mn-lt"/>
-                <a:ea typeface="+mn-ea"/>
-                <a:cs typeface="+mn-cs"/>
-              </a:defRPr>
-            </a:lvl3pPr>
-            <a:lvl4pPr marL="1371600" indent="0" algn="ctr" defTabSz="914400" rtl="0" eaLnBrk="1" latinLnBrk="0" hangingPunct="1">
-              <a:lnSpc>
-                <a:spcPct val="90000"/>
-              </a:lnSpc>
-              <a:spcBef>
-                <a:spcPts val="500"/>
-              </a:spcBef>
-              <a:buFont typeface="Arial" panose="020B0604020202020204" pitchFamily="34" charset="0"/>
-              <a:buNone/>
-              <a:defRPr sz="1600" kern="1200">
-                <a:solidFill>
-                  <a:schemeClr val="tx1"/>
-                </a:solidFill>
-                <a:latin typeface="+mn-lt"/>
-                <a:ea typeface="+mn-ea"/>
-                <a:cs typeface="+mn-cs"/>
-              </a:defRPr>
-            </a:lvl4pPr>
-            <a:lvl5pPr marL="1828800" indent="0" algn="ctr" defTabSz="914400" rtl="0" eaLnBrk="1" latinLnBrk="0" hangingPunct="1">
-              <a:lnSpc>
-                <a:spcPct val="90000"/>
-              </a:lnSpc>
-              <a:spcBef>
-                <a:spcPts val="500"/>
-              </a:spcBef>
-              <a:buFont typeface="Arial" panose="020B0604020202020204" pitchFamily="34" charset="0"/>
-              <a:buNone/>
-              <a:defRPr sz="1600" kern="1200">
-                <a:solidFill>
-                  <a:schemeClr val="tx1"/>
-                </a:solidFill>
-                <a:latin typeface="+mn-lt"/>
-                <a:ea typeface="+mn-ea"/>
-                <a:cs typeface="+mn-cs"/>
-              </a:defRPr>
-            </a:lvl5pPr>
-            <a:lvl6pPr marL="2286000" indent="0" algn="ctr" defTabSz="914400" rtl="0" eaLnBrk="1" latinLnBrk="0" hangingPunct="1">
-              <a:lnSpc>
-                <a:spcPct val="90000"/>
-              </a:lnSpc>
-              <a:spcBef>
-                <a:spcPts val="500"/>
-              </a:spcBef>
-              <a:buFont typeface="Arial" panose="020B0604020202020204" pitchFamily="34" charset="0"/>
-              <a:buNone/>
-              <a:defRPr sz="1600" kern="1200">
-                <a:solidFill>
-                  <a:schemeClr val="tx1"/>
-                </a:solidFill>
-                <a:latin typeface="+mn-lt"/>
-                <a:ea typeface="+mn-ea"/>
-                <a:cs typeface="+mn-cs"/>
-              </a:defRPr>
-            </a:lvl6pPr>
-            <a:lvl7pPr marL="2743200" indent="0" algn="ctr" defTabSz="914400" rtl="0" eaLnBrk="1" latinLnBrk="0" hangingPunct="1">
-              <a:lnSpc>
-                <a:spcPct val="90000"/>
-              </a:lnSpc>
-              <a:spcBef>
-                <a:spcPts val="500"/>
-              </a:spcBef>
-              <a:buFont typeface="Arial" panose="020B0604020202020204" pitchFamily="34" charset="0"/>
-              <a:buNone/>
-              <a:defRPr sz="1600" kern="1200">
-                <a:solidFill>
-                  <a:schemeClr val="tx1"/>
-                </a:solidFill>
-                <a:latin typeface="+mn-lt"/>
-                <a:ea typeface="+mn-ea"/>
-                <a:cs typeface="+mn-cs"/>
-              </a:defRPr>
-            </a:lvl7pPr>
-            <a:lvl8pPr marL="3200400" indent="0" algn="ctr" defTabSz="914400" rtl="0" eaLnBrk="1" latinLnBrk="0" hangingPunct="1">
-              <a:lnSpc>
-                <a:spcPct val="90000"/>
-              </a:lnSpc>
-              <a:spcBef>
-                <a:spcPts val="500"/>
-              </a:spcBef>
-              <a:buFont typeface="Arial" panose="020B0604020202020204" pitchFamily="34" charset="0"/>
-              <a:buNone/>
-              <a:defRPr sz="1600" kern="1200">
-                <a:solidFill>
-                  <a:schemeClr val="tx1"/>
-                </a:solidFill>
-                <a:latin typeface="+mn-lt"/>
-                <a:ea typeface="+mn-ea"/>
-                <a:cs typeface="+mn-cs"/>
-              </a:defRPr>
-            </a:lvl8pPr>
-            <a:lvl9pPr marL="3657600" indent="0" algn="ctr" defTabSz="914400" rtl="0" eaLnBrk="1" latinLnBrk="0" hangingPunct="1">
-              <a:lnSpc>
-                <a:spcPct val="90000"/>
-              </a:lnSpc>
-              <a:spcBef>
-                <a:spcPts val="500"/>
-              </a:spcBef>
-              <a:buFont typeface="Arial" panose="020B0604020202020204" pitchFamily="34" charset="0"/>
-              <a:buNone/>
-              <a:defRPr sz="1600" kern="1200">
-                <a:solidFill>
-                  <a:schemeClr val="tx1"/>
-                </a:solidFill>
-                <a:latin typeface="+mn-lt"/>
-                <a:ea typeface="+mn-ea"/>
-                <a:cs typeface="+mn-cs"/>
-              </a:defRPr>
-            </a:lvl9pPr>
-          </a:lstStyle>
-          <a:p>
-            <a:pPr algn="l"/>
-            <a:r>
-              <a:rPr lang="fi-FI" dirty="0">
+          <a:lstStyle/>
+          <a:p>
+            <a:r>
+              <a:rPr lang="fi-FI" sz="2800" dirty="0">
+                <a:solidFill>
+                  <a:schemeClr val="bg1"/>
+                </a:solidFill>
+              </a:rPr>
+              <a:t>Jarkko Moilanen (</a:t>
+            </a:r>
+            <a:r>
+              <a:rPr lang="fi-FI" sz="2800" dirty="0" err="1">
+                <a:solidFill>
+                  <a:schemeClr val="bg1"/>
+                </a:solidFill>
+              </a:rPr>
+              <a:t>PhD</a:t>
+            </a:r>
+            <a:r>
+              <a:rPr lang="fi-FI" sz="2800" dirty="0">
+                <a:solidFill>
+                  <a:schemeClr val="bg1"/>
+                </a:solidFill>
+              </a:rPr>
+              <a:t>)</a:t>
+            </a:r>
+          </a:p>
+          <a:p>
+            <a:r>
+              <a:rPr lang="fi-FI" sz="2800" dirty="0" err="1">
+                <a:solidFill>
+                  <a:schemeClr val="bg1"/>
+                </a:solidFill>
+              </a:rPr>
+              <a:t>Chief</a:t>
+            </a:r>
+            <a:r>
+              <a:rPr lang="fi-FI" sz="2800" dirty="0">
                 <a:solidFill>
                   <a:schemeClr val="bg1"/>
                 </a:solidFill>
               </a:rPr>
               <a:t> </a:t>
+            </a:r>
+            <a:r>
+              <a:rPr lang="fi-FI" sz="2800" dirty="0" err="1">
+                <a:solidFill>
+                  <a:schemeClr val="bg1"/>
+                </a:solidFill>
+              </a:rPr>
+              <a:t>Development</a:t>
+            </a:r>
+            <a:r>
+              <a:rPr lang="fi-FI" sz="2800" dirty="0">
+                <a:solidFill>
+                  <a:schemeClr val="bg1"/>
+                </a:solidFill>
+              </a:rPr>
+              <a:t> </a:t>
+            </a:r>
+            <a:r>
+              <a:rPr lang="fi-FI" sz="2800" dirty="0" err="1">
+                <a:solidFill>
+                  <a:schemeClr val="bg1"/>
+                </a:solidFill>
+              </a:rPr>
+              <a:t>Officer</a:t>
+            </a:r>
+            <a:r>
+              <a:rPr lang="fi-FI" sz="2800" dirty="0">
+                <a:solidFill>
+                  <a:schemeClr val="bg1"/>
+                </a:solidFill>
+              </a:rPr>
+              <a:t>, </a:t>
+            </a:r>
+            <a:r>
+              <a:rPr lang="fi-FI" sz="2800" dirty="0" err="1">
+                <a:solidFill>
+                  <a:schemeClr val="bg1"/>
+                </a:solidFill>
+              </a:rPr>
+              <a:t>Platform</a:t>
+            </a:r>
+            <a:r>
+              <a:rPr lang="fi-FI" sz="2800" dirty="0">
+                <a:solidFill>
+                  <a:schemeClr val="bg1"/>
+                </a:solidFill>
+              </a:rPr>
+              <a:t> of </a:t>
+            </a:r>
+            <a:r>
+              <a:rPr lang="fi-FI" sz="2800" dirty="0" err="1">
+                <a:solidFill>
+                  <a:schemeClr val="bg1"/>
+                </a:solidFill>
+              </a:rPr>
+              <a:t>Trust</a:t>
+            </a:r>
+            <a:endParaRPr lang="fi-FI" sz="2800" dirty="0">
+              <a:solidFill>
+                <a:schemeClr val="bg1"/>
+              </a:solidFill>
+            </a:endParaRPr>
+          </a:p>
+          <a:p>
+            <a:r>
+              <a:rPr lang="fi-FI" sz="2800" dirty="0">
+                <a:solidFill>
+                  <a:schemeClr val="bg1"/>
+                </a:solidFill>
+              </a:rPr>
+              <a:t>@</a:t>
+            </a:r>
+            <a:r>
+              <a:rPr lang="fi-FI" sz="2800" dirty="0" err="1">
+                <a:solidFill>
+                  <a:schemeClr val="bg1"/>
+                </a:solidFill>
+              </a:rPr>
+              <a:t>Jarkko_Moilanen</a:t>
+            </a:r>
+            <a:endParaRPr lang="fi-FI" sz="2800" dirty="0">
+              <a:solidFill>
+                <a:schemeClr val="bg1"/>
+              </a:solidFill>
+            </a:endParaRPr>
+          </a:p>
+          <a:p>
+            <a:r>
+              <a:rPr lang="fi-FI" sz="2800" dirty="0">
+                <a:solidFill>
+                  <a:schemeClr val="bg1"/>
+                </a:solidFill>
+              </a:rPr>
+              <a:t>+358 40 535 9066</a:t>
             </a:r>
           </a:p>
         </p:txBody>
       </p:sp>
       <p:pic>
         <p:nvPicPr>
-          <p:cNvPr id="6" name="Kuva 5">
-            <a:extLst>
-              <a:ext uri="{FF2B5EF4-FFF2-40B4-BE49-F238E27FC236}">
-                <a16:creationId xmlns:a16="http://schemas.microsoft.com/office/drawing/2014/main" id="{90596068-3978-074A-92FC-F63519B8EE8A}"/>
+          <p:cNvPr id="17" name="Kuva 16" descr="Kuva, joka sisältää kohteen henkilö, valokuva, mies, oranssi&#10;&#10;Kuvaus luotu automaattisesti">
+            <a:extLst>
+              <a:ext uri="{FF2B5EF4-FFF2-40B4-BE49-F238E27FC236}">
+                <a16:creationId xmlns:a16="http://schemas.microsoft.com/office/drawing/2014/main" id="{BFB2B7AB-3FD5-9049-969C-F05161C64E12}"/>
               </a:ext>
             </a:extLst>
           </p:cNvPr>
@@ -6393,210 +6417,14 @@
         </p:blipFill>
         <p:spPr>
           <a:xfrm>
-            <a:off x="0" y="0"/>
-            <a:ext cx="4429211" cy="511063"/>
+            <a:off x="204216" y="192024"/>
+            <a:ext cx="4632701" cy="5623560"/>
           </a:xfrm>
           <a:prstGeom prst="rect">
             <a:avLst/>
           </a:prstGeom>
         </p:spPr>
       </p:pic>
-      <p:pic>
-        <p:nvPicPr>
-          <p:cNvPr id="7" name="Kuva 6" descr="Kuva, joka sisältää kohteen näyttökuva, valkokangas, näyttö, pitäminen&#10;&#10;Kuvaus luotu automaattisesti">
-            <a:extLst>
-              <a:ext uri="{FF2B5EF4-FFF2-40B4-BE49-F238E27FC236}">
-                <a16:creationId xmlns:a16="http://schemas.microsoft.com/office/drawing/2014/main" id="{60655ADF-2987-C44A-91F7-9A6F524497C0}"/>
-              </a:ext>
-            </a:extLst>
-          </p:cNvPr>
-          <p:cNvPicPr>
-            <a:picLocks noChangeAspect="1"/>
-          </p:cNvPicPr>
-          <p:nvPr/>
-        </p:nvPicPr>
-        <p:blipFill>
-          <a:blip r:embed="rId3"/>
-          <a:stretch>
-            <a:fillRect/>
-          </a:stretch>
-        </p:blipFill>
-        <p:spPr>
-          <a:xfrm>
-            <a:off x="426717" y="1045703"/>
-            <a:ext cx="4276002" cy="5190569"/>
-          </a:xfrm>
-          <a:prstGeom prst="rect">
-            <a:avLst/>
-          </a:prstGeom>
-        </p:spPr>
-      </p:pic>
-      <p:sp>
-        <p:nvSpPr>
-          <p:cNvPr id="8" name="Suorakulmio 7">
-            <a:extLst>
-              <a:ext uri="{FF2B5EF4-FFF2-40B4-BE49-F238E27FC236}">
-                <a16:creationId xmlns:a16="http://schemas.microsoft.com/office/drawing/2014/main" id="{CF9CA269-88D2-184F-B1F9-86E0127A9D5C}"/>
-              </a:ext>
-            </a:extLst>
-          </p:cNvPr>
-          <p:cNvSpPr/>
-          <p:nvPr/>
-        </p:nvSpPr>
-        <p:spPr>
-          <a:xfrm>
-            <a:off x="5060144" y="4311113"/>
-            <a:ext cx="6927640" cy="1815882"/>
-          </a:xfrm>
-          <a:prstGeom prst="rect">
-            <a:avLst/>
-          </a:prstGeom>
-        </p:spPr>
-        <p:txBody>
-          <a:bodyPr wrap="square">
-            <a:spAutoFit/>
-          </a:bodyPr>
-          <a:lstStyle/>
-          <a:p>
-            <a:r>
-              <a:rPr lang="fi-FI" sz="2800" dirty="0">
-                <a:solidFill>
-                  <a:schemeClr val="bg1"/>
-                </a:solidFill>
-              </a:rPr>
-              <a:t>Jarkko Moilanen (</a:t>
-            </a:r>
-            <a:r>
-              <a:rPr lang="fi-FI" sz="2800" dirty="0" err="1">
-                <a:solidFill>
-                  <a:schemeClr val="bg1"/>
-                </a:solidFill>
-              </a:rPr>
-              <a:t>PhD</a:t>
-            </a:r>
-            <a:r>
-              <a:rPr lang="fi-FI" sz="2800" dirty="0">
-                <a:solidFill>
-                  <a:schemeClr val="bg1"/>
-                </a:solidFill>
-              </a:rPr>
-              <a:t>)</a:t>
-            </a:r>
-          </a:p>
-          <a:p>
-            <a:r>
-              <a:rPr lang="fi-FI" sz="2800" dirty="0" err="1">
-                <a:solidFill>
-                  <a:schemeClr val="bg1"/>
-                </a:solidFill>
-              </a:rPr>
-              <a:t>Chief</a:t>
-            </a:r>
-            <a:r>
-              <a:rPr lang="fi-FI" sz="2800" dirty="0">
-                <a:solidFill>
-                  <a:schemeClr val="bg1"/>
-                </a:solidFill>
-              </a:rPr>
-              <a:t> </a:t>
-            </a:r>
-            <a:r>
-              <a:rPr lang="fi-FI" sz="2800" dirty="0" err="1">
-                <a:solidFill>
-                  <a:schemeClr val="bg1"/>
-                </a:solidFill>
-              </a:rPr>
-              <a:t>Development</a:t>
-            </a:r>
-            <a:r>
-              <a:rPr lang="fi-FI" sz="2800" dirty="0">
-                <a:solidFill>
-                  <a:schemeClr val="bg1"/>
-                </a:solidFill>
-              </a:rPr>
-              <a:t> </a:t>
-            </a:r>
-            <a:r>
-              <a:rPr lang="fi-FI" sz="2800" dirty="0" err="1">
-                <a:solidFill>
-                  <a:schemeClr val="bg1"/>
-                </a:solidFill>
-              </a:rPr>
-              <a:t>Officer</a:t>
-            </a:r>
-            <a:r>
-              <a:rPr lang="fi-FI" sz="2800" dirty="0">
-                <a:solidFill>
-                  <a:schemeClr val="bg1"/>
-                </a:solidFill>
-              </a:rPr>
-              <a:t>, </a:t>
-            </a:r>
-            <a:r>
-              <a:rPr lang="fi-FI" sz="2800" dirty="0" err="1">
-                <a:solidFill>
-                  <a:schemeClr val="bg1"/>
-                </a:solidFill>
-              </a:rPr>
-              <a:t>Platform</a:t>
-            </a:r>
-            <a:r>
-              <a:rPr lang="fi-FI" sz="2800" dirty="0">
-                <a:solidFill>
-                  <a:schemeClr val="bg1"/>
-                </a:solidFill>
-              </a:rPr>
-              <a:t> of </a:t>
-            </a:r>
-            <a:r>
-              <a:rPr lang="fi-FI" sz="2800" dirty="0" err="1">
-                <a:solidFill>
-                  <a:schemeClr val="bg1"/>
-                </a:solidFill>
-              </a:rPr>
-              <a:t>Trust</a:t>
-            </a:r>
-            <a:endParaRPr lang="fi-FI" sz="2800" dirty="0">
-              <a:solidFill>
-                <a:schemeClr val="bg1"/>
-              </a:solidFill>
-            </a:endParaRPr>
-          </a:p>
-          <a:p>
-            <a:r>
-              <a:rPr lang="fi-FI" sz="2800" dirty="0">
-                <a:solidFill>
-                  <a:schemeClr val="bg1"/>
-                </a:solidFill>
-              </a:rPr>
-              <a:t>@</a:t>
-            </a:r>
-            <a:r>
-              <a:rPr lang="fi-FI" sz="2800" dirty="0" err="1">
-                <a:solidFill>
-                  <a:schemeClr val="bg1"/>
-                </a:solidFill>
-              </a:rPr>
-              <a:t>Jarkko_Moilanen</a:t>
-            </a:r>
-            <a:endParaRPr lang="fi-FI" sz="2800" dirty="0">
-              <a:solidFill>
-                <a:schemeClr val="bg1"/>
-              </a:solidFill>
-            </a:endParaRPr>
-          </a:p>
-          <a:p>
-            <a:r>
-              <a:rPr lang="fi-FI" sz="2800" dirty="0">
-                <a:solidFill>
-                  <a:schemeClr val="bg1"/>
-                </a:solidFill>
-              </a:rPr>
-              <a:t>+358 40 535 9066</a:t>
-            </a:r>
-          </a:p>
-        </p:txBody>
-      </p:sp>
     </p:spTree>
     <p:extLst>
       <p:ext uri="{BB962C8B-B14F-4D97-AF65-F5344CB8AC3E}">
